--- a/毕业设计/毕业答辩.pptx
+++ b/毕业设计/毕业答辩.pptx
@@ -131,6 +131,22 @@
       </a:defRPr>
     </a:lvl9pPr>
   </p:defaultTextStyle>
+  <p:extLst>
+    <p:ext uri="{EFAFB233-063F-42B5-8137-9DF3F51BA10A}">
+      <p15:sldGuideLst xmlns:p15="http://schemas.microsoft.com/office/powerpoint/2012/main">
+        <p15:guide id="1" orient="horz" pos="1620">
+          <p15:clr>
+            <a:srgbClr val="A4A3A4"/>
+          </p15:clr>
+        </p15:guide>
+        <p15:guide id="2" pos="2880">
+          <p15:clr>
+            <a:srgbClr val="A4A3A4"/>
+          </p15:clr>
+        </p15:guide>
+      </p15:sldGuideLst>
+    </p:ext>
+  </p:extLst>
 </p:presentation>
 </file>
 
@@ -216,7 +232,7 @@
           <a:p>
             <a:fld id="{5D803A68-06D1-466A-B683-9699EAB7AE42}" type="datetimeFigureOut">
               <a:rPr lang="zh-CN" altLang="en-US" smtClean="0"/>
-              <a:t>2016/4/17</a:t>
+              <a:t>16/5/1</a:t>
             </a:fld>
             <a:endParaRPr lang="zh-CN" altLang="en-US"/>
           </a:p>
@@ -384,6 +400,11 @@
         </p:txBody>
       </p:sp>
     </p:spTree>
+    <p:extLst>
+      <p:ext uri="{BB962C8B-B14F-4D97-AF65-F5344CB8AC3E}">
+        <p14:creationId xmlns:p14="http://schemas.microsoft.com/office/powerpoint/2010/main" val="20397309"/>
+      </p:ext>
+    </p:extLst>
   </p:cSld>
   <p:clrMap bg1="lt1" tx1="dk1" bg2="lt2" tx2="dk2" accent1="accent1" accent2="accent2" accent3="accent3" accent4="accent4" accent5="accent5" accent6="accent6" hlink="hlink" folHlink="folHlink"/>
   <p:notesStyle>
@@ -555,6 +576,11 @@
         </p:txBody>
       </p:sp>
     </p:spTree>
+    <p:extLst>
+      <p:ext uri="{BB962C8B-B14F-4D97-AF65-F5344CB8AC3E}">
+        <p14:creationId xmlns:p14="http://schemas.microsoft.com/office/powerpoint/2010/main" val="1367672490"/>
+      </p:ext>
+    </p:extLst>
   </p:cSld>
   <p:clrMapOvr>
     <a:masterClrMapping/>
@@ -744,7 +770,7 @@
             <a:fld id="{530820CF-B880-4189-942D-D702A7CBA730}" type="datetimeFigureOut">
               <a:rPr lang="zh-CN" altLang="en-US" smtClean="0"/>
               <a:pPr/>
-              <a:t>2016/4/17</a:t>
+              <a:t>16/5/1</a:t>
             </a:fld>
             <a:endParaRPr lang="zh-CN" altLang="en-US"/>
           </a:p>
@@ -911,7 +937,7 @@
             <a:fld id="{530820CF-B880-4189-942D-D702A7CBA730}" type="datetimeFigureOut">
               <a:rPr lang="zh-CN" altLang="en-US" smtClean="0"/>
               <a:pPr/>
-              <a:t>2016/4/17</a:t>
+              <a:t>16/5/1</a:t>
             </a:fld>
             <a:endParaRPr lang="zh-CN" altLang="en-US"/>
           </a:p>
@@ -1088,7 +1114,7 @@
             <a:fld id="{530820CF-B880-4189-942D-D702A7CBA730}" type="datetimeFigureOut">
               <a:rPr lang="zh-CN" altLang="en-US" smtClean="0"/>
               <a:pPr/>
-              <a:t>2016/4/17</a:t>
+              <a:t>16/5/1</a:t>
             </a:fld>
             <a:endParaRPr lang="zh-CN" altLang="en-US"/>
           </a:p>
@@ -1255,7 +1281,7 @@
             <a:fld id="{530820CF-B880-4189-942D-D702A7CBA730}" type="datetimeFigureOut">
               <a:rPr lang="zh-CN" altLang="en-US" smtClean="0"/>
               <a:pPr/>
-              <a:t>2016/4/17</a:t>
+              <a:t>16/5/1</a:t>
             </a:fld>
             <a:endParaRPr lang="zh-CN" altLang="en-US"/>
           </a:p>
@@ -1498,7 +1524,7 @@
             <a:fld id="{530820CF-B880-4189-942D-D702A7CBA730}" type="datetimeFigureOut">
               <a:rPr lang="zh-CN" altLang="en-US" smtClean="0"/>
               <a:pPr/>
-              <a:t>2016/4/17</a:t>
+              <a:t>16/5/1</a:t>
             </a:fld>
             <a:endParaRPr lang="zh-CN" altLang="en-US"/>
           </a:p>
@@ -1783,7 +1809,7 @@
             <a:fld id="{530820CF-B880-4189-942D-D702A7CBA730}" type="datetimeFigureOut">
               <a:rPr lang="zh-CN" altLang="en-US" smtClean="0"/>
               <a:pPr/>
-              <a:t>2016/4/17</a:t>
+              <a:t>16/5/1</a:t>
             </a:fld>
             <a:endParaRPr lang="zh-CN" altLang="en-US"/>
           </a:p>
@@ -2202,7 +2228,7 @@
             <a:fld id="{530820CF-B880-4189-942D-D702A7CBA730}" type="datetimeFigureOut">
               <a:rPr lang="zh-CN" altLang="en-US" smtClean="0"/>
               <a:pPr/>
-              <a:t>2016/4/17</a:t>
+              <a:t>16/5/1</a:t>
             </a:fld>
             <a:endParaRPr lang="zh-CN" altLang="en-US"/>
           </a:p>
@@ -2317,7 +2343,7 @@
             <a:fld id="{530820CF-B880-4189-942D-D702A7CBA730}" type="datetimeFigureOut">
               <a:rPr lang="zh-CN" altLang="en-US" smtClean="0"/>
               <a:pPr/>
-              <a:t>2016/4/17</a:t>
+              <a:t>16/5/1</a:t>
             </a:fld>
             <a:endParaRPr lang="zh-CN" altLang="en-US"/>
           </a:p>
@@ -2409,7 +2435,7 @@
             <a:fld id="{530820CF-B880-4189-942D-D702A7CBA730}" type="datetimeFigureOut">
               <a:rPr lang="zh-CN" altLang="en-US" smtClean="0"/>
               <a:pPr/>
-              <a:t>2016/4/17</a:t>
+              <a:t>16/5/1</a:t>
             </a:fld>
             <a:endParaRPr lang="zh-CN" altLang="en-US"/>
           </a:p>
@@ -2683,7 +2709,7 @@
             <a:fld id="{530820CF-B880-4189-942D-D702A7CBA730}" type="datetimeFigureOut">
               <a:rPr lang="zh-CN" altLang="en-US" smtClean="0"/>
               <a:pPr/>
-              <a:t>2016/4/17</a:t>
+              <a:t>16/5/1</a:t>
             </a:fld>
             <a:endParaRPr lang="zh-CN" altLang="en-US"/>
           </a:p>
@@ -2933,7 +2959,7 @@
             <a:fld id="{530820CF-B880-4189-942D-D702A7CBA730}" type="datetimeFigureOut">
               <a:rPr lang="zh-CN" altLang="en-US" smtClean="0"/>
               <a:pPr/>
-              <a:t>2016/4/17</a:t>
+              <a:t>16/5/1</a:t>
             </a:fld>
             <a:endParaRPr lang="zh-CN" altLang="en-US"/>
           </a:p>
@@ -3143,7 +3169,7 @@
             <a:fld id="{530820CF-B880-4189-942D-D702A7CBA730}" type="datetimeFigureOut">
               <a:rPr lang="zh-CN" altLang="en-US" smtClean="0"/>
               <a:pPr/>
-              <a:t>2016/4/17</a:t>
+              <a:t>16/5/1</a:t>
             </a:fld>
             <a:endParaRPr lang="zh-CN" altLang="en-US"/>
           </a:p>
@@ -4379,11 +4405,7 @@
             </a:pPr>
             <a:r>
               <a:rPr lang="zh-CN" altLang="zh-CN" sz="1800" b="1" dirty="0" smtClean="0"/>
-              <a:t>物理模型</a:t>
-            </a:r>
-            <a:r>
-              <a:rPr lang="zh-CN" altLang="zh-CN" sz="1800" b="1" dirty="0" smtClean="0"/>
-              <a:t>设计</a:t>
+              <a:t>物理模型设计</a:t>
             </a:r>
             <a:endParaRPr lang="en-US" altLang="zh-CN" sz="1800" b="1" dirty="0" smtClean="0"/>
           </a:p>
@@ -4397,11 +4419,7 @@
             </a:r>
             <a:r>
               <a:rPr lang="zh-CN" altLang="zh-CN" sz="1800" dirty="0" smtClean="0"/>
-              <a:t>用户</a:t>
-            </a:r>
-            <a:r>
-              <a:rPr lang="zh-CN" altLang="zh-CN" sz="1800" dirty="0" smtClean="0"/>
-              <a:t>信息表（</a:t>
+              <a:t>用户信息表（</a:t>
             </a:r>
             <a:r>
               <a:rPr lang="en-US" altLang="zh-CN" sz="1800" dirty="0" err="1" smtClean="0"/>
@@ -4409,11 +4427,7 @@
             </a:r>
             <a:r>
               <a:rPr lang="zh-CN" altLang="zh-CN" sz="1800" dirty="0" smtClean="0"/>
-              <a:t>）这个</a:t>
-            </a:r>
-            <a:r>
-              <a:rPr lang="zh-CN" altLang="zh-CN" sz="1800" dirty="0" smtClean="0"/>
-              <a:t>表用来表示前台用户登录和用户管理的</a:t>
+              <a:t>）这个表用来表示前台用户登录和用户管理的</a:t>
             </a:r>
             <a:endParaRPr lang="en-US" altLang="zh-CN" sz="1800" b="1" dirty="0" smtClean="0"/>
           </a:p>
@@ -5203,11 +5217,7 @@
             </a:pPr>
             <a:r>
               <a:rPr lang="zh-CN" altLang="zh-CN" sz="1800" b="1" dirty="0" smtClean="0"/>
-              <a:t>物理模型</a:t>
-            </a:r>
-            <a:r>
-              <a:rPr lang="zh-CN" altLang="zh-CN" sz="1800" b="1" dirty="0" smtClean="0"/>
-              <a:t>设计</a:t>
+              <a:t>物理模型设计</a:t>
             </a:r>
             <a:endParaRPr lang="en-US" altLang="zh-CN" sz="1800" b="1" dirty="0" smtClean="0"/>
           </a:p>
@@ -5225,11 +5235,7 @@
             </a:r>
             <a:r>
               <a:rPr lang="zh-CN" altLang="zh-CN" sz="1800" dirty="0" smtClean="0"/>
-              <a:t>）测试</a:t>
-            </a:r>
-            <a:r>
-              <a:rPr lang="zh-CN" altLang="zh-CN" sz="1800" dirty="0" smtClean="0"/>
-              <a:t>员通过该表添加测试用例中的测试集合。</a:t>
+              <a:t>）测试员通过该表添加测试用例中的测试集合。</a:t>
             </a:r>
             <a:endParaRPr lang="en-US" altLang="zh-CN" sz="1800" b="1" dirty="0" smtClean="0"/>
           </a:p>
@@ -6019,11 +6025,7 @@
             </a:pPr>
             <a:r>
               <a:rPr lang="zh-CN" altLang="zh-CN" sz="1800" b="1" dirty="0" smtClean="0"/>
-              <a:t>物理模型</a:t>
-            </a:r>
-            <a:r>
-              <a:rPr lang="zh-CN" altLang="zh-CN" sz="1800" b="1" dirty="0" smtClean="0"/>
-              <a:t>设计</a:t>
+              <a:t>物理模型设计</a:t>
             </a:r>
             <a:endParaRPr lang="en-US" altLang="zh-CN" sz="1800" b="1" dirty="0" smtClean="0"/>
           </a:p>
@@ -6037,11 +6039,7 @@
             </a:r>
             <a:r>
               <a:rPr lang="zh-CN" altLang="zh-CN" sz="1800" dirty="0" smtClean="0"/>
-              <a:t>测试</a:t>
-            </a:r>
-            <a:r>
-              <a:rPr lang="zh-CN" altLang="zh-CN" sz="1800" dirty="0" smtClean="0"/>
-              <a:t>项表（</a:t>
+              <a:t>测试项表（</a:t>
             </a:r>
             <a:r>
               <a:rPr lang="en-US" altLang="zh-CN" sz="1800" dirty="0" err="1" smtClean="0"/>
@@ -6049,15 +6047,7 @@
             </a:r>
             <a:r>
               <a:rPr lang="zh-CN" altLang="zh-CN" sz="1800" dirty="0" smtClean="0"/>
-              <a:t>）保存</a:t>
-            </a:r>
-            <a:r>
-              <a:rPr lang="zh-CN" altLang="zh-CN" sz="1800" dirty="0" smtClean="0"/>
-              <a:t>功能测试场景的数据信息表</a:t>
-            </a:r>
-            <a:r>
-              <a:rPr lang="zh-CN" altLang="zh-CN" sz="1800" dirty="0" smtClean="0"/>
-              <a:t>。</a:t>
+              <a:t>）保存功能测试场景的数据信息表。</a:t>
             </a:r>
             <a:endParaRPr lang="en-US" altLang="zh-CN" sz="1800" b="1" dirty="0" smtClean="0"/>
           </a:p>
@@ -7062,11 +7052,7 @@
             </a:pPr>
             <a:r>
               <a:rPr lang="zh-CN" altLang="zh-CN" sz="1800" b="1" dirty="0" smtClean="0"/>
-              <a:t>物理模型</a:t>
-            </a:r>
-            <a:r>
-              <a:rPr lang="zh-CN" altLang="zh-CN" sz="1800" b="1" dirty="0" smtClean="0"/>
-              <a:t>设计</a:t>
+              <a:t>物理模型设计</a:t>
             </a:r>
             <a:endParaRPr lang="en-US" altLang="zh-CN" sz="1800" b="1" dirty="0" smtClean="0"/>
           </a:p>
@@ -7076,19 +7062,11 @@
             </a:pPr>
             <a:r>
               <a:rPr lang="en-US" altLang="zh-CN" sz="1800" dirty="0" smtClean="0"/>
-              <a:t> </a:t>
-            </a:r>
-            <a:r>
-              <a:rPr lang="en-US" altLang="zh-CN" sz="1800" dirty="0" smtClean="0"/>
-              <a:t>  </a:t>
+              <a:t>   </a:t>
             </a:r>
             <a:r>
               <a:rPr lang="zh-CN" altLang="zh-CN" sz="1800" dirty="0" smtClean="0"/>
-              <a:t>测试</a:t>
-            </a:r>
-            <a:r>
-              <a:rPr lang="zh-CN" altLang="zh-CN" sz="1800" dirty="0" smtClean="0"/>
-              <a:t>项表（</a:t>
+              <a:t>测试项表（</a:t>
             </a:r>
             <a:r>
               <a:rPr lang="en-US" altLang="zh-CN" sz="1800" dirty="0" err="1" smtClean="0"/>
@@ -7096,19 +7074,7 @@
             </a:r>
             <a:r>
               <a:rPr lang="zh-CN" altLang="zh-CN" sz="1800" dirty="0" smtClean="0"/>
-              <a:t>）保存</a:t>
-            </a:r>
-            <a:r>
-              <a:rPr lang="zh-CN" altLang="zh-CN" sz="1800" dirty="0" smtClean="0"/>
-              <a:t>功能测试场景的数据信息表</a:t>
-            </a:r>
-            <a:r>
-              <a:rPr lang="zh-CN" altLang="zh-CN" sz="1800" dirty="0" smtClean="0"/>
-              <a:t>。</a:t>
-            </a:r>
-            <a:r>
-              <a:rPr lang="zh-CN" altLang="zh-CN" sz="1800" dirty="0" smtClean="0"/>
-              <a:t>测试步骤表（</a:t>
+              <a:t>）保存功能测试场景的数据信息表。测试步骤表（</a:t>
             </a:r>
             <a:r>
               <a:rPr lang="en-US" altLang="zh-CN" sz="1800" dirty="0" err="1" smtClean="0"/>
@@ -7116,17 +7082,8 @@
             </a:r>
             <a:r>
               <a:rPr lang="zh-CN" altLang="zh-CN" sz="1800" dirty="0" smtClean="0"/>
-              <a:t>）保存</a:t>
-            </a:r>
-            <a:r>
-              <a:rPr lang="zh-CN" altLang="zh-CN" sz="1800" dirty="0" smtClean="0"/>
-              <a:t>功能测试场景执行步骤的数据信息</a:t>
-            </a:r>
-            <a:r>
-              <a:rPr lang="zh-CN" altLang="zh-CN" sz="1800" dirty="0" smtClean="0"/>
-              <a:t>表。</a:t>
-            </a:r>
-            <a:endParaRPr lang="zh-CN" altLang="zh-CN" sz="1800" dirty="0" smtClean="0"/>
+              <a:t>）保存功能测试场景执行步骤的数据信息表。</a:t>
+            </a:r>
           </a:p>
           <a:p>
             <a:pPr>
@@ -8129,11 +8086,7 @@
             </a:pPr>
             <a:r>
               <a:rPr lang="zh-CN" altLang="zh-CN" sz="1800" b="1" dirty="0" smtClean="0"/>
-              <a:t>物理模型</a:t>
-            </a:r>
-            <a:r>
-              <a:rPr lang="zh-CN" altLang="zh-CN" sz="1800" b="1" dirty="0" smtClean="0"/>
-              <a:t>设计</a:t>
+              <a:t>物理模型设计</a:t>
             </a:r>
             <a:endParaRPr lang="en-US" altLang="zh-CN" sz="1800" b="1" dirty="0" smtClean="0"/>
           </a:p>
@@ -8147,11 +8100,7 @@
             </a:r>
             <a:r>
               <a:rPr lang="zh-CN" altLang="zh-CN" sz="1800" dirty="0" smtClean="0"/>
-              <a:t>测试</a:t>
-            </a:r>
-            <a:r>
-              <a:rPr lang="zh-CN" altLang="zh-CN" sz="1800" dirty="0" smtClean="0"/>
-              <a:t>任务表（</a:t>
+              <a:t>测试任务表（</a:t>
             </a:r>
             <a:r>
               <a:rPr lang="en-US" altLang="zh-CN" sz="1800" dirty="0" err="1" smtClean="0"/>
@@ -8159,17 +8108,8 @@
             </a:r>
             <a:r>
               <a:rPr lang="zh-CN" altLang="zh-CN" sz="1800" dirty="0" smtClean="0"/>
-              <a:t>）保存</a:t>
-            </a:r>
-            <a:r>
-              <a:rPr lang="zh-CN" altLang="zh-CN" sz="1800" dirty="0" smtClean="0"/>
-              <a:t>功能测试执行任务信息的数据表</a:t>
-            </a:r>
-            <a:r>
-              <a:rPr lang="zh-CN" altLang="zh-CN" sz="1800" dirty="0" smtClean="0"/>
-              <a:t>。</a:t>
-            </a:r>
-            <a:endParaRPr lang="zh-CN" altLang="zh-CN" sz="1800" dirty="0" smtClean="0"/>
+              <a:t>）保存功能测试执行任务信息的数据表。</a:t>
+            </a:r>
           </a:p>
           <a:p>
             <a:pPr>
@@ -9095,11 +9035,7 @@
             </a:pPr>
             <a:r>
               <a:rPr lang="zh-CN" altLang="zh-CN" sz="1800" b="1" dirty="0" smtClean="0"/>
-              <a:t>物理模型</a:t>
-            </a:r>
-            <a:r>
-              <a:rPr lang="zh-CN" altLang="zh-CN" sz="1800" b="1" dirty="0" smtClean="0"/>
-              <a:t>设计</a:t>
+              <a:t>物理模型设计</a:t>
             </a:r>
             <a:endParaRPr lang="en-US" altLang="zh-CN" sz="1800" b="1" dirty="0" smtClean="0"/>
           </a:p>
@@ -9113,11 +9049,7 @@
             </a:r>
             <a:r>
               <a:rPr lang="zh-CN" altLang="zh-CN" sz="1800" dirty="0" smtClean="0"/>
-              <a:t>系统参数</a:t>
-            </a:r>
-            <a:r>
-              <a:rPr lang="zh-CN" altLang="zh-CN" sz="1800" dirty="0" smtClean="0"/>
-              <a:t>表（</a:t>
+              <a:t>系统参数表（</a:t>
             </a:r>
             <a:r>
               <a:rPr lang="en-US" altLang="zh-CN" sz="1800" dirty="0" err="1" smtClean="0"/>
@@ -9125,11 +9057,7 @@
             </a:r>
             <a:r>
               <a:rPr lang="zh-CN" altLang="zh-CN" sz="1800" dirty="0" smtClean="0"/>
-              <a:t>）保存</a:t>
-            </a:r>
-            <a:r>
-              <a:rPr lang="zh-CN" altLang="zh-CN" sz="1800" dirty="0" smtClean="0"/>
-              <a:t>服务系统参数的数据表</a:t>
+              <a:t>）保存服务系统参数的数据表</a:t>
             </a:r>
           </a:p>
           <a:p>
@@ -9752,11 +9680,7 @@
             <a:pPr algn="l"/>
             <a:r>
               <a:rPr lang="x-none" altLang="zh-CN" dirty="0" smtClean="0"/>
-              <a:t>摘 </a:t>
-            </a:r>
-            <a:r>
-              <a:rPr lang="x-none" altLang="zh-CN" dirty="0" smtClean="0"/>
-              <a:t>要</a:t>
+              <a:t>摘 要</a:t>
             </a:r>
             <a:endParaRPr lang="zh-CN" altLang="en-US" dirty="0"/>
           </a:p>
@@ -9793,11 +9717,7 @@
             </a:r>
             <a:r>
               <a:rPr lang="zh-CN" altLang="zh-CN" dirty="0" smtClean="0"/>
-              <a:t>近年来</a:t>
-            </a:r>
-            <a:r>
-              <a:rPr lang="zh-CN" altLang="zh-CN" dirty="0" smtClean="0"/>
-              <a:t>随着我国软件行业的快速发展，同样带动了软件测试行业的快速发展。随着软件测试行业的不断发展，由于人力资源、时间成本等条件的影响，测试过程逐步由手工测试向自动化工具测试发展，用工具代替人工，节省人力成本和时间成本。然而自动化测试工具往往忽略了一个手工测试过程，就是测试数据和环境的构建，大部分测试工具的数据都需要前期人工准备，复用性不佳。</a:t>
+              <a:t>近年来随着我国软件行业的快速发展，同样带动了软件测试行业的快速发展。随着软件测试行业的不断发展，由于人力资源、时间成本等条件的影响，测试过程逐步由手工测试向自动化工具测试发展，用工具代替人工，节省人力成本和时间成本。然而自动化测试工具往往忽略了一个手工测试过程，就是测试数据和环境的构建，大部分测试工具的数据都需要前期人工准备，复用性不佳。</a:t>
             </a:r>
           </a:p>
           <a:p>
@@ -9810,11 +9730,7 @@
             </a:r>
             <a:r>
               <a:rPr lang="zh-CN" altLang="zh-CN" dirty="0" smtClean="0"/>
-              <a:t>本</a:t>
-            </a:r>
-            <a:r>
-              <a:rPr lang="zh-CN" altLang="zh-CN" dirty="0" smtClean="0"/>
-              <a:t>系统是利用</a:t>
+              <a:t>本系统是利用</a:t>
             </a:r>
             <a:r>
               <a:rPr lang="en-US" altLang="zh-CN" dirty="0" smtClean="0"/>
@@ -9822,13 +9738,8 @@
             </a:r>
             <a:r>
               <a:rPr lang="zh-CN" altLang="zh-CN" dirty="0" smtClean="0"/>
-              <a:t>等服务技术设计和实现了一个可以让测试人员轻松设计、管理和构建测试数据的工作平台，测试数据管理与构建平台是一个利用在线服务支持测试数据设计、构建并触发测试驱动的系统，主要功能有测试数据用例编辑、测试用例编辑、测试数据构建、测试任务执行、测试任务监控、测试结果发布等、是将测试工程师从手工做数据或选数据中解脱出来的一次尝试，它的特点在于针对不同数据库类型进行定制处理，在测试用例场景前后增加对数据场景的管理，致力于对测试数据环境的高效利用。降低测试成本，提高测试效率</a:t>
-            </a:r>
-            <a:r>
-              <a:rPr lang="zh-CN" altLang="zh-CN" dirty="0" smtClean="0"/>
-              <a:t>。</a:t>
-            </a:r>
-            <a:endParaRPr lang="zh-CN" altLang="zh-CN" dirty="0" smtClean="0"/>
+              <a:t>等服务技术设计和实现了一个可以让测试人员轻松设计、管理和构建测试数据的工作平台，测试数据管理与构建平台是一个利用在线服务支持测试数据设计、构建并触发测试驱动的系统，主要功能有测试数据用例编辑、测试用例编辑、测试数据构建、测试任务执行、测试任务监控、测试结果发布等、是将测试工程师从手工做数据或选数据中解脱出来的一次尝试，它的特点在于针对不同数据库类型进行定制处理，在测试用例场景前后增加对数据场景的管理，致力于对测试数据环境的高效利用。降低测试成本，提高测试效率。</a:t>
+            </a:r>
           </a:p>
         </p:txBody>
       </p:sp>
@@ -9906,14 +9817,7 @@
                 <a:latin typeface="+mj-ea"/>
                 <a:ea typeface="+mj-ea"/>
               </a:rPr>
-              <a:t>前台模块的设计及</a:t>
-            </a:r>
-            <a:r>
-              <a:rPr lang="zh-CN" altLang="zh-CN" sz="1800" b="1" dirty="0" smtClean="0">
-                <a:latin typeface="+mj-ea"/>
-                <a:ea typeface="+mj-ea"/>
-              </a:rPr>
-              <a:t>实现</a:t>
+              <a:t>前台模块的设计及实现</a:t>
             </a:r>
             <a:endParaRPr lang="en-US" altLang="zh-CN" sz="1800" b="1" dirty="0" smtClean="0">
               <a:latin typeface="+mj-ea"/>
@@ -9926,11 +9830,7 @@
             </a:pPr>
             <a:r>
               <a:rPr lang="zh-CN" altLang="zh-CN" sz="1800" b="1" dirty="0" smtClean="0"/>
-              <a:t>用户登录</a:t>
-            </a:r>
-            <a:r>
-              <a:rPr lang="zh-CN" altLang="zh-CN" sz="1800" b="1" dirty="0" smtClean="0"/>
-              <a:t>模块</a:t>
+              <a:t>用户登录模块</a:t>
             </a:r>
             <a:endParaRPr lang="en-US" altLang="zh-CN" sz="1800" b="1" dirty="0" smtClean="0"/>
           </a:p>
@@ -10042,14 +9942,7 @@
                 <a:latin typeface="+mj-ea"/>
                 <a:ea typeface="+mj-ea"/>
               </a:rPr>
-              <a:t>前台模块的设计及</a:t>
-            </a:r>
-            <a:r>
-              <a:rPr lang="zh-CN" altLang="zh-CN" sz="1800" b="1" dirty="0" smtClean="0">
-                <a:latin typeface="+mj-ea"/>
-                <a:ea typeface="+mj-ea"/>
-              </a:rPr>
-              <a:t>实现</a:t>
+              <a:t>前台模块的设计及实现</a:t>
             </a:r>
             <a:endParaRPr lang="en-US" altLang="zh-CN" sz="1800" b="1" dirty="0" smtClean="0">
               <a:latin typeface="+mj-ea"/>
@@ -10174,14 +10067,7 @@
                 <a:latin typeface="+mj-ea"/>
                 <a:ea typeface="+mj-ea"/>
               </a:rPr>
-              <a:t>前台模块的设计及</a:t>
-            </a:r>
-            <a:r>
-              <a:rPr lang="zh-CN" altLang="zh-CN" sz="1800" b="1" dirty="0" smtClean="0">
-                <a:latin typeface="+mj-ea"/>
-                <a:ea typeface="+mj-ea"/>
-              </a:rPr>
-              <a:t>实现</a:t>
+              <a:t>前台模块的设计及实现</a:t>
             </a:r>
             <a:endParaRPr lang="en-US" altLang="zh-CN" sz="1800" b="1" dirty="0" smtClean="0">
               <a:latin typeface="+mj-ea"/>
@@ -10306,14 +10192,7 @@
                 <a:latin typeface="+mj-ea"/>
                 <a:ea typeface="+mj-ea"/>
               </a:rPr>
-              <a:t>前台模块的设计及</a:t>
-            </a:r>
-            <a:r>
-              <a:rPr lang="zh-CN" altLang="zh-CN" sz="1800" b="1" dirty="0" smtClean="0">
-                <a:latin typeface="+mj-ea"/>
-                <a:ea typeface="+mj-ea"/>
-              </a:rPr>
-              <a:t>实现</a:t>
+              <a:t>前台模块的设计及实现</a:t>
             </a:r>
             <a:endParaRPr lang="en-US" altLang="zh-CN" sz="1800" b="1" dirty="0" smtClean="0">
               <a:latin typeface="+mj-ea"/>
@@ -10438,14 +10317,7 @@
                 <a:latin typeface="+mj-ea"/>
                 <a:ea typeface="+mj-ea"/>
               </a:rPr>
-              <a:t>前台模块的设计及</a:t>
-            </a:r>
-            <a:r>
-              <a:rPr lang="zh-CN" altLang="zh-CN" sz="1800" b="1" dirty="0" smtClean="0">
-                <a:latin typeface="+mj-ea"/>
-                <a:ea typeface="+mj-ea"/>
-              </a:rPr>
-              <a:t>实现</a:t>
+              <a:t>前台模块的设计及实现</a:t>
             </a:r>
             <a:endParaRPr lang="en-US" altLang="zh-CN" sz="1800" b="1" dirty="0" smtClean="0">
               <a:latin typeface="+mj-ea"/>
@@ -10689,11 +10561,7 @@
             </a:r>
             <a:r>
               <a:rPr lang="zh-CN" altLang="zh-CN" dirty="0" smtClean="0"/>
-              <a:t>随着</a:t>
-            </a:r>
-            <a:r>
-              <a:rPr lang="zh-CN" altLang="zh-CN" dirty="0" smtClean="0"/>
-              <a:t>近年来随着我国软件行业的快速发展，同样带动了软件测试行业的快速发展。软件行业对测试从业人员的需求与日俱增，越来越凸显测试从业人员的缺口。在测试从业人员的增长量长期小于使用需求增长量的实际情况下，应该通过技术不断改进去寻求优化测试过程，解放有限的测试资源。用工具去代替人工，用方法去提高效率。在当前的测试行业环境中，测试执行已经逐步向自动化工具方向发展，大量的测试工具层出不穷，性能测试、压力测试、和功能测试工具都已日趋成熟。然而还有很多环节需要去同样的优化。数据构建和和管理就是一个契机。</a:t>
+              <a:t>随着近年来随着我国软件行业的快速发展，同样带动了软件测试行业的快速发展。软件行业对测试从业人员的需求与日俱增，越来越凸显测试从业人员的缺口。在测试从业人员的增长量长期小于使用需求增长量的实际情况下，应该通过技术不断改进去寻求优化测试过程，解放有限的测试资源。用工具去代替人工，用方法去提高效率。在当前的测试行业环境中，测试执行已经逐步向自动化工具方向发展，大量的测试工具层出不穷，性能测试、压力测试、和功能测试工具都已日趋成熟。然而还有很多环节需要去同样的优化。数据构建和和管理就是一个契机。</a:t>
             </a:r>
           </a:p>
           <a:p>
@@ -10706,11 +10574,7 @@
             </a:r>
             <a:r>
               <a:rPr lang="zh-CN" altLang="zh-CN" dirty="0" smtClean="0"/>
-              <a:t>测试数据</a:t>
-            </a:r>
-            <a:r>
-              <a:rPr lang="zh-CN" altLang="zh-CN" dirty="0" smtClean="0"/>
-              <a:t>构建和管理是测试过程数据基础和前期准备，测试过程顺利进行需要测试数据做为依托，设计和管理好测试数据尤为重要，通常执行测试前期需要很长时间设计、构造或挑选测试数据，而且往往这些数据大量捆绑、偶和在一起，重复使用的次数极低，成为死数据，留着占地，删了可惜。到了回归测试时，这些测试数据常常需要恢复或者二次准备。白白浪费了测试时间和测试资源，如果这些时间节省出来可以做很多的其他的事情。如何让这些数据能够设计简单、灵活运用。我们应从两个方向提高测试数据准备的效率，来提高测试的准备时间，第一：简化测试数据的设计，测试工程师尽可能只创建符合测试场景需要的数据或属性，剩余不阻碍测试的数据或属性由默认数据模型代替。第二：将测试数据构建作为测试场景设置在带测试场景前后，将其作为测试过程的一部分，易于维护管理和重复使用，减少测试数据冗余和数据间干扰。</a:t>
+              <a:t>测试数据构建和管理是测试过程数据基础和前期准备，测试过程顺利进行需要测试数据做为依托，设计和管理好测试数据尤为重要，通常执行测试前期需要很长时间设计、构造或挑选测试数据，而且往往这些数据大量捆绑、偶和在一起，重复使用的次数极低，成为死数据，留着占地，删了可惜。到了回归测试时，这些测试数据常常需要恢复或者二次准备。白白浪费了测试时间和测试资源，如果这些时间节省出来可以做很多的其他的事情。如何让这些数据能够设计简单、灵活运用。我们应从两个方向提高测试数据准备的效率，来提高测试的准备时间，第一：简化测试数据的设计，测试工程师尽可能只创建符合测试场景需要的数据或属性，剩余不阻碍测试的数据或属性由默认数据模型代替。第二：将测试数据构建作为测试场景设置在带测试场景前后，将其作为测试过程的一部分，易于维护管理和重复使用，减少测试数据冗余和数据间干扰。</a:t>
             </a:r>
             <a:endParaRPr lang="zh-CN" altLang="en-US" dirty="0"/>
           </a:p>
@@ -10765,165 +10629,88 @@
           </a:p>
         </p:txBody>
       </p:sp>
-      <p:sp>
-        <p:nvSpPr>
-          <p:cNvPr id="3" name="内容占位符 2"/>
-          <p:cNvSpPr>
-            <a:spLocks noGrp="1"/>
-          </p:cNvSpPr>
-          <p:nvPr>
-            <p:ph idx="1"/>
-          </p:nvPr>
-        </p:nvSpPr>
-        <p:spPr/>
-        <p:txBody>
-          <a:bodyPr>
-            <a:normAutofit fontScale="47500" lnSpcReduction="20000"/>
-          </a:bodyPr>
-          <a:lstStyle/>
-          <a:p>
-            <a:pPr>
-              <a:buNone/>
-            </a:pPr>
-            <a:r>
-              <a:rPr lang="en-US" altLang="zh-CN" dirty="0" smtClean="0"/>
-              <a:t>		</a:t>
-            </a:r>
-            <a:r>
-              <a:rPr lang="zh-CN" altLang="zh-CN" dirty="0" smtClean="0"/>
-              <a:t>据</a:t>
-            </a:r>
-            <a:r>
-              <a:rPr lang="zh-CN" altLang="zh-CN" dirty="0" smtClean="0"/>
-              <a:t>国家权威部门统计</a:t>
-            </a:r>
-            <a:r>
-              <a:rPr lang="en-US" altLang="zh-CN" dirty="0" smtClean="0"/>
-              <a:t>,</a:t>
-            </a:r>
-            <a:r>
-              <a:rPr lang="zh-CN" altLang="zh-CN" dirty="0" smtClean="0"/>
-              <a:t>中国软件人才缺口超过</a:t>
-            </a:r>
-            <a:r>
-              <a:rPr lang="en-US" altLang="zh-CN" dirty="0" smtClean="0"/>
-              <a:t>100</a:t>
-            </a:r>
-            <a:r>
-              <a:rPr lang="zh-CN" altLang="zh-CN" dirty="0" smtClean="0"/>
-              <a:t>万人，其中很大一部分为软件测试人才，缺口达到</a:t>
-            </a:r>
-            <a:r>
-              <a:rPr lang="en-US" altLang="zh-CN" dirty="0" smtClean="0"/>
-              <a:t>30</a:t>
-            </a:r>
-            <a:r>
-              <a:rPr lang="zh-CN" altLang="zh-CN" dirty="0" smtClean="0"/>
-              <a:t>－</a:t>
-            </a:r>
-            <a:r>
-              <a:rPr lang="en-US" altLang="zh-CN" dirty="0" smtClean="0"/>
-              <a:t>40</a:t>
-            </a:r>
-            <a:r>
-              <a:rPr lang="zh-CN" altLang="zh-CN" dirty="0" smtClean="0"/>
-              <a:t>万。但由于软件测试的重要性是近两年才被充分认识到的，高校教育和企业培养都还没有跟上，致使软件测试需求严重供不应求。</a:t>
-            </a:r>
-          </a:p>
-          <a:p>
-            <a:pPr>
-              <a:buNone/>
-            </a:pPr>
-            <a:r>
-              <a:rPr lang="en-US" altLang="zh-CN" dirty="0" smtClean="0"/>
-              <a:t>		</a:t>
-            </a:r>
-            <a:r>
-              <a:rPr lang="zh-CN" altLang="zh-CN" dirty="0" smtClean="0"/>
-              <a:t>项目</a:t>
-            </a:r>
-            <a:r>
-              <a:rPr lang="zh-CN" altLang="zh-CN" dirty="0" smtClean="0"/>
-              <a:t>软件编制质量的高低关键取决于软件测试工作的严密。软件测试工作不但保证了软件质量，而且降低了日后维护成本，也提高了企业信誉和实力。软件测试主要是根据项目制定测试计划，确定测试用例和测试方法，记录测试数据，分析测试结果，完成测试报告，以便软件开发人员进一步调试。</a:t>
-            </a:r>
-          </a:p>
-          <a:p>
-            <a:pPr>
-              <a:buNone/>
-            </a:pPr>
-            <a:r>
-              <a:rPr lang="en-US" altLang="zh-CN" dirty="0" smtClean="0"/>
-              <a:t>		</a:t>
-            </a:r>
-            <a:r>
-              <a:rPr lang="zh-CN" altLang="zh-CN" dirty="0" smtClean="0"/>
-              <a:t>媒体</a:t>
-            </a:r>
-            <a:r>
-              <a:rPr lang="zh-CN" altLang="zh-CN" dirty="0" smtClean="0"/>
-              <a:t>报道，国内开发人员与测试人员的比例是</a:t>
-            </a:r>
-            <a:r>
-              <a:rPr lang="en-US" altLang="zh-CN" dirty="0" smtClean="0"/>
-              <a:t>8</a:t>
-            </a:r>
-            <a:r>
-              <a:rPr lang="zh-CN" altLang="zh-CN" dirty="0" smtClean="0"/>
-              <a:t>∶</a:t>
-            </a:r>
-            <a:r>
-              <a:rPr lang="en-US" altLang="zh-CN" dirty="0" smtClean="0"/>
-              <a:t>1</a:t>
-            </a:r>
-            <a:r>
-              <a:rPr lang="zh-CN" altLang="zh-CN" dirty="0" smtClean="0"/>
-              <a:t>，而国际公认的行业标准实际上是</a:t>
-            </a:r>
-            <a:r>
-              <a:rPr lang="en-US" altLang="zh-CN" dirty="0" smtClean="0"/>
-              <a:t>1</a:t>
-            </a:r>
-            <a:r>
-              <a:rPr lang="zh-CN" altLang="zh-CN" dirty="0" smtClean="0"/>
-              <a:t>∶</a:t>
-            </a:r>
-            <a:r>
-              <a:rPr lang="en-US" altLang="zh-CN" dirty="0" smtClean="0"/>
-              <a:t>1</a:t>
-            </a:r>
-            <a:r>
-              <a:rPr lang="zh-CN" altLang="zh-CN" dirty="0" smtClean="0"/>
-              <a:t>，这一点上国内测试行业与国外的差距比较大。实际上，为了保证软件质量，从项目开始测试人员就要介入，要了解客户需求，参与项目评审，把握测试要点。如果测试人员数量少，软件质量是得不到保证的。因此测试行业的确需要大量人才，尤其是性能测试。</a:t>
-            </a:r>
-          </a:p>
-          <a:p>
-            <a:pPr>
-              <a:buNone/>
-            </a:pPr>
-            <a:r>
-              <a:rPr lang="en-US" altLang="zh-CN" dirty="0" smtClean="0"/>
-              <a:t>		</a:t>
-            </a:r>
-            <a:r>
-              <a:rPr lang="zh-CN" altLang="zh-CN" dirty="0" smtClean="0"/>
-              <a:t>由于</a:t>
-            </a:r>
-            <a:r>
-              <a:rPr lang="zh-CN" altLang="zh-CN" dirty="0" smtClean="0"/>
-              <a:t>国内测试行业还处于起步阶段，所以大家对测试工程师这个职业的发展前景还不明确。其实，开发有什么样的岗位，测试也有就相对应的岗位，比如开发有架构师，测试也有测试架构师，也需要从整体架构考虑怎么做测试。国内公司一般会有初级、中级、高级测试工程师、项目经理、部门经理。当然也有一些公司已经有比较完善的体系，比如性能测试领域，除了初级、中级、高级测试人员之外，还有测试专家，性能测试分析师，架构师。近几年国内的测试行业也在逐步规范，分工越来越细，相信测试行业发展也会越来越好</a:t>
-            </a:r>
-            <a:r>
-              <a:rPr lang="en-US" altLang="zh-CN" baseline="30000" dirty="0" smtClean="0"/>
-              <a:t>[1]</a:t>
-            </a:r>
-            <a:r>
-              <a:rPr lang="zh-CN" altLang="zh-CN" dirty="0" smtClean="0"/>
-              <a:t>。</a:t>
-            </a:r>
-            <a:endParaRPr lang="zh-CN" altLang="en-US" dirty="0"/>
-          </a:p>
-        </p:txBody>
-      </p:sp>
+      <p:pic>
+        <p:nvPicPr>
+          <p:cNvPr id="1026" name="Picture 2" descr="http://i0.sinaimg.cn/IT/s/2009-07-03/1246584601_NHNdaQ.jpg"/>
+          <p:cNvPicPr>
+            <a:picLocks noChangeAspect="1" noChangeArrowheads="1"/>
+          </p:cNvPicPr>
+          <p:nvPr/>
+        </p:nvPicPr>
+        <p:blipFill>
+          <a:blip r:embed="rId3">
+            <a:extLst>
+              <a:ext uri="{28A0092B-C50C-407E-A947-70E740481C1C}">
+                <a14:useLocalDpi xmlns:a14="http://schemas.microsoft.com/office/drawing/2010/main" val="0"/>
+              </a:ext>
+            </a:extLst>
+          </a:blip>
+          <a:srcRect/>
+          <a:stretch>
+            <a:fillRect/>
+          </a:stretch>
+        </p:blipFill>
+        <p:spPr bwMode="auto">
+          <a:xfrm>
+            <a:off x="560378" y="1563638"/>
+            <a:ext cx="4032448" cy="2801766"/>
+          </a:xfrm>
+          <a:prstGeom prst="rect">
+            <a:avLst/>
+          </a:prstGeom>
+          <a:noFill/>
+          <a:extLst>
+            <a:ext uri="{909E8E84-426E-40DD-AFC4-6F175D3DCCD1}">
+              <a14:hiddenFill xmlns:a14="http://schemas.microsoft.com/office/drawing/2010/main">
+                <a:solidFill>
+                  <a:srgbClr val="FFFFFF"/>
+                </a:solidFill>
+              </a14:hiddenFill>
+            </a:ext>
+          </a:extLst>
+        </p:spPr>
+      </p:pic>
+      <p:pic>
+        <p:nvPicPr>
+          <p:cNvPr id="1028" name="Picture 4" descr="http://www.chinatesting.cn/hpit/images/zdh.jpg"/>
+          <p:cNvPicPr>
+            <a:picLocks noChangeAspect="1" noChangeArrowheads="1"/>
+          </p:cNvPicPr>
+          <p:nvPr/>
+        </p:nvPicPr>
+        <p:blipFill>
+          <a:blip r:embed="rId4">
+            <a:extLst>
+              <a:ext uri="{28A0092B-C50C-407E-A947-70E740481C1C}">
+                <a14:useLocalDpi xmlns:a14="http://schemas.microsoft.com/office/drawing/2010/main" val="0"/>
+              </a:ext>
+            </a:extLst>
+          </a:blip>
+          <a:srcRect/>
+          <a:stretch>
+            <a:fillRect/>
+          </a:stretch>
+        </p:blipFill>
+        <p:spPr bwMode="auto">
+          <a:xfrm>
+            <a:off x="4605214" y="1563638"/>
+            <a:ext cx="4394927" cy="2801766"/>
+          </a:xfrm>
+          <a:prstGeom prst="rect">
+            <a:avLst/>
+          </a:prstGeom>
+          <a:noFill/>
+          <a:extLst>
+            <a:ext uri="{909E8E84-426E-40DD-AFC4-6F175D3DCCD1}">
+              <a14:hiddenFill xmlns:a14="http://schemas.microsoft.com/office/drawing/2010/main">
+                <a:solidFill>
+                  <a:srgbClr val="FFFFFF"/>
+                </a:solidFill>
+              </a14:hiddenFill>
+            </a:ext>
+          </a:extLst>
+        </p:spPr>
+      </p:pic>
     </p:spTree>
   </p:cSld>
   <p:clrMapOvr>
@@ -13943,11 +13730,7 @@
             </a:pPr>
             <a:r>
               <a:rPr lang="zh-CN" altLang="zh-CN" dirty="0" smtClean="0"/>
-              <a:t>后台数据库的</a:t>
-            </a:r>
-            <a:r>
-              <a:rPr lang="zh-CN" altLang="zh-CN" dirty="0" smtClean="0"/>
-              <a:t>总体设计</a:t>
+              <a:t>后台数据库的总体设计</a:t>
             </a:r>
             <a:endParaRPr lang="en-US" altLang="zh-CN" dirty="0" smtClean="0"/>
           </a:p>
@@ -13961,11 +13744,7 @@
             </a:r>
             <a:r>
               <a:rPr lang="zh-CN" altLang="zh-CN" dirty="0" smtClean="0"/>
-              <a:t>为了</a:t>
-            </a:r>
-            <a:r>
-              <a:rPr lang="zh-CN" altLang="zh-CN" dirty="0" smtClean="0"/>
-              <a:t>实现系统的功能设计，就要有相应的数据库表设计。根据系统的功能设计要求为各个数据库表设计字段、数据类型、长度和是否为空等的相关信息。在实际调研和需求分析的基础上，对该系统设计数据库。再有系统的需求分析可以看出，本平台有</a:t>
+              <a:t>为了实现系统的功能设计，就要有相应的数据库表设计。根据系统的功能设计要求为各个数据库表设计字段、数据类型、长度和是否为空等的相关信息。在实际调研和需求分析的基础上，对该系统设计数据库。再有系统的需求分析可以看出，本平台有</a:t>
             </a:r>
             <a:r>
               <a:rPr lang="en-US" altLang="zh-CN" dirty="0" smtClean="0"/>
@@ -13973,13 +13752,8 @@
             </a:r>
             <a:r>
               <a:rPr lang="zh-CN" altLang="zh-CN" dirty="0" smtClean="0"/>
-              <a:t>个角色：测试工程师和系统管理员，他们分别在平台的运行和使用中起着不同的作用。因此，本系统数据库共建了如下表：对测试工程师需要的用户信息表、测试集合表、测试项表、测试数据表和任务信息表，对于管理员的用户信息表、系统参数表等</a:t>
-            </a:r>
-            <a:r>
-              <a:rPr lang="zh-CN" altLang="zh-CN" dirty="0" smtClean="0"/>
-              <a:t>。</a:t>
-            </a:r>
-            <a:endParaRPr lang="zh-CN" altLang="zh-CN" dirty="0" smtClean="0"/>
+              <a:t>个角色：测试工程师和系统管理员，他们分别在平台的运行和使用中起着不同的作用。因此，本系统数据库共建了如下表：对测试工程师需要的用户信息表、测试集合表、测试项表、测试数据表和任务信息表，对于管理员的用户信息表、系统参数表等。</a:t>
+            </a:r>
           </a:p>
         </p:txBody>
       </p:sp>
@@ -14054,11 +13828,7 @@
             </a:pPr>
             <a:r>
               <a:rPr lang="zh-CN" altLang="zh-CN" dirty="0" smtClean="0"/>
-              <a:t>系统设计</a:t>
-            </a:r>
-            <a:r>
-              <a:rPr lang="zh-CN" altLang="zh-CN" dirty="0" smtClean="0"/>
-              <a:t>思想</a:t>
+              <a:t>系统设计思想</a:t>
             </a:r>
             <a:r>
               <a:rPr lang="zh-CN" altLang="en-US" dirty="0" smtClean="0"/>

--- a/毕业设计/毕业答辩.pptx
+++ b/毕业设计/毕业答辩.pptx
@@ -5,7 +5,7 @@
     <p:sldMasterId id="2147483648" r:id="rId1"/>
   </p:sldMasterIdLst>
   <p:notesMasterIdLst>
-    <p:notesMasterId r:id="rId27"/>
+    <p:notesMasterId r:id="rId26"/>
   </p:notesMasterIdLst>
   <p:sldIdLst>
     <p:sldId id="256" r:id="rId2"/>
@@ -20,19 +20,18 @@
     <p:sldId id="265" r:id="rId11"/>
     <p:sldId id="266" r:id="rId12"/>
     <p:sldId id="268" r:id="rId13"/>
-    <p:sldId id="269" r:id="rId14"/>
-    <p:sldId id="271" r:id="rId15"/>
-    <p:sldId id="270" r:id="rId16"/>
-    <p:sldId id="272" r:id="rId17"/>
-    <p:sldId id="273" r:id="rId18"/>
-    <p:sldId id="274" r:id="rId19"/>
-    <p:sldId id="275" r:id="rId20"/>
-    <p:sldId id="276" r:id="rId21"/>
-    <p:sldId id="277" r:id="rId22"/>
-    <p:sldId id="278" r:id="rId23"/>
-    <p:sldId id="279" r:id="rId24"/>
-    <p:sldId id="280" r:id="rId25"/>
-    <p:sldId id="281" r:id="rId26"/>
+    <p:sldId id="271" r:id="rId14"/>
+    <p:sldId id="270" r:id="rId15"/>
+    <p:sldId id="272" r:id="rId16"/>
+    <p:sldId id="273" r:id="rId17"/>
+    <p:sldId id="274" r:id="rId18"/>
+    <p:sldId id="275" r:id="rId19"/>
+    <p:sldId id="276" r:id="rId20"/>
+    <p:sldId id="277" r:id="rId21"/>
+    <p:sldId id="278" r:id="rId22"/>
+    <p:sldId id="279" r:id="rId23"/>
+    <p:sldId id="280" r:id="rId24"/>
+    <p:sldId id="281" r:id="rId25"/>
   </p:sldIdLst>
   <p:sldSz cx="9144000" cy="5143500" type="screen16x9"/>
   <p:notesSz cx="6858000" cy="9144000"/>
@@ -232,7 +231,7 @@
           <a:p>
             <a:fld id="{5D803A68-06D1-466A-B683-9699EAB7AE42}" type="datetimeFigureOut">
               <a:rPr lang="zh-CN" altLang="en-US" smtClean="0"/>
-              <a:t>16/5/1</a:t>
+              <a:t>16/5/2</a:t>
             </a:fld>
             <a:endParaRPr lang="zh-CN" altLang="en-US"/>
           </a:p>
@@ -770,7 +769,7 @@
             <a:fld id="{530820CF-B880-4189-942D-D702A7CBA730}" type="datetimeFigureOut">
               <a:rPr lang="zh-CN" altLang="en-US" smtClean="0"/>
               <a:pPr/>
-              <a:t>16/5/1</a:t>
+              <a:t>16/5/2</a:t>
             </a:fld>
             <a:endParaRPr lang="zh-CN" altLang="en-US"/>
           </a:p>
@@ -937,7 +936,7 @@
             <a:fld id="{530820CF-B880-4189-942D-D702A7CBA730}" type="datetimeFigureOut">
               <a:rPr lang="zh-CN" altLang="en-US" smtClean="0"/>
               <a:pPr/>
-              <a:t>16/5/1</a:t>
+              <a:t>16/5/2</a:t>
             </a:fld>
             <a:endParaRPr lang="zh-CN" altLang="en-US"/>
           </a:p>
@@ -1114,7 +1113,7 @@
             <a:fld id="{530820CF-B880-4189-942D-D702A7CBA730}" type="datetimeFigureOut">
               <a:rPr lang="zh-CN" altLang="en-US" smtClean="0"/>
               <a:pPr/>
-              <a:t>16/5/1</a:t>
+              <a:t>16/5/2</a:t>
             </a:fld>
             <a:endParaRPr lang="zh-CN" altLang="en-US"/>
           </a:p>
@@ -1281,7 +1280,7 @@
             <a:fld id="{530820CF-B880-4189-942D-D702A7CBA730}" type="datetimeFigureOut">
               <a:rPr lang="zh-CN" altLang="en-US" smtClean="0"/>
               <a:pPr/>
-              <a:t>16/5/1</a:t>
+              <a:t>16/5/2</a:t>
             </a:fld>
             <a:endParaRPr lang="zh-CN" altLang="en-US"/>
           </a:p>
@@ -1524,7 +1523,7 @@
             <a:fld id="{530820CF-B880-4189-942D-D702A7CBA730}" type="datetimeFigureOut">
               <a:rPr lang="zh-CN" altLang="en-US" smtClean="0"/>
               <a:pPr/>
-              <a:t>16/5/1</a:t>
+              <a:t>16/5/2</a:t>
             </a:fld>
             <a:endParaRPr lang="zh-CN" altLang="en-US"/>
           </a:p>
@@ -1809,7 +1808,7 @@
             <a:fld id="{530820CF-B880-4189-942D-D702A7CBA730}" type="datetimeFigureOut">
               <a:rPr lang="zh-CN" altLang="en-US" smtClean="0"/>
               <a:pPr/>
-              <a:t>16/5/1</a:t>
+              <a:t>16/5/2</a:t>
             </a:fld>
             <a:endParaRPr lang="zh-CN" altLang="en-US"/>
           </a:p>
@@ -2228,7 +2227,7 @@
             <a:fld id="{530820CF-B880-4189-942D-D702A7CBA730}" type="datetimeFigureOut">
               <a:rPr lang="zh-CN" altLang="en-US" smtClean="0"/>
               <a:pPr/>
-              <a:t>16/5/1</a:t>
+              <a:t>16/5/2</a:t>
             </a:fld>
             <a:endParaRPr lang="zh-CN" altLang="en-US"/>
           </a:p>
@@ -2343,7 +2342,7 @@
             <a:fld id="{530820CF-B880-4189-942D-D702A7CBA730}" type="datetimeFigureOut">
               <a:rPr lang="zh-CN" altLang="en-US" smtClean="0"/>
               <a:pPr/>
-              <a:t>16/5/1</a:t>
+              <a:t>16/5/2</a:t>
             </a:fld>
             <a:endParaRPr lang="zh-CN" altLang="en-US"/>
           </a:p>
@@ -2435,7 +2434,7 @@
             <a:fld id="{530820CF-B880-4189-942D-D702A7CBA730}" type="datetimeFigureOut">
               <a:rPr lang="zh-CN" altLang="en-US" smtClean="0"/>
               <a:pPr/>
-              <a:t>16/5/1</a:t>
+              <a:t>16/5/2</a:t>
             </a:fld>
             <a:endParaRPr lang="zh-CN" altLang="en-US"/>
           </a:p>
@@ -2709,7 +2708,7 @@
             <a:fld id="{530820CF-B880-4189-942D-D702A7CBA730}" type="datetimeFigureOut">
               <a:rPr lang="zh-CN" altLang="en-US" smtClean="0"/>
               <a:pPr/>
-              <a:t>16/5/1</a:t>
+              <a:t>16/5/2</a:t>
             </a:fld>
             <a:endParaRPr lang="zh-CN" altLang="en-US"/>
           </a:p>
@@ -2959,7 +2958,7 @@
             <a:fld id="{530820CF-B880-4189-942D-D702A7CBA730}" type="datetimeFigureOut">
               <a:rPr lang="zh-CN" altLang="en-US" smtClean="0"/>
               <a:pPr/>
-              <a:t>16/5/1</a:t>
+              <a:t>16/5/2</a:t>
             </a:fld>
             <a:endParaRPr lang="zh-CN" altLang="en-US"/>
           </a:p>
@@ -3169,7 +3168,7 @@
             <a:fld id="{530820CF-B880-4189-942D-D702A7CBA730}" type="datetimeFigureOut">
               <a:rPr lang="zh-CN" altLang="en-US" smtClean="0"/>
               <a:pPr/>
-              <a:t>16/5/1</a:t>
+              <a:t>16/5/2</a:t>
             </a:fld>
             <a:endParaRPr lang="zh-CN" altLang="en-US"/>
           </a:p>
@@ -3822,6 +3821,757 @@
   <p:clrMapOvr>
     <a:masterClrMapping/>
   </p:clrMapOvr>
+  <p:timing>
+    <p:tnLst>
+      <p:par>
+        <p:cTn id="1" dur="indefinite" restart="never" nodeType="tmRoot">
+          <p:childTnLst>
+            <p:seq concurrent="1" nextAc="seek">
+              <p:cTn id="2" dur="indefinite" nodeType="mainSeq">
+                <p:childTnLst>
+                  <p:par>
+                    <p:cTn id="3" fill="hold">
+                      <p:stCondLst>
+                        <p:cond delay="indefinite"/>
+                      </p:stCondLst>
+                      <p:childTnLst>
+                        <p:par>
+                          <p:cTn id="4" fill="hold">
+                            <p:stCondLst>
+                              <p:cond delay="0"/>
+                            </p:stCondLst>
+                            <p:childTnLst>
+                              <p:par>
+                                <p:cTn id="5" presetID="2" presetClass="entr" presetSubtype="4" fill="hold" nodeType="clickEffect">
+                                  <p:stCondLst>
+                                    <p:cond delay="0"/>
+                                  </p:stCondLst>
+                                  <p:childTnLst>
+                                    <p:set>
+                                      <p:cBhvr>
+                                        <p:cTn id="6" dur="1" fill="hold">
+                                          <p:stCondLst>
+                                            <p:cond delay="0"/>
+                                          </p:stCondLst>
+                                        </p:cTn>
+                                        <p:tgtEl>
+                                          <p:spTgt spid="3">
+                                            <p:txEl>
+                                              <p:pRg st="1" end="1"/>
+                                            </p:txEl>
+                                          </p:spTgt>
+                                        </p:tgtEl>
+                                        <p:attrNameLst>
+                                          <p:attrName>style.visibility</p:attrName>
+                                        </p:attrNameLst>
+                                      </p:cBhvr>
+                                      <p:to>
+                                        <p:strVal val="visible"/>
+                                      </p:to>
+                                    </p:set>
+                                    <p:anim calcmode="lin" valueType="num">
+                                      <p:cBhvr additive="base">
+                                        <p:cTn id="7" dur="500" fill="hold"/>
+                                        <p:tgtEl>
+                                          <p:spTgt spid="3">
+                                            <p:txEl>
+                                              <p:pRg st="1" end="1"/>
+                                            </p:txEl>
+                                          </p:spTgt>
+                                        </p:tgtEl>
+                                        <p:attrNameLst>
+                                          <p:attrName>ppt_x</p:attrName>
+                                        </p:attrNameLst>
+                                      </p:cBhvr>
+                                      <p:tavLst>
+                                        <p:tav tm="0">
+                                          <p:val>
+                                            <p:strVal val="#ppt_x"/>
+                                          </p:val>
+                                        </p:tav>
+                                        <p:tav tm="100000">
+                                          <p:val>
+                                            <p:strVal val="#ppt_x"/>
+                                          </p:val>
+                                        </p:tav>
+                                      </p:tavLst>
+                                    </p:anim>
+                                    <p:anim calcmode="lin" valueType="num">
+                                      <p:cBhvr additive="base">
+                                        <p:cTn id="8" dur="500" fill="hold"/>
+                                        <p:tgtEl>
+                                          <p:spTgt spid="3">
+                                            <p:txEl>
+                                              <p:pRg st="1" end="1"/>
+                                            </p:txEl>
+                                          </p:spTgt>
+                                        </p:tgtEl>
+                                        <p:attrNameLst>
+                                          <p:attrName>ppt_y</p:attrName>
+                                        </p:attrNameLst>
+                                      </p:cBhvr>
+                                      <p:tavLst>
+                                        <p:tav tm="0">
+                                          <p:val>
+                                            <p:strVal val="1+#ppt_h/2"/>
+                                          </p:val>
+                                        </p:tav>
+                                        <p:tav tm="100000">
+                                          <p:val>
+                                            <p:strVal val="#ppt_y"/>
+                                          </p:val>
+                                        </p:tav>
+                                      </p:tavLst>
+                                    </p:anim>
+                                  </p:childTnLst>
+                                </p:cTn>
+                              </p:par>
+                            </p:childTnLst>
+                          </p:cTn>
+                        </p:par>
+                      </p:childTnLst>
+                    </p:cTn>
+                  </p:par>
+                  <p:par>
+                    <p:cTn id="9" fill="hold">
+                      <p:stCondLst>
+                        <p:cond delay="indefinite"/>
+                      </p:stCondLst>
+                      <p:childTnLst>
+                        <p:par>
+                          <p:cTn id="10" fill="hold">
+                            <p:stCondLst>
+                              <p:cond delay="0"/>
+                            </p:stCondLst>
+                            <p:childTnLst>
+                              <p:par>
+                                <p:cTn id="11" presetID="2" presetClass="entr" presetSubtype="4" fill="hold" nodeType="clickEffect">
+                                  <p:stCondLst>
+                                    <p:cond delay="0"/>
+                                  </p:stCondLst>
+                                  <p:childTnLst>
+                                    <p:set>
+                                      <p:cBhvr>
+                                        <p:cTn id="12" dur="1" fill="hold">
+                                          <p:stCondLst>
+                                            <p:cond delay="0"/>
+                                          </p:stCondLst>
+                                        </p:cTn>
+                                        <p:tgtEl>
+                                          <p:spTgt spid="3">
+                                            <p:txEl>
+                                              <p:pRg st="2" end="2"/>
+                                            </p:txEl>
+                                          </p:spTgt>
+                                        </p:tgtEl>
+                                        <p:attrNameLst>
+                                          <p:attrName>style.visibility</p:attrName>
+                                        </p:attrNameLst>
+                                      </p:cBhvr>
+                                      <p:to>
+                                        <p:strVal val="visible"/>
+                                      </p:to>
+                                    </p:set>
+                                    <p:anim calcmode="lin" valueType="num">
+                                      <p:cBhvr additive="base">
+                                        <p:cTn id="13" dur="500" fill="hold"/>
+                                        <p:tgtEl>
+                                          <p:spTgt spid="3">
+                                            <p:txEl>
+                                              <p:pRg st="2" end="2"/>
+                                            </p:txEl>
+                                          </p:spTgt>
+                                        </p:tgtEl>
+                                        <p:attrNameLst>
+                                          <p:attrName>ppt_x</p:attrName>
+                                        </p:attrNameLst>
+                                      </p:cBhvr>
+                                      <p:tavLst>
+                                        <p:tav tm="0">
+                                          <p:val>
+                                            <p:strVal val="#ppt_x"/>
+                                          </p:val>
+                                        </p:tav>
+                                        <p:tav tm="100000">
+                                          <p:val>
+                                            <p:strVal val="#ppt_x"/>
+                                          </p:val>
+                                        </p:tav>
+                                      </p:tavLst>
+                                    </p:anim>
+                                    <p:anim calcmode="lin" valueType="num">
+                                      <p:cBhvr additive="base">
+                                        <p:cTn id="14" dur="500" fill="hold"/>
+                                        <p:tgtEl>
+                                          <p:spTgt spid="3">
+                                            <p:txEl>
+                                              <p:pRg st="2" end="2"/>
+                                            </p:txEl>
+                                          </p:spTgt>
+                                        </p:tgtEl>
+                                        <p:attrNameLst>
+                                          <p:attrName>ppt_y</p:attrName>
+                                        </p:attrNameLst>
+                                      </p:cBhvr>
+                                      <p:tavLst>
+                                        <p:tav tm="0">
+                                          <p:val>
+                                            <p:strVal val="1+#ppt_h/2"/>
+                                          </p:val>
+                                        </p:tav>
+                                        <p:tav tm="100000">
+                                          <p:val>
+                                            <p:strVal val="#ppt_y"/>
+                                          </p:val>
+                                        </p:tav>
+                                      </p:tavLst>
+                                    </p:anim>
+                                  </p:childTnLst>
+                                </p:cTn>
+                              </p:par>
+                            </p:childTnLst>
+                          </p:cTn>
+                        </p:par>
+                      </p:childTnLst>
+                    </p:cTn>
+                  </p:par>
+                  <p:par>
+                    <p:cTn id="15" fill="hold">
+                      <p:stCondLst>
+                        <p:cond delay="indefinite"/>
+                      </p:stCondLst>
+                      <p:childTnLst>
+                        <p:par>
+                          <p:cTn id="16" fill="hold">
+                            <p:stCondLst>
+                              <p:cond delay="0"/>
+                            </p:stCondLst>
+                            <p:childTnLst>
+                              <p:par>
+                                <p:cTn id="17" presetID="2" presetClass="entr" presetSubtype="4" fill="hold" nodeType="clickEffect">
+                                  <p:stCondLst>
+                                    <p:cond delay="0"/>
+                                  </p:stCondLst>
+                                  <p:childTnLst>
+                                    <p:set>
+                                      <p:cBhvr>
+                                        <p:cTn id="18" dur="1" fill="hold">
+                                          <p:stCondLst>
+                                            <p:cond delay="0"/>
+                                          </p:stCondLst>
+                                        </p:cTn>
+                                        <p:tgtEl>
+                                          <p:spTgt spid="3">
+                                            <p:txEl>
+                                              <p:pRg st="3" end="3"/>
+                                            </p:txEl>
+                                          </p:spTgt>
+                                        </p:tgtEl>
+                                        <p:attrNameLst>
+                                          <p:attrName>style.visibility</p:attrName>
+                                        </p:attrNameLst>
+                                      </p:cBhvr>
+                                      <p:to>
+                                        <p:strVal val="visible"/>
+                                      </p:to>
+                                    </p:set>
+                                    <p:anim calcmode="lin" valueType="num">
+                                      <p:cBhvr additive="base">
+                                        <p:cTn id="19" dur="500" fill="hold"/>
+                                        <p:tgtEl>
+                                          <p:spTgt spid="3">
+                                            <p:txEl>
+                                              <p:pRg st="3" end="3"/>
+                                            </p:txEl>
+                                          </p:spTgt>
+                                        </p:tgtEl>
+                                        <p:attrNameLst>
+                                          <p:attrName>ppt_x</p:attrName>
+                                        </p:attrNameLst>
+                                      </p:cBhvr>
+                                      <p:tavLst>
+                                        <p:tav tm="0">
+                                          <p:val>
+                                            <p:strVal val="#ppt_x"/>
+                                          </p:val>
+                                        </p:tav>
+                                        <p:tav tm="100000">
+                                          <p:val>
+                                            <p:strVal val="#ppt_x"/>
+                                          </p:val>
+                                        </p:tav>
+                                      </p:tavLst>
+                                    </p:anim>
+                                    <p:anim calcmode="lin" valueType="num">
+                                      <p:cBhvr additive="base">
+                                        <p:cTn id="20" dur="500" fill="hold"/>
+                                        <p:tgtEl>
+                                          <p:spTgt spid="3">
+                                            <p:txEl>
+                                              <p:pRg st="3" end="3"/>
+                                            </p:txEl>
+                                          </p:spTgt>
+                                        </p:tgtEl>
+                                        <p:attrNameLst>
+                                          <p:attrName>ppt_y</p:attrName>
+                                        </p:attrNameLst>
+                                      </p:cBhvr>
+                                      <p:tavLst>
+                                        <p:tav tm="0">
+                                          <p:val>
+                                            <p:strVal val="1+#ppt_h/2"/>
+                                          </p:val>
+                                        </p:tav>
+                                        <p:tav tm="100000">
+                                          <p:val>
+                                            <p:strVal val="#ppt_y"/>
+                                          </p:val>
+                                        </p:tav>
+                                      </p:tavLst>
+                                    </p:anim>
+                                  </p:childTnLst>
+                                </p:cTn>
+                              </p:par>
+                            </p:childTnLst>
+                          </p:cTn>
+                        </p:par>
+                      </p:childTnLst>
+                    </p:cTn>
+                  </p:par>
+                  <p:par>
+                    <p:cTn id="21" fill="hold">
+                      <p:stCondLst>
+                        <p:cond delay="indefinite"/>
+                      </p:stCondLst>
+                      <p:childTnLst>
+                        <p:par>
+                          <p:cTn id="22" fill="hold">
+                            <p:stCondLst>
+                              <p:cond delay="0"/>
+                            </p:stCondLst>
+                            <p:childTnLst>
+                              <p:par>
+                                <p:cTn id="23" presetID="2" presetClass="entr" presetSubtype="4" fill="hold" nodeType="clickEffect">
+                                  <p:stCondLst>
+                                    <p:cond delay="0"/>
+                                  </p:stCondLst>
+                                  <p:childTnLst>
+                                    <p:set>
+                                      <p:cBhvr>
+                                        <p:cTn id="24" dur="1" fill="hold">
+                                          <p:stCondLst>
+                                            <p:cond delay="0"/>
+                                          </p:stCondLst>
+                                        </p:cTn>
+                                        <p:tgtEl>
+                                          <p:spTgt spid="3">
+                                            <p:txEl>
+                                              <p:pRg st="4" end="4"/>
+                                            </p:txEl>
+                                          </p:spTgt>
+                                        </p:tgtEl>
+                                        <p:attrNameLst>
+                                          <p:attrName>style.visibility</p:attrName>
+                                        </p:attrNameLst>
+                                      </p:cBhvr>
+                                      <p:to>
+                                        <p:strVal val="visible"/>
+                                      </p:to>
+                                    </p:set>
+                                    <p:anim calcmode="lin" valueType="num">
+                                      <p:cBhvr additive="base">
+                                        <p:cTn id="25" dur="500" fill="hold"/>
+                                        <p:tgtEl>
+                                          <p:spTgt spid="3">
+                                            <p:txEl>
+                                              <p:pRg st="4" end="4"/>
+                                            </p:txEl>
+                                          </p:spTgt>
+                                        </p:tgtEl>
+                                        <p:attrNameLst>
+                                          <p:attrName>ppt_x</p:attrName>
+                                        </p:attrNameLst>
+                                      </p:cBhvr>
+                                      <p:tavLst>
+                                        <p:tav tm="0">
+                                          <p:val>
+                                            <p:strVal val="#ppt_x"/>
+                                          </p:val>
+                                        </p:tav>
+                                        <p:tav tm="100000">
+                                          <p:val>
+                                            <p:strVal val="#ppt_x"/>
+                                          </p:val>
+                                        </p:tav>
+                                      </p:tavLst>
+                                    </p:anim>
+                                    <p:anim calcmode="lin" valueType="num">
+                                      <p:cBhvr additive="base">
+                                        <p:cTn id="26" dur="500" fill="hold"/>
+                                        <p:tgtEl>
+                                          <p:spTgt spid="3">
+                                            <p:txEl>
+                                              <p:pRg st="4" end="4"/>
+                                            </p:txEl>
+                                          </p:spTgt>
+                                        </p:tgtEl>
+                                        <p:attrNameLst>
+                                          <p:attrName>ppt_y</p:attrName>
+                                        </p:attrNameLst>
+                                      </p:cBhvr>
+                                      <p:tavLst>
+                                        <p:tav tm="0">
+                                          <p:val>
+                                            <p:strVal val="1+#ppt_h/2"/>
+                                          </p:val>
+                                        </p:tav>
+                                        <p:tav tm="100000">
+                                          <p:val>
+                                            <p:strVal val="#ppt_y"/>
+                                          </p:val>
+                                        </p:tav>
+                                      </p:tavLst>
+                                    </p:anim>
+                                  </p:childTnLst>
+                                </p:cTn>
+                              </p:par>
+                            </p:childTnLst>
+                          </p:cTn>
+                        </p:par>
+                      </p:childTnLst>
+                    </p:cTn>
+                  </p:par>
+                  <p:par>
+                    <p:cTn id="27" fill="hold">
+                      <p:stCondLst>
+                        <p:cond delay="indefinite"/>
+                      </p:stCondLst>
+                      <p:childTnLst>
+                        <p:par>
+                          <p:cTn id="28" fill="hold">
+                            <p:stCondLst>
+                              <p:cond delay="0"/>
+                            </p:stCondLst>
+                            <p:childTnLst>
+                              <p:par>
+                                <p:cTn id="29" presetID="2" presetClass="entr" presetSubtype="4" fill="hold" nodeType="clickEffect">
+                                  <p:stCondLst>
+                                    <p:cond delay="0"/>
+                                  </p:stCondLst>
+                                  <p:childTnLst>
+                                    <p:set>
+                                      <p:cBhvr>
+                                        <p:cTn id="30" dur="1" fill="hold">
+                                          <p:stCondLst>
+                                            <p:cond delay="0"/>
+                                          </p:stCondLst>
+                                        </p:cTn>
+                                        <p:tgtEl>
+                                          <p:spTgt spid="3">
+                                            <p:txEl>
+                                              <p:pRg st="5" end="5"/>
+                                            </p:txEl>
+                                          </p:spTgt>
+                                        </p:tgtEl>
+                                        <p:attrNameLst>
+                                          <p:attrName>style.visibility</p:attrName>
+                                        </p:attrNameLst>
+                                      </p:cBhvr>
+                                      <p:to>
+                                        <p:strVal val="visible"/>
+                                      </p:to>
+                                    </p:set>
+                                    <p:anim calcmode="lin" valueType="num">
+                                      <p:cBhvr additive="base">
+                                        <p:cTn id="31" dur="500" fill="hold"/>
+                                        <p:tgtEl>
+                                          <p:spTgt spid="3">
+                                            <p:txEl>
+                                              <p:pRg st="5" end="5"/>
+                                            </p:txEl>
+                                          </p:spTgt>
+                                        </p:tgtEl>
+                                        <p:attrNameLst>
+                                          <p:attrName>ppt_x</p:attrName>
+                                        </p:attrNameLst>
+                                      </p:cBhvr>
+                                      <p:tavLst>
+                                        <p:tav tm="0">
+                                          <p:val>
+                                            <p:strVal val="#ppt_x"/>
+                                          </p:val>
+                                        </p:tav>
+                                        <p:tav tm="100000">
+                                          <p:val>
+                                            <p:strVal val="#ppt_x"/>
+                                          </p:val>
+                                        </p:tav>
+                                      </p:tavLst>
+                                    </p:anim>
+                                    <p:anim calcmode="lin" valueType="num">
+                                      <p:cBhvr additive="base">
+                                        <p:cTn id="32" dur="500" fill="hold"/>
+                                        <p:tgtEl>
+                                          <p:spTgt spid="3">
+                                            <p:txEl>
+                                              <p:pRg st="5" end="5"/>
+                                            </p:txEl>
+                                          </p:spTgt>
+                                        </p:tgtEl>
+                                        <p:attrNameLst>
+                                          <p:attrName>ppt_y</p:attrName>
+                                        </p:attrNameLst>
+                                      </p:cBhvr>
+                                      <p:tavLst>
+                                        <p:tav tm="0">
+                                          <p:val>
+                                            <p:strVal val="1+#ppt_h/2"/>
+                                          </p:val>
+                                        </p:tav>
+                                        <p:tav tm="100000">
+                                          <p:val>
+                                            <p:strVal val="#ppt_y"/>
+                                          </p:val>
+                                        </p:tav>
+                                      </p:tavLst>
+                                    </p:anim>
+                                  </p:childTnLst>
+                                </p:cTn>
+                              </p:par>
+                            </p:childTnLst>
+                          </p:cTn>
+                        </p:par>
+                      </p:childTnLst>
+                    </p:cTn>
+                  </p:par>
+                  <p:par>
+                    <p:cTn id="33" fill="hold">
+                      <p:stCondLst>
+                        <p:cond delay="indefinite"/>
+                      </p:stCondLst>
+                      <p:childTnLst>
+                        <p:par>
+                          <p:cTn id="34" fill="hold">
+                            <p:stCondLst>
+                              <p:cond delay="0"/>
+                            </p:stCondLst>
+                            <p:childTnLst>
+                              <p:par>
+                                <p:cTn id="35" presetID="2" presetClass="entr" presetSubtype="4" fill="hold" nodeType="clickEffect">
+                                  <p:stCondLst>
+                                    <p:cond delay="0"/>
+                                  </p:stCondLst>
+                                  <p:childTnLst>
+                                    <p:set>
+                                      <p:cBhvr>
+                                        <p:cTn id="36" dur="1" fill="hold">
+                                          <p:stCondLst>
+                                            <p:cond delay="0"/>
+                                          </p:stCondLst>
+                                        </p:cTn>
+                                        <p:tgtEl>
+                                          <p:spTgt spid="3">
+                                            <p:txEl>
+                                              <p:pRg st="6" end="6"/>
+                                            </p:txEl>
+                                          </p:spTgt>
+                                        </p:tgtEl>
+                                        <p:attrNameLst>
+                                          <p:attrName>style.visibility</p:attrName>
+                                        </p:attrNameLst>
+                                      </p:cBhvr>
+                                      <p:to>
+                                        <p:strVal val="visible"/>
+                                      </p:to>
+                                    </p:set>
+                                    <p:anim calcmode="lin" valueType="num">
+                                      <p:cBhvr additive="base">
+                                        <p:cTn id="37" dur="500" fill="hold"/>
+                                        <p:tgtEl>
+                                          <p:spTgt spid="3">
+                                            <p:txEl>
+                                              <p:pRg st="6" end="6"/>
+                                            </p:txEl>
+                                          </p:spTgt>
+                                        </p:tgtEl>
+                                        <p:attrNameLst>
+                                          <p:attrName>ppt_x</p:attrName>
+                                        </p:attrNameLst>
+                                      </p:cBhvr>
+                                      <p:tavLst>
+                                        <p:tav tm="0">
+                                          <p:val>
+                                            <p:strVal val="#ppt_x"/>
+                                          </p:val>
+                                        </p:tav>
+                                        <p:tav tm="100000">
+                                          <p:val>
+                                            <p:strVal val="#ppt_x"/>
+                                          </p:val>
+                                        </p:tav>
+                                      </p:tavLst>
+                                    </p:anim>
+                                    <p:anim calcmode="lin" valueType="num">
+                                      <p:cBhvr additive="base">
+                                        <p:cTn id="38" dur="500" fill="hold"/>
+                                        <p:tgtEl>
+                                          <p:spTgt spid="3">
+                                            <p:txEl>
+                                              <p:pRg st="6" end="6"/>
+                                            </p:txEl>
+                                          </p:spTgt>
+                                        </p:tgtEl>
+                                        <p:attrNameLst>
+                                          <p:attrName>ppt_y</p:attrName>
+                                        </p:attrNameLst>
+                                      </p:cBhvr>
+                                      <p:tavLst>
+                                        <p:tav tm="0">
+                                          <p:val>
+                                            <p:strVal val="1+#ppt_h/2"/>
+                                          </p:val>
+                                        </p:tav>
+                                        <p:tav tm="100000">
+                                          <p:val>
+                                            <p:strVal val="#ppt_y"/>
+                                          </p:val>
+                                        </p:tav>
+                                      </p:tavLst>
+                                    </p:anim>
+                                  </p:childTnLst>
+                                </p:cTn>
+                              </p:par>
+                            </p:childTnLst>
+                          </p:cTn>
+                        </p:par>
+                      </p:childTnLst>
+                    </p:cTn>
+                  </p:par>
+                  <p:par>
+                    <p:cTn id="39" fill="hold">
+                      <p:stCondLst>
+                        <p:cond delay="indefinite"/>
+                      </p:stCondLst>
+                      <p:childTnLst>
+                        <p:par>
+                          <p:cTn id="40" fill="hold">
+                            <p:stCondLst>
+                              <p:cond delay="0"/>
+                            </p:stCondLst>
+                            <p:childTnLst>
+                              <p:par>
+                                <p:cTn id="41" presetID="2" presetClass="entr" presetSubtype="4" fill="hold" nodeType="clickEffect">
+                                  <p:stCondLst>
+                                    <p:cond delay="0"/>
+                                  </p:stCondLst>
+                                  <p:childTnLst>
+                                    <p:set>
+                                      <p:cBhvr>
+                                        <p:cTn id="42" dur="1" fill="hold">
+                                          <p:stCondLst>
+                                            <p:cond delay="0"/>
+                                          </p:stCondLst>
+                                        </p:cTn>
+                                        <p:tgtEl>
+                                          <p:spTgt spid="3">
+                                            <p:txEl>
+                                              <p:pRg st="7" end="7"/>
+                                            </p:txEl>
+                                          </p:spTgt>
+                                        </p:tgtEl>
+                                        <p:attrNameLst>
+                                          <p:attrName>style.visibility</p:attrName>
+                                        </p:attrNameLst>
+                                      </p:cBhvr>
+                                      <p:to>
+                                        <p:strVal val="visible"/>
+                                      </p:to>
+                                    </p:set>
+                                    <p:anim calcmode="lin" valueType="num">
+                                      <p:cBhvr additive="base">
+                                        <p:cTn id="43" dur="500" fill="hold"/>
+                                        <p:tgtEl>
+                                          <p:spTgt spid="3">
+                                            <p:txEl>
+                                              <p:pRg st="7" end="7"/>
+                                            </p:txEl>
+                                          </p:spTgt>
+                                        </p:tgtEl>
+                                        <p:attrNameLst>
+                                          <p:attrName>ppt_x</p:attrName>
+                                        </p:attrNameLst>
+                                      </p:cBhvr>
+                                      <p:tavLst>
+                                        <p:tav tm="0">
+                                          <p:val>
+                                            <p:strVal val="#ppt_x"/>
+                                          </p:val>
+                                        </p:tav>
+                                        <p:tav tm="100000">
+                                          <p:val>
+                                            <p:strVal val="#ppt_x"/>
+                                          </p:val>
+                                        </p:tav>
+                                      </p:tavLst>
+                                    </p:anim>
+                                    <p:anim calcmode="lin" valueType="num">
+                                      <p:cBhvr additive="base">
+                                        <p:cTn id="44" dur="500" fill="hold"/>
+                                        <p:tgtEl>
+                                          <p:spTgt spid="3">
+                                            <p:txEl>
+                                              <p:pRg st="7" end="7"/>
+                                            </p:txEl>
+                                          </p:spTgt>
+                                        </p:tgtEl>
+                                        <p:attrNameLst>
+                                          <p:attrName>ppt_y</p:attrName>
+                                        </p:attrNameLst>
+                                      </p:cBhvr>
+                                      <p:tavLst>
+                                        <p:tav tm="0">
+                                          <p:val>
+                                            <p:strVal val="1+#ppt_h/2"/>
+                                          </p:val>
+                                        </p:tav>
+                                        <p:tav tm="100000">
+                                          <p:val>
+                                            <p:strVal val="#ppt_y"/>
+                                          </p:val>
+                                        </p:tav>
+                                      </p:tavLst>
+                                    </p:anim>
+                                  </p:childTnLst>
+                                </p:cTn>
+                              </p:par>
+                            </p:childTnLst>
+                          </p:cTn>
+                        </p:par>
+                      </p:childTnLst>
+                    </p:cTn>
+                  </p:par>
+                </p:childTnLst>
+              </p:cTn>
+              <p:prevCondLst>
+                <p:cond evt="onPrev" delay="0">
+                  <p:tgtEl>
+                    <p:sldTgt/>
+                  </p:tgtEl>
+                </p:cond>
+              </p:prevCondLst>
+              <p:nextCondLst>
+                <p:cond evt="onNext" delay="0">
+                  <p:tgtEl>
+                    <p:sldTgt/>
+                  </p:tgtEl>
+                </p:cond>
+              </p:nextCondLst>
+            </p:seq>
+          </p:childTnLst>
+        </p:cTn>
+      </p:par>
+    </p:tnLst>
+  </p:timing>
 </p:sld>
 </file>
 
@@ -3941,6 +4691,13 @@
   <p:clrMapOvr>
     <a:masterClrMapping/>
   </p:clrMapOvr>
+  <p:timing>
+    <p:tnLst>
+      <p:par>
+        <p:cTn id="1" dur="indefinite" restart="never" nodeType="tmRoot"/>
+      </p:par>
+    </p:tnLst>
+  </p:timing>
 </p:sld>
 </file>
 
@@ -4135,204 +4892,555 @@
   <p:clrMapOvr>
     <a:masterClrMapping/>
   </p:clrMapOvr>
+  <p:timing>
+    <p:tnLst>
+      <p:par>
+        <p:cTn id="1" dur="indefinite" restart="never" nodeType="tmRoot">
+          <p:childTnLst>
+            <p:seq concurrent="1" nextAc="seek">
+              <p:cTn id="2" dur="indefinite" nodeType="mainSeq">
+                <p:childTnLst>
+                  <p:par>
+                    <p:cTn id="3" fill="hold">
+                      <p:stCondLst>
+                        <p:cond delay="indefinite"/>
+                      </p:stCondLst>
+                      <p:childTnLst>
+                        <p:par>
+                          <p:cTn id="4" fill="hold">
+                            <p:stCondLst>
+                              <p:cond delay="0"/>
+                            </p:stCondLst>
+                            <p:childTnLst>
+                              <p:par>
+                                <p:cTn id="5" presetID="2" presetClass="entr" presetSubtype="4" fill="hold" nodeType="clickEffect">
+                                  <p:stCondLst>
+                                    <p:cond delay="0"/>
+                                  </p:stCondLst>
+                                  <p:childTnLst>
+                                    <p:set>
+                                      <p:cBhvr>
+                                        <p:cTn id="6" dur="1" fill="hold">
+                                          <p:stCondLst>
+                                            <p:cond delay="0"/>
+                                          </p:stCondLst>
+                                        </p:cTn>
+                                        <p:tgtEl>
+                                          <p:spTgt spid="3">
+                                            <p:txEl>
+                                              <p:pRg st="2" end="2"/>
+                                            </p:txEl>
+                                          </p:spTgt>
+                                        </p:tgtEl>
+                                        <p:attrNameLst>
+                                          <p:attrName>style.visibility</p:attrName>
+                                        </p:attrNameLst>
+                                      </p:cBhvr>
+                                      <p:to>
+                                        <p:strVal val="visible"/>
+                                      </p:to>
+                                    </p:set>
+                                    <p:anim calcmode="lin" valueType="num">
+                                      <p:cBhvr additive="base">
+                                        <p:cTn id="7" dur="500" fill="hold"/>
+                                        <p:tgtEl>
+                                          <p:spTgt spid="3">
+                                            <p:txEl>
+                                              <p:pRg st="2" end="2"/>
+                                            </p:txEl>
+                                          </p:spTgt>
+                                        </p:tgtEl>
+                                        <p:attrNameLst>
+                                          <p:attrName>ppt_x</p:attrName>
+                                        </p:attrNameLst>
+                                      </p:cBhvr>
+                                      <p:tavLst>
+                                        <p:tav tm="0">
+                                          <p:val>
+                                            <p:strVal val="#ppt_x"/>
+                                          </p:val>
+                                        </p:tav>
+                                        <p:tav tm="100000">
+                                          <p:val>
+                                            <p:strVal val="#ppt_x"/>
+                                          </p:val>
+                                        </p:tav>
+                                      </p:tavLst>
+                                    </p:anim>
+                                    <p:anim calcmode="lin" valueType="num">
+                                      <p:cBhvr additive="base">
+                                        <p:cTn id="8" dur="500" fill="hold"/>
+                                        <p:tgtEl>
+                                          <p:spTgt spid="3">
+                                            <p:txEl>
+                                              <p:pRg st="2" end="2"/>
+                                            </p:txEl>
+                                          </p:spTgt>
+                                        </p:tgtEl>
+                                        <p:attrNameLst>
+                                          <p:attrName>ppt_y</p:attrName>
+                                        </p:attrNameLst>
+                                      </p:cBhvr>
+                                      <p:tavLst>
+                                        <p:tav tm="0">
+                                          <p:val>
+                                            <p:strVal val="1+#ppt_h/2"/>
+                                          </p:val>
+                                        </p:tav>
+                                        <p:tav tm="100000">
+                                          <p:val>
+                                            <p:strVal val="#ppt_y"/>
+                                          </p:val>
+                                        </p:tav>
+                                      </p:tavLst>
+                                    </p:anim>
+                                  </p:childTnLst>
+                                </p:cTn>
+                              </p:par>
+                            </p:childTnLst>
+                          </p:cTn>
+                        </p:par>
+                      </p:childTnLst>
+                    </p:cTn>
+                  </p:par>
+                  <p:par>
+                    <p:cTn id="9" fill="hold">
+                      <p:stCondLst>
+                        <p:cond delay="indefinite"/>
+                      </p:stCondLst>
+                      <p:childTnLst>
+                        <p:par>
+                          <p:cTn id="10" fill="hold">
+                            <p:stCondLst>
+                              <p:cond delay="0"/>
+                            </p:stCondLst>
+                            <p:childTnLst>
+                              <p:par>
+                                <p:cTn id="11" presetID="2" presetClass="entr" presetSubtype="4" fill="hold" nodeType="clickEffect">
+                                  <p:stCondLst>
+                                    <p:cond delay="0"/>
+                                  </p:stCondLst>
+                                  <p:childTnLst>
+                                    <p:set>
+                                      <p:cBhvr>
+                                        <p:cTn id="12" dur="1" fill="hold">
+                                          <p:stCondLst>
+                                            <p:cond delay="0"/>
+                                          </p:stCondLst>
+                                        </p:cTn>
+                                        <p:tgtEl>
+                                          <p:spTgt spid="3">
+                                            <p:txEl>
+                                              <p:pRg st="3" end="3"/>
+                                            </p:txEl>
+                                          </p:spTgt>
+                                        </p:tgtEl>
+                                        <p:attrNameLst>
+                                          <p:attrName>style.visibility</p:attrName>
+                                        </p:attrNameLst>
+                                      </p:cBhvr>
+                                      <p:to>
+                                        <p:strVal val="visible"/>
+                                      </p:to>
+                                    </p:set>
+                                    <p:anim calcmode="lin" valueType="num">
+                                      <p:cBhvr additive="base">
+                                        <p:cTn id="13" dur="500" fill="hold"/>
+                                        <p:tgtEl>
+                                          <p:spTgt spid="3">
+                                            <p:txEl>
+                                              <p:pRg st="3" end="3"/>
+                                            </p:txEl>
+                                          </p:spTgt>
+                                        </p:tgtEl>
+                                        <p:attrNameLst>
+                                          <p:attrName>ppt_x</p:attrName>
+                                        </p:attrNameLst>
+                                      </p:cBhvr>
+                                      <p:tavLst>
+                                        <p:tav tm="0">
+                                          <p:val>
+                                            <p:strVal val="#ppt_x"/>
+                                          </p:val>
+                                        </p:tav>
+                                        <p:tav tm="100000">
+                                          <p:val>
+                                            <p:strVal val="#ppt_x"/>
+                                          </p:val>
+                                        </p:tav>
+                                      </p:tavLst>
+                                    </p:anim>
+                                    <p:anim calcmode="lin" valueType="num">
+                                      <p:cBhvr additive="base">
+                                        <p:cTn id="14" dur="500" fill="hold"/>
+                                        <p:tgtEl>
+                                          <p:spTgt spid="3">
+                                            <p:txEl>
+                                              <p:pRg st="3" end="3"/>
+                                            </p:txEl>
+                                          </p:spTgt>
+                                        </p:tgtEl>
+                                        <p:attrNameLst>
+                                          <p:attrName>ppt_y</p:attrName>
+                                        </p:attrNameLst>
+                                      </p:cBhvr>
+                                      <p:tavLst>
+                                        <p:tav tm="0">
+                                          <p:val>
+                                            <p:strVal val="1+#ppt_h/2"/>
+                                          </p:val>
+                                        </p:tav>
+                                        <p:tav tm="100000">
+                                          <p:val>
+                                            <p:strVal val="#ppt_y"/>
+                                          </p:val>
+                                        </p:tav>
+                                      </p:tavLst>
+                                    </p:anim>
+                                  </p:childTnLst>
+                                </p:cTn>
+                              </p:par>
+                            </p:childTnLst>
+                          </p:cTn>
+                        </p:par>
+                      </p:childTnLst>
+                    </p:cTn>
+                  </p:par>
+                  <p:par>
+                    <p:cTn id="15" fill="hold">
+                      <p:stCondLst>
+                        <p:cond delay="indefinite"/>
+                      </p:stCondLst>
+                      <p:childTnLst>
+                        <p:par>
+                          <p:cTn id="16" fill="hold">
+                            <p:stCondLst>
+                              <p:cond delay="0"/>
+                            </p:stCondLst>
+                            <p:childTnLst>
+                              <p:par>
+                                <p:cTn id="17" presetID="2" presetClass="entr" presetSubtype="4" fill="hold" nodeType="clickEffect">
+                                  <p:stCondLst>
+                                    <p:cond delay="0"/>
+                                  </p:stCondLst>
+                                  <p:childTnLst>
+                                    <p:set>
+                                      <p:cBhvr>
+                                        <p:cTn id="18" dur="1" fill="hold">
+                                          <p:stCondLst>
+                                            <p:cond delay="0"/>
+                                          </p:stCondLst>
+                                        </p:cTn>
+                                        <p:tgtEl>
+                                          <p:spTgt spid="3">
+                                            <p:txEl>
+                                              <p:pRg st="4" end="4"/>
+                                            </p:txEl>
+                                          </p:spTgt>
+                                        </p:tgtEl>
+                                        <p:attrNameLst>
+                                          <p:attrName>style.visibility</p:attrName>
+                                        </p:attrNameLst>
+                                      </p:cBhvr>
+                                      <p:to>
+                                        <p:strVal val="visible"/>
+                                      </p:to>
+                                    </p:set>
+                                    <p:anim calcmode="lin" valueType="num">
+                                      <p:cBhvr additive="base">
+                                        <p:cTn id="19" dur="500" fill="hold"/>
+                                        <p:tgtEl>
+                                          <p:spTgt spid="3">
+                                            <p:txEl>
+                                              <p:pRg st="4" end="4"/>
+                                            </p:txEl>
+                                          </p:spTgt>
+                                        </p:tgtEl>
+                                        <p:attrNameLst>
+                                          <p:attrName>ppt_x</p:attrName>
+                                        </p:attrNameLst>
+                                      </p:cBhvr>
+                                      <p:tavLst>
+                                        <p:tav tm="0">
+                                          <p:val>
+                                            <p:strVal val="#ppt_x"/>
+                                          </p:val>
+                                        </p:tav>
+                                        <p:tav tm="100000">
+                                          <p:val>
+                                            <p:strVal val="#ppt_x"/>
+                                          </p:val>
+                                        </p:tav>
+                                      </p:tavLst>
+                                    </p:anim>
+                                    <p:anim calcmode="lin" valueType="num">
+                                      <p:cBhvr additive="base">
+                                        <p:cTn id="20" dur="500" fill="hold"/>
+                                        <p:tgtEl>
+                                          <p:spTgt spid="3">
+                                            <p:txEl>
+                                              <p:pRg st="4" end="4"/>
+                                            </p:txEl>
+                                          </p:spTgt>
+                                        </p:tgtEl>
+                                        <p:attrNameLst>
+                                          <p:attrName>ppt_y</p:attrName>
+                                        </p:attrNameLst>
+                                      </p:cBhvr>
+                                      <p:tavLst>
+                                        <p:tav tm="0">
+                                          <p:val>
+                                            <p:strVal val="1+#ppt_h/2"/>
+                                          </p:val>
+                                        </p:tav>
+                                        <p:tav tm="100000">
+                                          <p:val>
+                                            <p:strVal val="#ppt_y"/>
+                                          </p:val>
+                                        </p:tav>
+                                      </p:tavLst>
+                                    </p:anim>
+                                  </p:childTnLst>
+                                </p:cTn>
+                              </p:par>
+                            </p:childTnLst>
+                          </p:cTn>
+                        </p:par>
+                      </p:childTnLst>
+                    </p:cTn>
+                  </p:par>
+                  <p:par>
+                    <p:cTn id="21" fill="hold">
+                      <p:stCondLst>
+                        <p:cond delay="indefinite"/>
+                      </p:stCondLst>
+                      <p:childTnLst>
+                        <p:par>
+                          <p:cTn id="22" fill="hold">
+                            <p:stCondLst>
+                              <p:cond delay="0"/>
+                            </p:stCondLst>
+                            <p:childTnLst>
+                              <p:par>
+                                <p:cTn id="23" presetID="2" presetClass="entr" presetSubtype="4" fill="hold" nodeType="clickEffect">
+                                  <p:stCondLst>
+                                    <p:cond delay="0"/>
+                                  </p:stCondLst>
+                                  <p:childTnLst>
+                                    <p:set>
+                                      <p:cBhvr>
+                                        <p:cTn id="24" dur="1" fill="hold">
+                                          <p:stCondLst>
+                                            <p:cond delay="0"/>
+                                          </p:stCondLst>
+                                        </p:cTn>
+                                        <p:tgtEl>
+                                          <p:spTgt spid="3">
+                                            <p:txEl>
+                                              <p:pRg st="5" end="5"/>
+                                            </p:txEl>
+                                          </p:spTgt>
+                                        </p:tgtEl>
+                                        <p:attrNameLst>
+                                          <p:attrName>style.visibility</p:attrName>
+                                        </p:attrNameLst>
+                                      </p:cBhvr>
+                                      <p:to>
+                                        <p:strVal val="visible"/>
+                                      </p:to>
+                                    </p:set>
+                                    <p:anim calcmode="lin" valueType="num">
+                                      <p:cBhvr additive="base">
+                                        <p:cTn id="25" dur="500" fill="hold"/>
+                                        <p:tgtEl>
+                                          <p:spTgt spid="3">
+                                            <p:txEl>
+                                              <p:pRg st="5" end="5"/>
+                                            </p:txEl>
+                                          </p:spTgt>
+                                        </p:tgtEl>
+                                        <p:attrNameLst>
+                                          <p:attrName>ppt_x</p:attrName>
+                                        </p:attrNameLst>
+                                      </p:cBhvr>
+                                      <p:tavLst>
+                                        <p:tav tm="0">
+                                          <p:val>
+                                            <p:strVal val="#ppt_x"/>
+                                          </p:val>
+                                        </p:tav>
+                                        <p:tav tm="100000">
+                                          <p:val>
+                                            <p:strVal val="#ppt_x"/>
+                                          </p:val>
+                                        </p:tav>
+                                      </p:tavLst>
+                                    </p:anim>
+                                    <p:anim calcmode="lin" valueType="num">
+                                      <p:cBhvr additive="base">
+                                        <p:cTn id="26" dur="500" fill="hold"/>
+                                        <p:tgtEl>
+                                          <p:spTgt spid="3">
+                                            <p:txEl>
+                                              <p:pRg st="5" end="5"/>
+                                            </p:txEl>
+                                          </p:spTgt>
+                                        </p:tgtEl>
+                                        <p:attrNameLst>
+                                          <p:attrName>ppt_y</p:attrName>
+                                        </p:attrNameLst>
+                                      </p:cBhvr>
+                                      <p:tavLst>
+                                        <p:tav tm="0">
+                                          <p:val>
+                                            <p:strVal val="1+#ppt_h/2"/>
+                                          </p:val>
+                                        </p:tav>
+                                        <p:tav tm="100000">
+                                          <p:val>
+                                            <p:strVal val="#ppt_y"/>
+                                          </p:val>
+                                        </p:tav>
+                                      </p:tavLst>
+                                    </p:anim>
+                                  </p:childTnLst>
+                                </p:cTn>
+                              </p:par>
+                            </p:childTnLst>
+                          </p:cTn>
+                        </p:par>
+                      </p:childTnLst>
+                    </p:cTn>
+                  </p:par>
+                  <p:par>
+                    <p:cTn id="27" fill="hold">
+                      <p:stCondLst>
+                        <p:cond delay="indefinite"/>
+                      </p:stCondLst>
+                      <p:childTnLst>
+                        <p:par>
+                          <p:cTn id="28" fill="hold">
+                            <p:stCondLst>
+                              <p:cond delay="0"/>
+                            </p:stCondLst>
+                            <p:childTnLst>
+                              <p:par>
+                                <p:cTn id="29" presetID="2" presetClass="entr" presetSubtype="4" fill="hold" nodeType="clickEffect">
+                                  <p:stCondLst>
+                                    <p:cond delay="0"/>
+                                  </p:stCondLst>
+                                  <p:childTnLst>
+                                    <p:set>
+                                      <p:cBhvr>
+                                        <p:cTn id="30" dur="1" fill="hold">
+                                          <p:stCondLst>
+                                            <p:cond delay="0"/>
+                                          </p:stCondLst>
+                                        </p:cTn>
+                                        <p:tgtEl>
+                                          <p:spTgt spid="3">
+                                            <p:txEl>
+                                              <p:pRg st="6" end="6"/>
+                                            </p:txEl>
+                                          </p:spTgt>
+                                        </p:tgtEl>
+                                        <p:attrNameLst>
+                                          <p:attrName>style.visibility</p:attrName>
+                                        </p:attrNameLst>
+                                      </p:cBhvr>
+                                      <p:to>
+                                        <p:strVal val="visible"/>
+                                      </p:to>
+                                    </p:set>
+                                    <p:anim calcmode="lin" valueType="num">
+                                      <p:cBhvr additive="base">
+                                        <p:cTn id="31" dur="500" fill="hold"/>
+                                        <p:tgtEl>
+                                          <p:spTgt spid="3">
+                                            <p:txEl>
+                                              <p:pRg st="6" end="6"/>
+                                            </p:txEl>
+                                          </p:spTgt>
+                                        </p:tgtEl>
+                                        <p:attrNameLst>
+                                          <p:attrName>ppt_x</p:attrName>
+                                        </p:attrNameLst>
+                                      </p:cBhvr>
+                                      <p:tavLst>
+                                        <p:tav tm="0">
+                                          <p:val>
+                                            <p:strVal val="#ppt_x"/>
+                                          </p:val>
+                                        </p:tav>
+                                        <p:tav tm="100000">
+                                          <p:val>
+                                            <p:strVal val="#ppt_x"/>
+                                          </p:val>
+                                        </p:tav>
+                                      </p:tavLst>
+                                    </p:anim>
+                                    <p:anim calcmode="lin" valueType="num">
+                                      <p:cBhvr additive="base">
+                                        <p:cTn id="32" dur="500" fill="hold"/>
+                                        <p:tgtEl>
+                                          <p:spTgt spid="3">
+                                            <p:txEl>
+                                              <p:pRg st="6" end="6"/>
+                                            </p:txEl>
+                                          </p:spTgt>
+                                        </p:tgtEl>
+                                        <p:attrNameLst>
+                                          <p:attrName>ppt_y</p:attrName>
+                                        </p:attrNameLst>
+                                      </p:cBhvr>
+                                      <p:tavLst>
+                                        <p:tav tm="0">
+                                          <p:val>
+                                            <p:strVal val="1+#ppt_h/2"/>
+                                          </p:val>
+                                        </p:tav>
+                                        <p:tav tm="100000">
+                                          <p:val>
+                                            <p:strVal val="#ppt_y"/>
+                                          </p:val>
+                                        </p:tav>
+                                      </p:tavLst>
+                                    </p:anim>
+                                  </p:childTnLst>
+                                </p:cTn>
+                              </p:par>
+                            </p:childTnLst>
+                          </p:cTn>
+                        </p:par>
+                      </p:childTnLst>
+                    </p:cTn>
+                  </p:par>
+                </p:childTnLst>
+              </p:cTn>
+              <p:prevCondLst>
+                <p:cond evt="onPrev" delay="0">
+                  <p:tgtEl>
+                    <p:sldTgt/>
+                  </p:tgtEl>
+                </p:cond>
+              </p:prevCondLst>
+              <p:nextCondLst>
+                <p:cond evt="onNext" delay="0">
+                  <p:tgtEl>
+                    <p:sldTgt/>
+                  </p:tgtEl>
+                </p:cond>
+              </p:nextCondLst>
+            </p:seq>
+          </p:childTnLst>
+        </p:cTn>
+      </p:par>
+    </p:tnLst>
+  </p:timing>
 </p:sld>
 </file>
 
 <file path=ppt/slides/slide13.xml><?xml version="1.0" encoding="utf-8"?>
-<p:sld xmlns:a="http://schemas.openxmlformats.org/drawingml/2006/main" xmlns:r="http://schemas.openxmlformats.org/officeDocument/2006/relationships" xmlns:p="http://schemas.openxmlformats.org/presentationml/2006/main">
-  <p:cSld>
-    <p:spTree>
-      <p:nvGrpSpPr>
-        <p:cNvPr id="1" name=""/>
-        <p:cNvGrpSpPr/>
-        <p:nvPr/>
-      </p:nvGrpSpPr>
-      <p:grpSpPr>
-        <a:xfrm>
-          <a:off x="0" y="0"/>
-          <a:ext cx="0" cy="0"/>
-          <a:chOff x="0" y="0"/>
-          <a:chExt cx="0" cy="0"/>
-        </a:xfrm>
-      </p:grpSpPr>
-      <p:sp>
-        <p:nvSpPr>
-          <p:cNvPr id="2" name="标题 1"/>
-          <p:cNvSpPr>
-            <a:spLocks noGrp="1"/>
-          </p:cNvSpPr>
-          <p:nvPr>
-            <p:ph type="title"/>
-          </p:nvPr>
-        </p:nvSpPr>
-        <p:spPr/>
-        <p:txBody>
-          <a:bodyPr/>
-          <a:lstStyle/>
-          <a:p>
-            <a:pPr algn="l"/>
-            <a:r>
-              <a:rPr lang="zh-CN" altLang="zh-CN" b="1" dirty="0" smtClean="0"/>
-              <a:t>详细设计</a:t>
-            </a:r>
-            <a:endParaRPr lang="zh-CN" altLang="en-US" dirty="0"/>
-          </a:p>
-        </p:txBody>
-      </p:sp>
-      <p:sp>
-        <p:nvSpPr>
-          <p:cNvPr id="3" name="内容占位符 2"/>
-          <p:cNvSpPr>
-            <a:spLocks noGrp="1"/>
-          </p:cNvSpPr>
-          <p:nvPr>
-            <p:ph idx="1"/>
-          </p:nvPr>
-        </p:nvSpPr>
-        <p:spPr/>
-        <p:txBody>
-          <a:bodyPr>
-            <a:normAutofit fontScale="62500" lnSpcReduction="20000"/>
-          </a:bodyPr>
-          <a:lstStyle/>
-          <a:p>
-            <a:pPr>
-              <a:buNone/>
-            </a:pPr>
-            <a:r>
-              <a:rPr lang="x-none" altLang="zh-CN" b="1" dirty="0" smtClean="0"/>
-              <a:t>系统数据库详细设计</a:t>
-            </a:r>
-            <a:endParaRPr lang="en-US" altLang="zh-CN" b="1" dirty="0" smtClean="0"/>
-          </a:p>
-          <a:p>
-            <a:pPr>
-              <a:buNone/>
-            </a:pPr>
-            <a:r>
-              <a:rPr lang="en-US" altLang="zh-CN" dirty="0" smtClean="0"/>
-              <a:t> </a:t>
-            </a:r>
-            <a:r>
-              <a:rPr lang="x-none" altLang="zh-CN" dirty="0" smtClean="0"/>
-              <a:t>逻辑模型设计</a:t>
-            </a:r>
-            <a:endParaRPr lang="zh-CN" altLang="zh-CN" b="1" dirty="0" smtClean="0"/>
-          </a:p>
-          <a:p>
-            <a:r>
-              <a:rPr lang="zh-CN" altLang="zh-CN" dirty="0" smtClean="0"/>
-              <a:t>概念模型是独立于任何一种数据模型的信息结构。逻辑模型设计的任务是把概念模型设计阶段设计好的基本</a:t>
-            </a:r>
-            <a:r>
-              <a:rPr lang="en-US" altLang="zh-CN" dirty="0" smtClean="0"/>
-              <a:t>E-R</a:t>
-            </a:r>
-            <a:r>
-              <a:rPr lang="zh-CN" altLang="zh-CN" dirty="0" smtClean="0"/>
-              <a:t>图转化为选用</a:t>
-            </a:r>
-            <a:r>
-              <a:rPr lang="en-US" altLang="zh-CN" dirty="0" smtClean="0"/>
-              <a:t>DBMS</a:t>
-            </a:r>
-            <a:r>
-              <a:rPr lang="zh-CN" altLang="zh-CN" dirty="0" smtClean="0"/>
-              <a:t>产品所支持的数据模型相符合的逻辑结构。转换的一般原则如下：</a:t>
-            </a:r>
-          </a:p>
-          <a:p>
-            <a:r>
-              <a:rPr lang="en-US" altLang="zh-CN" dirty="0" smtClean="0"/>
-              <a:t>(1)</a:t>
-            </a:r>
-            <a:r>
-              <a:rPr lang="zh-CN" altLang="zh-CN" dirty="0" smtClean="0"/>
-              <a:t>一个实体性转换为一个关系模式。实体的属性就是关系的属性，实体的码就是关系的码。</a:t>
-            </a:r>
-          </a:p>
-          <a:p>
-            <a:r>
-              <a:rPr lang="en-US" altLang="zh-CN" dirty="0" smtClean="0"/>
-              <a:t>(2)</a:t>
-            </a:r>
-            <a:r>
-              <a:rPr lang="zh-CN" altLang="zh-CN" dirty="0" smtClean="0"/>
-              <a:t>一个</a:t>
-            </a:r>
-            <a:r>
-              <a:rPr lang="en-US" altLang="zh-CN" dirty="0" smtClean="0"/>
-              <a:t>1:1</a:t>
-            </a:r>
-            <a:r>
-              <a:rPr lang="zh-CN" altLang="zh-CN" dirty="0" smtClean="0"/>
-              <a:t>联系可以转化为一个独立的关系模式，也可以与任意一端对应的关系模式合并。</a:t>
-            </a:r>
-          </a:p>
-          <a:p>
-            <a:r>
-              <a:rPr lang="en-US" altLang="zh-CN" dirty="0" smtClean="0"/>
-              <a:t>(3)</a:t>
-            </a:r>
-            <a:r>
-              <a:rPr lang="zh-CN" altLang="zh-CN" dirty="0" smtClean="0"/>
-              <a:t>一个</a:t>
-            </a:r>
-            <a:r>
-              <a:rPr lang="en-US" altLang="zh-CN" dirty="0" smtClean="0"/>
-              <a:t>1</a:t>
-            </a:r>
-            <a:r>
-              <a:rPr lang="zh-CN" altLang="zh-CN" dirty="0" smtClean="0"/>
-              <a:t>：</a:t>
-            </a:r>
-            <a:r>
-              <a:rPr lang="en-US" altLang="zh-CN" dirty="0" smtClean="0"/>
-              <a:t>n</a:t>
-            </a:r>
-            <a:r>
-              <a:rPr lang="zh-CN" altLang="zh-CN" dirty="0" smtClean="0"/>
-              <a:t>联系可以转化为一个独立的关系模式，也可以与</a:t>
-            </a:r>
-            <a:r>
-              <a:rPr lang="en-US" altLang="zh-CN" dirty="0" smtClean="0"/>
-              <a:t>n</a:t>
-            </a:r>
-            <a:r>
-              <a:rPr lang="zh-CN" altLang="zh-CN" dirty="0" smtClean="0"/>
-              <a:t>端对应的关系模式合并。</a:t>
-            </a:r>
-          </a:p>
-          <a:p>
-            <a:r>
-              <a:rPr lang="en-US" altLang="zh-CN" dirty="0" smtClean="0"/>
-              <a:t>(4)</a:t>
-            </a:r>
-            <a:r>
-              <a:rPr lang="zh-CN" altLang="zh-CN" dirty="0" smtClean="0"/>
-              <a:t>一个</a:t>
-            </a:r>
-            <a:r>
-              <a:rPr lang="en-US" altLang="zh-CN" dirty="0" smtClean="0"/>
-              <a:t>m:n</a:t>
-            </a:r>
-            <a:r>
-              <a:rPr lang="zh-CN" altLang="zh-CN" dirty="0" smtClean="0"/>
-              <a:t>联系转化为一个关系模式。</a:t>
-            </a:r>
-            <a:endParaRPr lang="zh-CN" altLang="zh-CN" b="1" dirty="0" smtClean="0"/>
-          </a:p>
-        </p:txBody>
-      </p:sp>
-    </p:spTree>
-  </p:cSld>
-  <p:clrMapOvr>
-    <a:masterClrMapping/>
-  </p:clrMapOvr>
-</p:sld>
-</file>
-
-<file path=ppt/slides/slide14.xml><?xml version="1.0" encoding="utf-8"?>
 <p:sld xmlns:a="http://schemas.openxmlformats.org/drawingml/2006/main" xmlns:r="http://schemas.openxmlformats.org/officeDocument/2006/relationships" xmlns:p="http://schemas.openxmlformats.org/presentationml/2006/main">
   <p:cSld>
     <p:spTree>
@@ -5141,10 +6249,17 @@
   <p:clrMapOvr>
     <a:masterClrMapping/>
   </p:clrMapOvr>
+  <p:timing>
+    <p:tnLst>
+      <p:par>
+        <p:cTn id="1" dur="indefinite" restart="never" nodeType="tmRoot"/>
+      </p:par>
+    </p:tnLst>
+  </p:timing>
 </p:sld>
 </file>
 
-<file path=ppt/slides/slide15.xml><?xml version="1.0" encoding="utf-8"?>
+<file path=ppt/slides/slide14.xml><?xml version="1.0" encoding="utf-8"?>
 <p:sld xmlns:a="http://schemas.openxmlformats.org/drawingml/2006/main" xmlns:r="http://schemas.openxmlformats.org/officeDocument/2006/relationships" xmlns:p="http://schemas.openxmlformats.org/presentationml/2006/main">
   <p:cSld>
     <p:spTree>
@@ -5949,10 +7064,17 @@
   <p:clrMapOvr>
     <a:masterClrMapping/>
   </p:clrMapOvr>
+  <p:timing>
+    <p:tnLst>
+      <p:par>
+        <p:cTn id="1" dur="indefinite" restart="never" nodeType="tmRoot"/>
+      </p:par>
+    </p:tnLst>
+  </p:timing>
 </p:sld>
 </file>
 
-<file path=ppt/slides/slide16.xml><?xml version="1.0" encoding="utf-8"?>
+<file path=ppt/slides/slide15.xml><?xml version="1.0" encoding="utf-8"?>
 <p:sld xmlns:a="http://schemas.openxmlformats.org/drawingml/2006/main" xmlns:r="http://schemas.openxmlformats.org/officeDocument/2006/relationships" xmlns:p="http://schemas.openxmlformats.org/presentationml/2006/main">
   <p:cSld>
     <p:spTree>
@@ -6976,10 +8098,17 @@
   <p:clrMapOvr>
     <a:masterClrMapping/>
   </p:clrMapOvr>
+  <p:timing>
+    <p:tnLst>
+      <p:par>
+        <p:cTn id="1" dur="indefinite" restart="never" nodeType="tmRoot"/>
+      </p:par>
+    </p:tnLst>
+  </p:timing>
 </p:sld>
 </file>
 
-<file path=ppt/slides/slide17.xml><?xml version="1.0" encoding="utf-8"?>
+<file path=ppt/slides/slide16.xml><?xml version="1.0" encoding="utf-8"?>
 <p:sld xmlns:a="http://schemas.openxmlformats.org/drawingml/2006/main" xmlns:r="http://schemas.openxmlformats.org/officeDocument/2006/relationships" xmlns:p="http://schemas.openxmlformats.org/presentationml/2006/main">
   <p:cSld>
     <p:spTree>
@@ -8010,10 +9139,17 @@
   <p:clrMapOvr>
     <a:masterClrMapping/>
   </p:clrMapOvr>
+  <p:timing>
+    <p:tnLst>
+      <p:par>
+        <p:cTn id="1" dur="indefinite" restart="never" nodeType="tmRoot"/>
+      </p:par>
+    </p:tnLst>
+  </p:timing>
 </p:sld>
 </file>
 
-<file path=ppt/slides/slide18.xml><?xml version="1.0" encoding="utf-8"?>
+<file path=ppt/slides/slide17.xml><?xml version="1.0" encoding="utf-8"?>
 <p:sld xmlns:a="http://schemas.openxmlformats.org/drawingml/2006/main" xmlns:r="http://schemas.openxmlformats.org/officeDocument/2006/relationships" xmlns:p="http://schemas.openxmlformats.org/presentationml/2006/main">
   <p:cSld>
     <p:spTree>
@@ -8959,10 +10095,17 @@
   <p:clrMapOvr>
     <a:masterClrMapping/>
   </p:clrMapOvr>
+  <p:timing>
+    <p:tnLst>
+      <p:par>
+        <p:cTn id="1" dur="indefinite" restart="never" nodeType="tmRoot"/>
+      </p:par>
+    </p:tnLst>
+  </p:timing>
 </p:sld>
 </file>
 
-<file path=ppt/slides/slide19.xml><?xml version="1.0" encoding="utf-8"?>
+<file path=ppt/slides/slide18.xml><?xml version="1.0" encoding="utf-8"?>
 <p:sld xmlns:a="http://schemas.openxmlformats.org/drawingml/2006/main" xmlns:r="http://schemas.openxmlformats.org/officeDocument/2006/relationships" xmlns:p="http://schemas.openxmlformats.org/presentationml/2006/main">
   <p:cSld>
     <p:spTree>
@@ -9643,6 +10786,131 @@
 </p:sld>
 </file>
 
+<file path=ppt/slides/slide19.xml><?xml version="1.0" encoding="utf-8"?>
+<p:sld xmlns:a="http://schemas.openxmlformats.org/drawingml/2006/main" xmlns:r="http://schemas.openxmlformats.org/officeDocument/2006/relationships" xmlns:p="http://schemas.openxmlformats.org/presentationml/2006/main">
+  <p:cSld>
+    <p:spTree>
+      <p:nvGrpSpPr>
+        <p:cNvPr id="1" name=""/>
+        <p:cNvGrpSpPr/>
+        <p:nvPr/>
+      </p:nvGrpSpPr>
+      <p:grpSpPr>
+        <a:xfrm>
+          <a:off x="0" y="0"/>
+          <a:ext cx="0" cy="0"/>
+          <a:chOff x="0" y="0"/>
+          <a:chExt cx="0" cy="0"/>
+        </a:xfrm>
+      </p:grpSpPr>
+      <p:sp>
+        <p:nvSpPr>
+          <p:cNvPr id="2" name="标题 1"/>
+          <p:cNvSpPr>
+            <a:spLocks noGrp="1"/>
+          </p:cNvSpPr>
+          <p:nvPr>
+            <p:ph type="title"/>
+          </p:nvPr>
+        </p:nvSpPr>
+        <p:spPr/>
+        <p:txBody>
+          <a:bodyPr/>
+          <a:lstStyle/>
+          <a:p>
+            <a:pPr algn="l"/>
+            <a:r>
+              <a:rPr lang="zh-CN" altLang="zh-CN" b="1" dirty="0" smtClean="0"/>
+              <a:t>详细设计</a:t>
+            </a:r>
+            <a:endParaRPr lang="zh-CN" altLang="en-US" dirty="0"/>
+          </a:p>
+        </p:txBody>
+      </p:sp>
+      <p:sp>
+        <p:nvSpPr>
+          <p:cNvPr id="3" name="内容占位符 2"/>
+          <p:cNvSpPr>
+            <a:spLocks noGrp="1"/>
+          </p:cNvSpPr>
+          <p:nvPr>
+            <p:ph idx="1"/>
+          </p:nvPr>
+        </p:nvSpPr>
+        <p:spPr/>
+        <p:txBody>
+          <a:bodyPr>
+            <a:normAutofit/>
+          </a:bodyPr>
+          <a:lstStyle/>
+          <a:p>
+            <a:pPr>
+              <a:buNone/>
+            </a:pPr>
+            <a:r>
+              <a:rPr lang="zh-CN" altLang="zh-CN" sz="1800" b="1" dirty="0" smtClean="0">
+                <a:latin typeface="+mj-ea"/>
+                <a:ea typeface="+mj-ea"/>
+              </a:rPr>
+              <a:t>前台模块的设计及实现</a:t>
+            </a:r>
+            <a:endParaRPr lang="en-US" altLang="zh-CN" sz="1800" b="1" dirty="0" smtClean="0">
+              <a:latin typeface="+mj-ea"/>
+              <a:ea typeface="+mj-ea"/>
+            </a:endParaRPr>
+          </a:p>
+          <a:p>
+            <a:pPr>
+              <a:buNone/>
+            </a:pPr>
+            <a:r>
+              <a:rPr lang="zh-CN" altLang="zh-CN" sz="1800" b="1" dirty="0" smtClean="0"/>
+              <a:t>用户登录模块</a:t>
+            </a:r>
+            <a:endParaRPr lang="en-US" altLang="zh-CN" sz="1800" b="1" dirty="0" smtClean="0"/>
+          </a:p>
+        </p:txBody>
+      </p:sp>
+      <p:pic>
+        <p:nvPicPr>
+          <p:cNvPr id="36866" name="Picture 2"/>
+          <p:cNvPicPr>
+            <a:picLocks noChangeAspect="1" noChangeArrowheads="1"/>
+          </p:cNvPicPr>
+          <p:nvPr/>
+        </p:nvPicPr>
+        <p:blipFill>
+          <a:blip r:embed="rId2" cstate="print"/>
+          <a:srcRect/>
+          <a:stretch>
+            <a:fillRect/>
+          </a:stretch>
+        </p:blipFill>
+        <p:spPr bwMode="auto">
+          <a:xfrm>
+            <a:off x="611560" y="1995686"/>
+            <a:ext cx="3408363" cy="2493963"/>
+          </a:xfrm>
+          <a:prstGeom prst="rect">
+            <a:avLst/>
+          </a:prstGeom>
+          <a:noFill/>
+          <a:ln w="9525">
+            <a:noFill/>
+            <a:miter lim="800000"/>
+            <a:headEnd/>
+            <a:tailEnd/>
+          </a:ln>
+        </p:spPr>
+      </p:pic>
+    </p:spTree>
+  </p:cSld>
+  <p:clrMapOvr>
+    <a:masterClrMapping/>
+  </p:clrMapOvr>
+</p:sld>
+</file>
+
 <file path=ppt/slides/slide2.xml><?xml version="1.0" encoding="utf-8"?>
 <p:sld xmlns:a="http://schemas.openxmlformats.org/drawingml/2006/main" xmlns:r="http://schemas.openxmlformats.org/officeDocument/2006/relationships" xmlns:p="http://schemas.openxmlformats.org/presentationml/2006/main">
   <p:cSld>
@@ -9748,6 +11016,245 @@
   <p:clrMapOvr>
     <a:masterClrMapping/>
   </p:clrMapOvr>
+  <p:timing>
+    <p:tnLst>
+      <p:par>
+        <p:cTn id="1" dur="indefinite" restart="never" nodeType="tmRoot">
+          <p:childTnLst>
+            <p:seq concurrent="1" nextAc="seek">
+              <p:cTn id="2" dur="indefinite" nodeType="mainSeq">
+                <p:childTnLst>
+                  <p:par>
+                    <p:cTn id="3" fill="hold">
+                      <p:stCondLst>
+                        <p:cond delay="indefinite"/>
+                      </p:stCondLst>
+                      <p:childTnLst>
+                        <p:par>
+                          <p:cTn id="4" fill="hold">
+                            <p:stCondLst>
+                              <p:cond delay="0"/>
+                            </p:stCondLst>
+                            <p:childTnLst>
+                              <p:par>
+                                <p:cTn id="5" presetID="2" presetClass="entr" presetSubtype="8" fill="hold" grpId="0" nodeType="clickEffect">
+                                  <p:stCondLst>
+                                    <p:cond delay="0"/>
+                                  </p:stCondLst>
+                                  <p:childTnLst>
+                                    <p:set>
+                                      <p:cBhvr>
+                                        <p:cTn id="6" dur="1" fill="hold">
+                                          <p:stCondLst>
+                                            <p:cond delay="0"/>
+                                          </p:stCondLst>
+                                        </p:cTn>
+                                        <p:tgtEl>
+                                          <p:spTgt spid="3">
+                                            <p:txEl>
+                                              <p:pRg st="0" end="0"/>
+                                            </p:txEl>
+                                          </p:spTgt>
+                                        </p:tgtEl>
+                                        <p:attrNameLst>
+                                          <p:attrName>style.visibility</p:attrName>
+                                        </p:attrNameLst>
+                                      </p:cBhvr>
+                                      <p:to>
+                                        <p:strVal val="visible"/>
+                                      </p:to>
+                                    </p:set>
+                                    <p:anim calcmode="lin" valueType="num">
+                                      <p:cBhvr additive="base">
+                                        <p:cTn id="7" dur="500" fill="hold"/>
+                                        <p:tgtEl>
+                                          <p:spTgt spid="3">
+                                            <p:txEl>
+                                              <p:pRg st="0" end="0"/>
+                                            </p:txEl>
+                                          </p:spTgt>
+                                        </p:tgtEl>
+                                        <p:attrNameLst>
+                                          <p:attrName>ppt_x</p:attrName>
+                                        </p:attrNameLst>
+                                      </p:cBhvr>
+                                      <p:tavLst>
+                                        <p:tav tm="0">
+                                          <p:val>
+                                            <p:strVal val="0-#ppt_w/2"/>
+                                          </p:val>
+                                        </p:tav>
+                                        <p:tav tm="100000">
+                                          <p:val>
+                                            <p:strVal val="#ppt_x"/>
+                                          </p:val>
+                                        </p:tav>
+                                      </p:tavLst>
+                                    </p:anim>
+                                    <p:anim calcmode="lin" valueType="num">
+                                      <p:cBhvr additive="base">
+                                        <p:cTn id="8" dur="500" fill="hold"/>
+                                        <p:tgtEl>
+                                          <p:spTgt spid="3">
+                                            <p:txEl>
+                                              <p:pRg st="0" end="0"/>
+                                            </p:txEl>
+                                          </p:spTgt>
+                                        </p:tgtEl>
+                                        <p:attrNameLst>
+                                          <p:attrName>ppt_y</p:attrName>
+                                        </p:attrNameLst>
+                                      </p:cBhvr>
+                                      <p:tavLst>
+                                        <p:tav tm="0">
+                                          <p:val>
+                                            <p:strVal val="#ppt_y"/>
+                                          </p:val>
+                                        </p:tav>
+                                        <p:tav tm="100000">
+                                          <p:val>
+                                            <p:strVal val="#ppt_y"/>
+                                          </p:val>
+                                        </p:tav>
+                                      </p:tavLst>
+                                    </p:anim>
+                                  </p:childTnLst>
+                                </p:cTn>
+                              </p:par>
+                            </p:childTnLst>
+                          </p:cTn>
+                        </p:par>
+                      </p:childTnLst>
+                    </p:cTn>
+                  </p:par>
+                  <p:par>
+                    <p:cTn id="9" fill="hold">
+                      <p:stCondLst>
+                        <p:cond delay="indefinite"/>
+                      </p:stCondLst>
+                      <p:childTnLst>
+                        <p:par>
+                          <p:cTn id="10" fill="hold">
+                            <p:stCondLst>
+                              <p:cond delay="0"/>
+                            </p:stCondLst>
+                            <p:childTnLst>
+                              <p:par>
+                                <p:cTn id="11" presetID="2" presetClass="entr" presetSubtype="8" fill="hold" grpId="0" nodeType="clickEffect">
+                                  <p:stCondLst>
+                                    <p:cond delay="0"/>
+                                  </p:stCondLst>
+                                  <p:childTnLst>
+                                    <p:set>
+                                      <p:cBhvr>
+                                        <p:cTn id="12" dur="1" fill="hold">
+                                          <p:stCondLst>
+                                            <p:cond delay="0"/>
+                                          </p:stCondLst>
+                                        </p:cTn>
+                                        <p:tgtEl>
+                                          <p:spTgt spid="3">
+                                            <p:txEl>
+                                              <p:pRg st="1" end="1"/>
+                                            </p:txEl>
+                                          </p:spTgt>
+                                        </p:tgtEl>
+                                        <p:attrNameLst>
+                                          <p:attrName>style.visibility</p:attrName>
+                                        </p:attrNameLst>
+                                      </p:cBhvr>
+                                      <p:to>
+                                        <p:strVal val="visible"/>
+                                      </p:to>
+                                    </p:set>
+                                    <p:anim calcmode="lin" valueType="num">
+                                      <p:cBhvr additive="base">
+                                        <p:cTn id="13" dur="500" fill="hold"/>
+                                        <p:tgtEl>
+                                          <p:spTgt spid="3">
+                                            <p:txEl>
+                                              <p:pRg st="1" end="1"/>
+                                            </p:txEl>
+                                          </p:spTgt>
+                                        </p:tgtEl>
+                                        <p:attrNameLst>
+                                          <p:attrName>ppt_x</p:attrName>
+                                        </p:attrNameLst>
+                                      </p:cBhvr>
+                                      <p:tavLst>
+                                        <p:tav tm="0">
+                                          <p:val>
+                                            <p:strVal val="0-#ppt_w/2"/>
+                                          </p:val>
+                                        </p:tav>
+                                        <p:tav tm="100000">
+                                          <p:val>
+                                            <p:strVal val="#ppt_x"/>
+                                          </p:val>
+                                        </p:tav>
+                                      </p:tavLst>
+                                    </p:anim>
+                                    <p:anim calcmode="lin" valueType="num">
+                                      <p:cBhvr additive="base">
+                                        <p:cTn id="14" dur="500" fill="hold"/>
+                                        <p:tgtEl>
+                                          <p:spTgt spid="3">
+                                            <p:txEl>
+                                              <p:pRg st="1" end="1"/>
+                                            </p:txEl>
+                                          </p:spTgt>
+                                        </p:tgtEl>
+                                        <p:attrNameLst>
+                                          <p:attrName>ppt_y</p:attrName>
+                                        </p:attrNameLst>
+                                      </p:cBhvr>
+                                      <p:tavLst>
+                                        <p:tav tm="0">
+                                          <p:val>
+                                            <p:strVal val="#ppt_y"/>
+                                          </p:val>
+                                        </p:tav>
+                                        <p:tav tm="100000">
+                                          <p:val>
+                                            <p:strVal val="#ppt_y"/>
+                                          </p:val>
+                                        </p:tav>
+                                      </p:tavLst>
+                                    </p:anim>
+                                  </p:childTnLst>
+                                </p:cTn>
+                              </p:par>
+                            </p:childTnLst>
+                          </p:cTn>
+                        </p:par>
+                      </p:childTnLst>
+                    </p:cTn>
+                  </p:par>
+                </p:childTnLst>
+              </p:cTn>
+              <p:prevCondLst>
+                <p:cond evt="onPrev" delay="0">
+                  <p:tgtEl>
+                    <p:sldTgt/>
+                  </p:tgtEl>
+                </p:cond>
+              </p:prevCondLst>
+              <p:nextCondLst>
+                <p:cond evt="onNext" delay="0">
+                  <p:tgtEl>
+                    <p:sldTgt/>
+                  </p:tgtEl>
+                </p:cond>
+              </p:nextCondLst>
+            </p:seq>
+          </p:childTnLst>
+        </p:cTn>
+      </p:par>
+    </p:tnLst>
+    <p:bldLst>
+      <p:bldP spid="3" grpId="0" build="p"/>
+    </p:bldLst>
+  </p:timing>
 </p:sld>
 </file>
 
@@ -9830,7 +11337,7 @@
             </a:pPr>
             <a:r>
               <a:rPr lang="zh-CN" altLang="zh-CN" sz="1800" b="1" dirty="0" smtClean="0"/>
-              <a:t>用户登录模块</a:t>
+              <a:t>用户管理模块</a:t>
             </a:r>
             <a:endParaRPr lang="en-US" altLang="zh-CN" sz="1800" b="1" dirty="0" smtClean="0"/>
           </a:p>
@@ -9838,7 +11345,7 @@
       </p:sp>
       <p:pic>
         <p:nvPicPr>
-          <p:cNvPr id="36866" name="Picture 2"/>
+          <p:cNvPr id="37890" name="Picture 2"/>
           <p:cNvPicPr>
             <a:picLocks noChangeAspect="1" noChangeArrowheads="1"/>
           </p:cNvPicPr>
@@ -9853,8 +11360,8 @@
         </p:blipFill>
         <p:spPr bwMode="auto">
           <a:xfrm>
-            <a:off x="611560" y="1995686"/>
-            <a:ext cx="3408363" cy="2493963"/>
+            <a:off x="539552" y="2067694"/>
+            <a:ext cx="6110288" cy="2378075"/>
           </a:xfrm>
           <a:prstGeom prst="rect">
             <a:avLst/>
@@ -9955,7 +11462,7 @@
             </a:pPr>
             <a:r>
               <a:rPr lang="zh-CN" altLang="zh-CN" sz="1800" b="1" dirty="0" smtClean="0"/>
-              <a:t>用户管理模块</a:t>
+              <a:t>测试用例管理模块</a:t>
             </a:r>
             <a:endParaRPr lang="en-US" altLang="zh-CN" sz="1800" b="1" dirty="0" smtClean="0"/>
           </a:p>
@@ -9963,7 +11470,7 @@
       </p:sp>
       <p:pic>
         <p:nvPicPr>
-          <p:cNvPr id="37890" name="Picture 2"/>
+          <p:cNvPr id="38915" name="Picture 3"/>
           <p:cNvPicPr>
             <a:picLocks noChangeAspect="1" noChangeArrowheads="1"/>
           </p:cNvPicPr>
@@ -9978,8 +11485,8 @@
         </p:blipFill>
         <p:spPr bwMode="auto">
           <a:xfrm>
-            <a:off x="539552" y="2067694"/>
-            <a:ext cx="6110288" cy="2378075"/>
+            <a:off x="617959" y="1851670"/>
+            <a:ext cx="5610225" cy="3117850"/>
           </a:xfrm>
           <a:prstGeom prst="rect">
             <a:avLst/>
@@ -10080,7 +11587,7 @@
             </a:pPr>
             <a:r>
               <a:rPr lang="zh-CN" altLang="zh-CN" sz="1800" b="1" dirty="0" smtClean="0"/>
-              <a:t>测试用例管理模块</a:t>
+              <a:t>测试任务管理模块</a:t>
             </a:r>
             <a:endParaRPr lang="en-US" altLang="zh-CN" sz="1800" b="1" dirty="0" smtClean="0"/>
           </a:p>
@@ -10088,7 +11595,7 @@
       </p:sp>
       <p:pic>
         <p:nvPicPr>
-          <p:cNvPr id="38915" name="Picture 3"/>
+          <p:cNvPr id="39938" name="Picture 2"/>
           <p:cNvPicPr>
             <a:picLocks noChangeAspect="1" noChangeArrowheads="1"/>
           </p:cNvPicPr>
@@ -10103,8 +11610,8 @@
         </p:blipFill>
         <p:spPr bwMode="auto">
           <a:xfrm>
-            <a:off x="617959" y="1851670"/>
-            <a:ext cx="5610225" cy="3117850"/>
+            <a:off x="755576" y="2211710"/>
+            <a:ext cx="5810250" cy="2203450"/>
           </a:xfrm>
           <a:prstGeom prst="rect">
             <a:avLst/>
@@ -10205,7 +11712,7 @@
             </a:pPr>
             <a:r>
               <a:rPr lang="zh-CN" altLang="zh-CN" sz="1800" b="1" dirty="0" smtClean="0"/>
-              <a:t>测试任务管理模块</a:t>
+              <a:t>系统参数管理模块</a:t>
             </a:r>
             <a:endParaRPr lang="en-US" altLang="zh-CN" sz="1800" b="1" dirty="0" smtClean="0"/>
           </a:p>
@@ -10213,7 +11720,7 @@
       </p:sp>
       <p:pic>
         <p:nvPicPr>
-          <p:cNvPr id="39938" name="Picture 2"/>
+          <p:cNvPr id="40962" name="Picture 2"/>
           <p:cNvPicPr>
             <a:picLocks noChangeAspect="1" noChangeArrowheads="1"/>
           </p:cNvPicPr>
@@ -10228,8 +11735,8 @@
         </p:blipFill>
         <p:spPr bwMode="auto">
           <a:xfrm>
-            <a:off x="755576" y="2211710"/>
-            <a:ext cx="5810250" cy="2203450"/>
+            <a:off x="539552" y="2067694"/>
+            <a:ext cx="6167438" cy="2144713"/>
           </a:xfrm>
           <a:prstGeom prst="rect">
             <a:avLst/>
@@ -10286,131 +11793,6 @@
             <a:pPr algn="l"/>
             <a:r>
               <a:rPr lang="zh-CN" altLang="zh-CN" b="1" dirty="0" smtClean="0"/>
-              <a:t>详细设计</a:t>
-            </a:r>
-            <a:endParaRPr lang="zh-CN" altLang="en-US" dirty="0"/>
-          </a:p>
-        </p:txBody>
-      </p:sp>
-      <p:sp>
-        <p:nvSpPr>
-          <p:cNvPr id="3" name="内容占位符 2"/>
-          <p:cNvSpPr>
-            <a:spLocks noGrp="1"/>
-          </p:cNvSpPr>
-          <p:nvPr>
-            <p:ph idx="1"/>
-          </p:nvPr>
-        </p:nvSpPr>
-        <p:spPr/>
-        <p:txBody>
-          <a:bodyPr>
-            <a:normAutofit/>
-          </a:bodyPr>
-          <a:lstStyle/>
-          <a:p>
-            <a:pPr>
-              <a:buNone/>
-            </a:pPr>
-            <a:r>
-              <a:rPr lang="zh-CN" altLang="zh-CN" sz="1800" b="1" dirty="0" smtClean="0">
-                <a:latin typeface="+mj-ea"/>
-                <a:ea typeface="+mj-ea"/>
-              </a:rPr>
-              <a:t>前台模块的设计及实现</a:t>
-            </a:r>
-            <a:endParaRPr lang="en-US" altLang="zh-CN" sz="1800" b="1" dirty="0" smtClean="0">
-              <a:latin typeface="+mj-ea"/>
-              <a:ea typeface="+mj-ea"/>
-            </a:endParaRPr>
-          </a:p>
-          <a:p>
-            <a:pPr>
-              <a:buNone/>
-            </a:pPr>
-            <a:r>
-              <a:rPr lang="zh-CN" altLang="zh-CN" sz="1800" b="1" dirty="0" smtClean="0"/>
-              <a:t>系统参数管理模块</a:t>
-            </a:r>
-            <a:endParaRPr lang="en-US" altLang="zh-CN" sz="1800" b="1" dirty="0" smtClean="0"/>
-          </a:p>
-        </p:txBody>
-      </p:sp>
-      <p:pic>
-        <p:nvPicPr>
-          <p:cNvPr id="40962" name="Picture 2"/>
-          <p:cNvPicPr>
-            <a:picLocks noChangeAspect="1" noChangeArrowheads="1"/>
-          </p:cNvPicPr>
-          <p:nvPr/>
-        </p:nvPicPr>
-        <p:blipFill>
-          <a:blip r:embed="rId2" cstate="print"/>
-          <a:srcRect/>
-          <a:stretch>
-            <a:fillRect/>
-          </a:stretch>
-        </p:blipFill>
-        <p:spPr bwMode="auto">
-          <a:xfrm>
-            <a:off x="539552" y="2067694"/>
-            <a:ext cx="6167438" cy="2144713"/>
-          </a:xfrm>
-          <a:prstGeom prst="rect">
-            <a:avLst/>
-          </a:prstGeom>
-          <a:noFill/>
-          <a:ln w="9525">
-            <a:noFill/>
-            <a:miter lim="800000"/>
-            <a:headEnd/>
-            <a:tailEnd/>
-          </a:ln>
-        </p:spPr>
-      </p:pic>
-    </p:spTree>
-  </p:cSld>
-  <p:clrMapOvr>
-    <a:masterClrMapping/>
-  </p:clrMapOvr>
-</p:sld>
-</file>
-
-<file path=ppt/slides/slide25.xml><?xml version="1.0" encoding="utf-8"?>
-<p:sld xmlns:a="http://schemas.openxmlformats.org/drawingml/2006/main" xmlns:r="http://schemas.openxmlformats.org/officeDocument/2006/relationships" xmlns:p="http://schemas.openxmlformats.org/presentationml/2006/main">
-  <p:cSld>
-    <p:spTree>
-      <p:nvGrpSpPr>
-        <p:cNvPr id="1" name=""/>
-        <p:cNvGrpSpPr/>
-        <p:nvPr/>
-      </p:nvGrpSpPr>
-      <p:grpSpPr>
-        <a:xfrm>
-          <a:off x="0" y="0"/>
-          <a:ext cx="0" cy="0"/>
-          <a:chOff x="0" y="0"/>
-          <a:chExt cx="0" cy="0"/>
-        </a:xfrm>
-      </p:grpSpPr>
-      <p:sp>
-        <p:nvSpPr>
-          <p:cNvPr id="2" name="标题 1"/>
-          <p:cNvSpPr>
-            <a:spLocks noGrp="1"/>
-          </p:cNvSpPr>
-          <p:nvPr>
-            <p:ph type="title"/>
-          </p:nvPr>
-        </p:nvSpPr>
-        <p:spPr/>
-        <p:txBody>
-          <a:bodyPr/>
-          <a:lstStyle/>
-          <a:p>
-            <a:pPr algn="l"/>
-            <a:r>
-              <a:rPr lang="zh-CN" altLang="zh-CN" b="1" dirty="0" smtClean="0"/>
               <a:t>结束语</a:t>
             </a:r>
             <a:endParaRPr lang="zh-CN" altLang="en-US" dirty="0"/>
@@ -10491,6 +11873,13 @@
   <p:clrMapOvr>
     <a:masterClrMapping/>
   </p:clrMapOvr>
+  <p:timing>
+    <p:tnLst>
+      <p:par>
+        <p:cTn id="1" dur="indefinite" restart="never" nodeType="tmRoot"/>
+      </p:par>
+    </p:tnLst>
+  </p:timing>
 </p:sld>
 </file>
 
@@ -10585,6 +11974,269 @@
   <p:clrMapOvr>
     <a:masterClrMapping/>
   </p:clrMapOvr>
+  <p:timing>
+    <p:tnLst>
+      <p:par>
+        <p:cTn id="1" dur="indefinite" restart="never" nodeType="tmRoot">
+          <p:childTnLst>
+            <p:seq concurrent="1" nextAc="seek">
+              <p:cTn id="2" dur="indefinite" nodeType="mainSeq">
+                <p:childTnLst>
+                  <p:par>
+                    <p:cTn id="3" fill="hold">
+                      <p:stCondLst>
+                        <p:cond delay="indefinite"/>
+                      </p:stCondLst>
+                      <p:childTnLst>
+                        <p:par>
+                          <p:cTn id="4" fill="hold">
+                            <p:stCondLst>
+                              <p:cond delay="0"/>
+                            </p:stCondLst>
+                            <p:childTnLst>
+                              <p:par>
+                                <p:cTn id="5" presetID="42" presetClass="entr" presetSubtype="0" fill="hold" grpId="0" nodeType="clickEffect">
+                                  <p:stCondLst>
+                                    <p:cond delay="0"/>
+                                  </p:stCondLst>
+                                  <p:childTnLst>
+                                    <p:set>
+                                      <p:cBhvr>
+                                        <p:cTn id="6" dur="1" fill="hold">
+                                          <p:stCondLst>
+                                            <p:cond delay="0"/>
+                                          </p:stCondLst>
+                                        </p:cTn>
+                                        <p:tgtEl>
+                                          <p:spTgt spid="3">
+                                            <p:txEl>
+                                              <p:pRg st="0" end="0"/>
+                                            </p:txEl>
+                                          </p:spTgt>
+                                        </p:tgtEl>
+                                        <p:attrNameLst>
+                                          <p:attrName>style.visibility</p:attrName>
+                                        </p:attrNameLst>
+                                      </p:cBhvr>
+                                      <p:to>
+                                        <p:strVal val="visible"/>
+                                      </p:to>
+                                    </p:set>
+                                    <p:animEffect transition="in" filter="fade">
+                                      <p:cBhvr>
+                                        <p:cTn id="7" dur="1000"/>
+                                        <p:tgtEl>
+                                          <p:spTgt spid="3">
+                                            <p:txEl>
+                                              <p:pRg st="0" end="0"/>
+                                            </p:txEl>
+                                          </p:spTgt>
+                                        </p:tgtEl>
+                                      </p:cBhvr>
+                                    </p:animEffect>
+                                    <p:anim calcmode="lin" valueType="num">
+                                      <p:cBhvr>
+                                        <p:cTn id="8" dur="1000" fill="hold"/>
+                                        <p:tgtEl>
+                                          <p:spTgt spid="3">
+                                            <p:txEl>
+                                              <p:pRg st="0" end="0"/>
+                                            </p:txEl>
+                                          </p:spTgt>
+                                        </p:tgtEl>
+                                        <p:attrNameLst>
+                                          <p:attrName>ppt_x</p:attrName>
+                                        </p:attrNameLst>
+                                      </p:cBhvr>
+                                      <p:tavLst>
+                                        <p:tav tm="0">
+                                          <p:val>
+                                            <p:strVal val="#ppt_x"/>
+                                          </p:val>
+                                        </p:tav>
+                                        <p:tav tm="100000">
+                                          <p:val>
+                                            <p:strVal val="#ppt_x"/>
+                                          </p:val>
+                                        </p:tav>
+                                      </p:tavLst>
+                                    </p:anim>
+                                    <p:anim calcmode="lin" valueType="num">
+                                      <p:cBhvr>
+                                        <p:cTn id="9" dur="1000" fill="hold"/>
+                                        <p:tgtEl>
+                                          <p:spTgt spid="3">
+                                            <p:txEl>
+                                              <p:pRg st="0" end="0"/>
+                                            </p:txEl>
+                                          </p:spTgt>
+                                        </p:tgtEl>
+                                        <p:attrNameLst>
+                                          <p:attrName>ppt_y</p:attrName>
+                                        </p:attrNameLst>
+                                      </p:cBhvr>
+                                      <p:tavLst>
+                                        <p:tav tm="0">
+                                          <p:val>
+                                            <p:strVal val="#ppt_y+.1"/>
+                                          </p:val>
+                                        </p:tav>
+                                        <p:tav tm="100000">
+                                          <p:val>
+                                            <p:strVal val="#ppt_y"/>
+                                          </p:val>
+                                        </p:tav>
+                                      </p:tavLst>
+                                    </p:anim>
+                                  </p:childTnLst>
+                                </p:cTn>
+                              </p:par>
+                            </p:childTnLst>
+                          </p:cTn>
+                        </p:par>
+                      </p:childTnLst>
+                    </p:cTn>
+                  </p:par>
+                  <p:par>
+                    <p:cTn id="10" fill="hold">
+                      <p:stCondLst>
+                        <p:cond delay="indefinite"/>
+                      </p:stCondLst>
+                      <p:childTnLst>
+                        <p:par>
+                          <p:cTn id="11" fill="hold">
+                            <p:stCondLst>
+                              <p:cond delay="0"/>
+                            </p:stCondLst>
+                            <p:childTnLst>
+                              <p:par>
+                                <p:cTn id="12" presetID="42" presetClass="entr" presetSubtype="0" fill="hold" grpId="0" nodeType="clickEffect">
+                                  <p:stCondLst>
+                                    <p:cond delay="0"/>
+                                  </p:stCondLst>
+                                  <p:childTnLst>
+                                    <p:set>
+                                      <p:cBhvr>
+                                        <p:cTn id="13" dur="1" fill="hold">
+                                          <p:stCondLst>
+                                            <p:cond delay="0"/>
+                                          </p:stCondLst>
+                                        </p:cTn>
+                                        <p:tgtEl>
+                                          <p:spTgt spid="3">
+                                            <p:txEl>
+                                              <p:pRg st="1" end="1"/>
+                                            </p:txEl>
+                                          </p:spTgt>
+                                        </p:tgtEl>
+                                        <p:attrNameLst>
+                                          <p:attrName>style.visibility</p:attrName>
+                                        </p:attrNameLst>
+                                      </p:cBhvr>
+                                      <p:to>
+                                        <p:strVal val="visible"/>
+                                      </p:to>
+                                    </p:set>
+                                    <p:animEffect transition="in" filter="fade">
+                                      <p:cBhvr>
+                                        <p:cTn id="14" dur="1000"/>
+                                        <p:tgtEl>
+                                          <p:spTgt spid="3">
+                                            <p:txEl>
+                                              <p:pRg st="1" end="1"/>
+                                            </p:txEl>
+                                          </p:spTgt>
+                                        </p:tgtEl>
+                                      </p:cBhvr>
+                                    </p:animEffect>
+                                    <p:anim calcmode="lin" valueType="num">
+                                      <p:cBhvr>
+                                        <p:cTn id="15" dur="1000" fill="hold"/>
+                                        <p:tgtEl>
+                                          <p:spTgt spid="3">
+                                            <p:txEl>
+                                              <p:pRg st="1" end="1"/>
+                                            </p:txEl>
+                                          </p:spTgt>
+                                        </p:tgtEl>
+                                        <p:attrNameLst>
+                                          <p:attrName>ppt_x</p:attrName>
+                                        </p:attrNameLst>
+                                      </p:cBhvr>
+                                      <p:tavLst>
+                                        <p:tav tm="0">
+                                          <p:val>
+                                            <p:strVal val="#ppt_x"/>
+                                          </p:val>
+                                        </p:tav>
+                                        <p:tav tm="100000">
+                                          <p:val>
+                                            <p:strVal val="#ppt_x"/>
+                                          </p:val>
+                                        </p:tav>
+                                      </p:tavLst>
+                                    </p:anim>
+                                    <p:anim calcmode="lin" valueType="num">
+                                      <p:cBhvr>
+                                        <p:cTn id="16" dur="1000" fill="hold"/>
+                                        <p:tgtEl>
+                                          <p:spTgt spid="3">
+                                            <p:txEl>
+                                              <p:pRg st="1" end="1"/>
+                                            </p:txEl>
+                                          </p:spTgt>
+                                        </p:tgtEl>
+                                        <p:attrNameLst>
+                                          <p:attrName>ppt_y</p:attrName>
+                                        </p:attrNameLst>
+                                      </p:cBhvr>
+                                      <p:tavLst>
+                                        <p:tav tm="0">
+                                          <p:val>
+                                            <p:strVal val="#ppt_y+.1"/>
+                                          </p:val>
+                                        </p:tav>
+                                        <p:tav tm="100000">
+                                          <p:val>
+                                            <p:strVal val="#ppt_y"/>
+                                          </p:val>
+                                        </p:tav>
+                                      </p:tavLst>
+                                    </p:anim>
+                                  </p:childTnLst>
+                                </p:cTn>
+                              </p:par>
+                            </p:childTnLst>
+                          </p:cTn>
+                        </p:par>
+                      </p:childTnLst>
+                    </p:cTn>
+                  </p:par>
+                </p:childTnLst>
+              </p:cTn>
+              <p:prevCondLst>
+                <p:cond evt="onPrev" delay="0">
+                  <p:tgtEl>
+                    <p:sldTgt/>
+                  </p:tgtEl>
+                </p:cond>
+              </p:prevCondLst>
+              <p:nextCondLst>
+                <p:cond evt="onNext" delay="0">
+                  <p:tgtEl>
+                    <p:sldTgt/>
+                  </p:tgtEl>
+                </p:cond>
+              </p:nextCondLst>
+            </p:seq>
+          </p:childTnLst>
+        </p:cTn>
+      </p:par>
+    </p:tnLst>
+    <p:bldLst>
+      <p:bldP spid="3" grpId="0" build="p"/>
+    </p:bldLst>
+  </p:timing>
 </p:sld>
 </file>
 
@@ -10716,6 +12368,501 @@
   <p:clrMapOvr>
     <a:masterClrMapping/>
   </p:clrMapOvr>
+  <p:timing>
+    <p:tnLst>
+      <p:par>
+        <p:cTn id="1" dur="indefinite" restart="never" nodeType="tmRoot">
+          <p:childTnLst>
+            <p:seq concurrent="1" nextAc="seek">
+              <p:cTn id="2" dur="indefinite" nodeType="mainSeq">
+                <p:childTnLst>
+                  <p:par>
+                    <p:cTn id="3" fill="hold">
+                      <p:stCondLst>
+                        <p:cond delay="indefinite"/>
+                      </p:stCondLst>
+                      <p:childTnLst>
+                        <p:par>
+                          <p:cTn id="4" fill="hold">
+                            <p:stCondLst>
+                              <p:cond delay="0"/>
+                            </p:stCondLst>
+                            <p:childTnLst>
+                              <p:par>
+                                <p:cTn id="5" presetID="43" presetClass="entr" presetSubtype="0" fill="hold" nodeType="clickEffect">
+                                  <p:stCondLst>
+                                    <p:cond delay="0"/>
+                                  </p:stCondLst>
+                                  <p:childTnLst>
+                                    <p:set>
+                                      <p:cBhvr>
+                                        <p:cTn id="6" dur="1" fill="hold">
+                                          <p:stCondLst>
+                                            <p:cond delay="0"/>
+                                          </p:stCondLst>
+                                        </p:cTn>
+                                        <p:tgtEl>
+                                          <p:spTgt spid="1026"/>
+                                        </p:tgtEl>
+                                        <p:attrNameLst>
+                                          <p:attrName>style.visibility</p:attrName>
+                                        </p:attrNameLst>
+                                      </p:cBhvr>
+                                      <p:to>
+                                        <p:strVal val="visible"/>
+                                      </p:to>
+                                    </p:set>
+                                    <p:animEffect transition="in" filter="fade">
+                                      <p:cBhvr>
+                                        <p:cTn id="7" dur="100"/>
+                                        <p:tgtEl>
+                                          <p:spTgt spid="1026"/>
+                                        </p:tgtEl>
+                                      </p:cBhvr>
+                                    </p:animEffect>
+                                    <p:anim calcmode="lin" valueType="num">
+                                      <p:cBhvr>
+                                        <p:cTn id="8" dur="400" fill="hold"/>
+                                        <p:tgtEl>
+                                          <p:spTgt spid="1026"/>
+                                        </p:tgtEl>
+                                        <p:attrNameLst>
+                                          <p:attrName>ppt_x</p:attrName>
+                                        </p:attrNameLst>
+                                      </p:cBhvr>
+                                      <p:tavLst>
+                                        <p:tav tm="0">
+                                          <p:val>
+                                            <p:strVal val="#ppt_x"/>
+                                          </p:val>
+                                        </p:tav>
+                                        <p:tav tm="100000">
+                                          <p:val>
+                                            <p:strVal val="#ppt_x"/>
+                                          </p:val>
+                                        </p:tav>
+                                      </p:tavLst>
+                                    </p:anim>
+                                    <p:anim calcmode="lin" valueType="num">
+                                      <p:cBhvr>
+                                        <p:cTn id="9" dur="400" fill="hold"/>
+                                        <p:tgtEl>
+                                          <p:spTgt spid="1026"/>
+                                        </p:tgtEl>
+                                        <p:attrNameLst>
+                                          <p:attrName>ppt_y</p:attrName>
+                                        </p:attrNameLst>
+                                      </p:cBhvr>
+                                      <p:tavLst>
+                                        <p:tav tm="0">
+                                          <p:val>
+                                            <p:strVal val="#ppt_y+0.31"/>
+                                          </p:val>
+                                        </p:tav>
+                                        <p:tav tm="100000">
+                                          <p:val>
+                                            <p:strVal val="#ppt_y+0.31"/>
+                                          </p:val>
+                                        </p:tav>
+                                      </p:tavLst>
+                                    </p:anim>
+                                    <p:anim calcmode="lin" valueType="num">
+                                      <p:cBhvr>
+                                        <p:cTn id="10" dur="600" decel="50000" fill="hold">
+                                          <p:stCondLst>
+                                            <p:cond delay="400"/>
+                                          </p:stCondLst>
+                                        </p:cTn>
+                                        <p:tgtEl>
+                                          <p:spTgt spid="1026"/>
+                                        </p:tgtEl>
+                                        <p:attrNameLst>
+                                          <p:attrName>ppt_x</p:attrName>
+                                        </p:attrNameLst>
+                                      </p:cBhvr>
+                                      <p:tavLst>
+                                        <p:tav tm="0">
+                                          <p:val>
+                                            <p:strVal val="#ppt_x"/>
+                                          </p:val>
+                                        </p:tav>
+                                        <p:tav tm="5000">
+                                          <p:val>
+                                            <p:strVal val="#ppt_x+0.0242"/>
+                                          </p:val>
+                                        </p:tav>
+                                        <p:tav tm="10000">
+                                          <p:val>
+                                            <p:strVal val="#ppt_x+0.0479"/>
+                                          </p:val>
+                                        </p:tav>
+                                        <p:tav tm="15000">
+                                          <p:val>
+                                            <p:strVal val="#ppt_x+0.0704"/>
+                                          </p:val>
+                                        </p:tav>
+                                        <p:tav tm="20000">
+                                          <p:val>
+                                            <p:strVal val="#ppt_x+0.0911"/>
+                                          </p:val>
+                                        </p:tav>
+                                        <p:tav tm="25000">
+                                          <p:val>
+                                            <p:strVal val="#ppt_x+0.1096"/>
+                                          </p:val>
+                                        </p:tav>
+                                        <p:tav tm="30000">
+                                          <p:val>
+                                            <p:strVal val="#ppt_x+0.1254"/>
+                                          </p:val>
+                                        </p:tav>
+                                        <p:tav tm="35000">
+                                          <p:val>
+                                            <p:strVal val="#ppt_x+0.1381"/>
+                                          </p:val>
+                                        </p:tav>
+                                        <p:tav tm="40000">
+                                          <p:val>
+                                            <p:strVal val="#ppt_x+0.1474"/>
+                                          </p:val>
+                                        </p:tav>
+                                        <p:tav tm="45000">
+                                          <p:val>
+                                            <p:strVal val="#ppt_x+0.1531"/>
+                                          </p:val>
+                                        </p:tav>
+                                        <p:tav tm="50000">
+                                          <p:val>
+                                            <p:strVal val="#ppt_x+0.1550"/>
+                                          </p:val>
+                                        </p:tav>
+                                        <p:tav tm="55000">
+                                          <p:val>
+                                            <p:strVal val="#ppt_x+0.1531"/>
+                                          </p:val>
+                                        </p:tav>
+                                        <p:tav tm="60000">
+                                          <p:val>
+                                            <p:strVal val="#ppt_x+0.1474"/>
+                                          </p:val>
+                                        </p:tav>
+                                        <p:tav tm="65000">
+                                          <p:val>
+                                            <p:strVal val="#ppt_x+0.1381"/>
+                                          </p:val>
+                                        </p:tav>
+                                        <p:tav tm="70000">
+                                          <p:val>
+                                            <p:strVal val="#ppt_x+0.1254"/>
+                                          </p:val>
+                                        </p:tav>
+                                        <p:tav tm="75000">
+                                          <p:val>
+                                            <p:strVal val="#ppt_x+0.1096"/>
+                                          </p:val>
+                                        </p:tav>
+                                        <p:tav tm="80000">
+                                          <p:val>
+                                            <p:strVal val="#ppt_x+0.0911"/>
+                                          </p:val>
+                                        </p:tav>
+                                        <p:tav tm="85000">
+                                          <p:val>
+                                            <p:strVal val="#ppt_x+0.0704"/>
+                                          </p:val>
+                                        </p:tav>
+                                        <p:tav tm="90000">
+                                          <p:val>
+                                            <p:strVal val="#ppt_x+0.0479"/>
+                                          </p:val>
+                                        </p:tav>
+                                        <p:tav tm="95000">
+                                          <p:val>
+                                            <p:strVal val="#ppt_x+0.0242"/>
+                                          </p:val>
+                                        </p:tav>
+                                        <p:tav tm="100000">
+                                          <p:val>
+                                            <p:strVal val="#ppt_x"/>
+                                          </p:val>
+                                        </p:tav>
+                                      </p:tavLst>
+                                    </p:anim>
+                                    <p:anim calcmode="lin" valueType="num">
+                                      <p:cBhvr>
+                                        <p:cTn id="11" dur="600" decel="50000" fill="hold">
+                                          <p:stCondLst>
+                                            <p:cond delay="400"/>
+                                          </p:stCondLst>
+                                        </p:cTn>
+                                        <p:tgtEl>
+                                          <p:spTgt spid="1026"/>
+                                        </p:tgtEl>
+                                        <p:attrNameLst>
+                                          <p:attrName>ppt_y</p:attrName>
+                                        </p:attrNameLst>
+                                      </p:cBhvr>
+                                      <p:tavLst>
+                                        <p:tav tm="0">
+                                          <p:val>
+                                            <p:strVal val="#ppt_y+0.31"/>
+                                          </p:val>
+                                        </p:tav>
+                                        <p:tav tm="5000">
+                                          <p:val>
+                                            <p:strVal val="#ppt_y+0.308"/>
+                                          </p:val>
+                                        </p:tav>
+                                        <p:tav tm="10000">
+                                          <p:val>
+                                            <p:strVal val="#ppt_y+0.3024"/>
+                                          </p:val>
+                                        </p:tav>
+                                        <p:tav tm="15000">
+                                          <p:val>
+                                            <p:strVal val="#ppt_y+0.2931"/>
+                                          </p:val>
+                                        </p:tav>
+                                        <p:tav tm="20000">
+                                          <p:val>
+                                            <p:strVal val="#ppt_y+0.2804"/>
+                                          </p:val>
+                                        </p:tav>
+                                        <p:tav tm="25000">
+                                          <p:val>
+                                            <p:strVal val="#ppt_y+0.2646"/>
+                                          </p:val>
+                                        </p:tav>
+                                        <p:tav tm="30000">
+                                          <p:val>
+                                            <p:strVal val="#ppt_y+0.2461"/>
+                                          </p:val>
+                                        </p:tav>
+                                        <p:tav tm="35000">
+                                          <p:val>
+                                            <p:strVal val="#ppt_y+0.2253"/>
+                                          </p:val>
+                                        </p:tav>
+                                        <p:tav tm="40000">
+                                          <p:val>
+                                            <p:strVal val="#ppt_y+0.2029"/>
+                                          </p:val>
+                                        </p:tav>
+                                        <p:tav tm="45000">
+                                          <p:val>
+                                            <p:strVal val="#ppt_y+0.1792"/>
+                                          </p:val>
+                                        </p:tav>
+                                        <p:tav tm="50000">
+                                          <p:val>
+                                            <p:strVal val="#ppt_y+0.155"/>
+                                          </p:val>
+                                        </p:tav>
+                                        <p:tav tm="55000">
+                                          <p:val>
+                                            <p:strVal val="#ppt_y+0.1307"/>
+                                          </p:val>
+                                        </p:tav>
+                                        <p:tav tm="60000">
+                                          <p:val>
+                                            <p:strVal val="#ppt_y+0.1071"/>
+                                          </p:val>
+                                        </p:tav>
+                                        <p:tav tm="65000">
+                                          <p:val>
+                                            <p:strVal val="#ppt_y+0.0846"/>
+                                          </p:val>
+                                        </p:tav>
+                                        <p:tav tm="70000">
+                                          <p:val>
+                                            <p:strVal val="#ppt_y+0.0639"/>
+                                          </p:val>
+                                        </p:tav>
+                                        <p:tav tm="75000">
+                                          <p:val>
+                                            <p:strVal val="#ppt_y+0.0454"/>
+                                          </p:val>
+                                        </p:tav>
+                                        <p:tav tm="80000">
+                                          <p:val>
+                                            <p:strVal val="#ppt_y+0.0296"/>
+                                          </p:val>
+                                        </p:tav>
+                                        <p:tav tm="85000">
+                                          <p:val>
+                                            <p:strVal val="#ppt_y+0.0169"/>
+                                          </p:val>
+                                        </p:tav>
+                                        <p:tav tm="90000">
+                                          <p:val>
+                                            <p:strVal val="#ppt_y+0.0076"/>
+                                          </p:val>
+                                        </p:tav>
+                                        <p:tav tm="95000">
+                                          <p:val>
+                                            <p:strVal val="#ppt_y+0.0019"/>
+                                          </p:val>
+                                        </p:tav>
+                                        <p:tav tm="100000">
+                                          <p:val>
+                                            <p:strVal val="#ppt_y"/>
+                                          </p:val>
+                                        </p:tav>
+                                      </p:tavLst>
+                                    </p:anim>
+                                  </p:childTnLst>
+                                </p:cTn>
+                              </p:par>
+                            </p:childTnLst>
+                          </p:cTn>
+                        </p:par>
+                      </p:childTnLst>
+                    </p:cTn>
+                  </p:par>
+                  <p:par>
+                    <p:cTn id="12" fill="hold">
+                      <p:stCondLst>
+                        <p:cond delay="indefinite"/>
+                      </p:stCondLst>
+                      <p:childTnLst>
+                        <p:par>
+                          <p:cTn id="13" fill="hold">
+                            <p:stCondLst>
+                              <p:cond delay="0"/>
+                            </p:stCondLst>
+                            <p:childTnLst>
+                              <p:par>
+                                <p:cTn id="14" presetID="31" presetClass="entr" presetSubtype="0" fill="hold" nodeType="clickEffect">
+                                  <p:stCondLst>
+                                    <p:cond delay="0"/>
+                                  </p:stCondLst>
+                                  <p:childTnLst>
+                                    <p:set>
+                                      <p:cBhvr>
+                                        <p:cTn id="15" dur="1" fill="hold">
+                                          <p:stCondLst>
+                                            <p:cond delay="0"/>
+                                          </p:stCondLst>
+                                        </p:cTn>
+                                        <p:tgtEl>
+                                          <p:spTgt spid="1028"/>
+                                        </p:tgtEl>
+                                        <p:attrNameLst>
+                                          <p:attrName>style.visibility</p:attrName>
+                                        </p:attrNameLst>
+                                      </p:cBhvr>
+                                      <p:to>
+                                        <p:strVal val="visible"/>
+                                      </p:to>
+                                    </p:set>
+                                    <p:anim calcmode="lin" valueType="num">
+                                      <p:cBhvr>
+                                        <p:cTn id="16" dur="1000" fill="hold"/>
+                                        <p:tgtEl>
+                                          <p:spTgt spid="1028"/>
+                                        </p:tgtEl>
+                                        <p:attrNameLst>
+                                          <p:attrName>ppt_w</p:attrName>
+                                        </p:attrNameLst>
+                                      </p:cBhvr>
+                                      <p:tavLst>
+                                        <p:tav tm="0">
+                                          <p:val>
+                                            <p:fltVal val="0"/>
+                                          </p:val>
+                                        </p:tav>
+                                        <p:tav tm="100000">
+                                          <p:val>
+                                            <p:strVal val="#ppt_w"/>
+                                          </p:val>
+                                        </p:tav>
+                                      </p:tavLst>
+                                    </p:anim>
+                                    <p:anim calcmode="lin" valueType="num">
+                                      <p:cBhvr>
+                                        <p:cTn id="17" dur="1000" fill="hold"/>
+                                        <p:tgtEl>
+                                          <p:spTgt spid="1028"/>
+                                        </p:tgtEl>
+                                        <p:attrNameLst>
+                                          <p:attrName>ppt_h</p:attrName>
+                                        </p:attrNameLst>
+                                      </p:cBhvr>
+                                      <p:tavLst>
+                                        <p:tav tm="0">
+                                          <p:val>
+                                            <p:fltVal val="0"/>
+                                          </p:val>
+                                        </p:tav>
+                                        <p:tav tm="100000">
+                                          <p:val>
+                                            <p:strVal val="#ppt_h"/>
+                                          </p:val>
+                                        </p:tav>
+                                      </p:tavLst>
+                                    </p:anim>
+                                    <p:anim calcmode="lin" valueType="num">
+                                      <p:cBhvr>
+                                        <p:cTn id="18" dur="1000" fill="hold"/>
+                                        <p:tgtEl>
+                                          <p:spTgt spid="1028"/>
+                                        </p:tgtEl>
+                                        <p:attrNameLst>
+                                          <p:attrName>style.rotation</p:attrName>
+                                        </p:attrNameLst>
+                                      </p:cBhvr>
+                                      <p:tavLst>
+                                        <p:tav tm="0">
+                                          <p:val>
+                                            <p:fltVal val="90"/>
+                                          </p:val>
+                                        </p:tav>
+                                        <p:tav tm="100000">
+                                          <p:val>
+                                            <p:fltVal val="0"/>
+                                          </p:val>
+                                        </p:tav>
+                                      </p:tavLst>
+                                    </p:anim>
+                                    <p:animEffect transition="in" filter="fade">
+                                      <p:cBhvr>
+                                        <p:cTn id="19" dur="1000"/>
+                                        <p:tgtEl>
+                                          <p:spTgt spid="1028"/>
+                                        </p:tgtEl>
+                                      </p:cBhvr>
+                                    </p:animEffect>
+                                  </p:childTnLst>
+                                </p:cTn>
+                              </p:par>
+                            </p:childTnLst>
+                          </p:cTn>
+                        </p:par>
+                      </p:childTnLst>
+                    </p:cTn>
+                  </p:par>
+                </p:childTnLst>
+              </p:cTn>
+              <p:prevCondLst>
+                <p:cond evt="onPrev" delay="0">
+                  <p:tgtEl>
+                    <p:sldTgt/>
+                  </p:tgtEl>
+                </p:cond>
+              </p:prevCondLst>
+              <p:nextCondLst>
+                <p:cond evt="onNext" delay="0">
+                  <p:tgtEl>
+                    <p:sldTgt/>
+                  </p:tgtEl>
+                </p:cond>
+              </p:nextCondLst>
+            </p:seq>
+          </p:childTnLst>
+        </p:cTn>
+      </p:par>
+    </p:tnLst>
+  </p:timing>
 </p:sld>
 </file>
 
@@ -11150,6 +13297,1429 @@
   <p:clrMapOvr>
     <a:masterClrMapping/>
   </p:clrMapOvr>
+  <p:timing>
+    <p:tnLst>
+      <p:par>
+        <p:cTn id="1" dur="indefinite" restart="never" nodeType="tmRoot">
+          <p:childTnLst>
+            <p:seq concurrent="1" nextAc="seek">
+              <p:cTn id="2" dur="indefinite" nodeType="mainSeq">
+                <p:childTnLst>
+                  <p:par>
+                    <p:cTn id="3" fill="hold">
+                      <p:stCondLst>
+                        <p:cond delay="indefinite"/>
+                      </p:stCondLst>
+                      <p:childTnLst>
+                        <p:par>
+                          <p:cTn id="4" fill="hold">
+                            <p:stCondLst>
+                              <p:cond delay="0"/>
+                            </p:stCondLst>
+                            <p:childTnLst>
+                              <p:par>
+                                <p:cTn id="5" presetID="25" presetClass="entr" presetSubtype="0" fill="hold" grpId="0" nodeType="clickEffect">
+                                  <p:stCondLst>
+                                    <p:cond delay="0"/>
+                                  </p:stCondLst>
+                                  <p:childTnLst>
+                                    <p:set>
+                                      <p:cBhvr>
+                                        <p:cTn id="6" dur="1" fill="hold">
+                                          <p:stCondLst>
+                                            <p:cond delay="0"/>
+                                          </p:stCondLst>
+                                        </p:cTn>
+                                        <p:tgtEl>
+                                          <p:spTgt spid="3">
+                                            <p:txEl>
+                                              <p:pRg st="0" end="0"/>
+                                            </p:txEl>
+                                          </p:spTgt>
+                                        </p:tgtEl>
+                                        <p:attrNameLst>
+                                          <p:attrName>style.visibility</p:attrName>
+                                        </p:attrNameLst>
+                                      </p:cBhvr>
+                                      <p:to>
+                                        <p:strVal val="visible"/>
+                                      </p:to>
+                                    </p:set>
+                                    <p:anim calcmode="lin" valueType="num">
+                                      <p:cBhvr>
+                                        <p:cTn id="7" dur="500" decel="50000" fill="hold">
+                                          <p:stCondLst>
+                                            <p:cond delay="0"/>
+                                          </p:stCondLst>
+                                        </p:cTn>
+                                        <p:tgtEl>
+                                          <p:spTgt spid="3">
+                                            <p:txEl>
+                                              <p:pRg st="0" end="0"/>
+                                            </p:txEl>
+                                          </p:spTgt>
+                                        </p:tgtEl>
+                                        <p:attrNameLst>
+                                          <p:attrName>style.rotation</p:attrName>
+                                        </p:attrNameLst>
+                                      </p:cBhvr>
+                                      <p:tavLst>
+                                        <p:tav tm="0">
+                                          <p:val>
+                                            <p:fltVal val="-90"/>
+                                          </p:val>
+                                        </p:tav>
+                                        <p:tav tm="100000">
+                                          <p:val>
+                                            <p:fltVal val="0"/>
+                                          </p:val>
+                                        </p:tav>
+                                      </p:tavLst>
+                                    </p:anim>
+                                    <p:anim calcmode="lin" valueType="num">
+                                      <p:cBhvr>
+                                        <p:cTn id="8" dur="500" decel="50000" fill="hold">
+                                          <p:stCondLst>
+                                            <p:cond delay="0"/>
+                                          </p:stCondLst>
+                                        </p:cTn>
+                                        <p:tgtEl>
+                                          <p:spTgt spid="3">
+                                            <p:txEl>
+                                              <p:pRg st="0" end="0"/>
+                                            </p:txEl>
+                                          </p:spTgt>
+                                        </p:tgtEl>
+                                        <p:attrNameLst>
+                                          <p:attrName>ppt_w</p:attrName>
+                                        </p:attrNameLst>
+                                      </p:cBhvr>
+                                      <p:tavLst>
+                                        <p:tav tm="0">
+                                          <p:val>
+                                            <p:strVal val="#ppt_w"/>
+                                          </p:val>
+                                        </p:tav>
+                                        <p:tav tm="100000">
+                                          <p:val>
+                                            <p:strVal val="#ppt_w*.05"/>
+                                          </p:val>
+                                        </p:tav>
+                                      </p:tavLst>
+                                    </p:anim>
+                                    <p:anim calcmode="lin" valueType="num">
+                                      <p:cBhvr>
+                                        <p:cTn id="9" dur="500" accel="50000" fill="hold">
+                                          <p:stCondLst>
+                                            <p:cond delay="500"/>
+                                          </p:stCondLst>
+                                        </p:cTn>
+                                        <p:tgtEl>
+                                          <p:spTgt spid="3">
+                                            <p:txEl>
+                                              <p:pRg st="0" end="0"/>
+                                            </p:txEl>
+                                          </p:spTgt>
+                                        </p:tgtEl>
+                                        <p:attrNameLst>
+                                          <p:attrName>ppt_w</p:attrName>
+                                        </p:attrNameLst>
+                                      </p:cBhvr>
+                                      <p:tavLst>
+                                        <p:tav tm="0">
+                                          <p:val>
+                                            <p:strVal val="#ppt_w*.05"/>
+                                          </p:val>
+                                        </p:tav>
+                                        <p:tav tm="100000">
+                                          <p:val>
+                                            <p:strVal val="#ppt_w"/>
+                                          </p:val>
+                                        </p:tav>
+                                      </p:tavLst>
+                                    </p:anim>
+                                    <p:anim calcmode="lin" valueType="num">
+                                      <p:cBhvr>
+                                        <p:cTn id="10" dur="1000" fill="hold"/>
+                                        <p:tgtEl>
+                                          <p:spTgt spid="3">
+                                            <p:txEl>
+                                              <p:pRg st="0" end="0"/>
+                                            </p:txEl>
+                                          </p:spTgt>
+                                        </p:tgtEl>
+                                        <p:attrNameLst>
+                                          <p:attrName>ppt_h</p:attrName>
+                                        </p:attrNameLst>
+                                      </p:cBhvr>
+                                      <p:tavLst>
+                                        <p:tav tm="0">
+                                          <p:val>
+                                            <p:strVal val="#ppt_h"/>
+                                          </p:val>
+                                        </p:tav>
+                                        <p:tav tm="100000">
+                                          <p:val>
+                                            <p:strVal val="#ppt_h"/>
+                                          </p:val>
+                                        </p:tav>
+                                      </p:tavLst>
+                                    </p:anim>
+                                    <p:anim calcmode="lin" valueType="num">
+                                      <p:cBhvr>
+                                        <p:cTn id="11" dur="500" decel="50000" fill="hold">
+                                          <p:stCondLst>
+                                            <p:cond delay="0"/>
+                                          </p:stCondLst>
+                                        </p:cTn>
+                                        <p:tgtEl>
+                                          <p:spTgt spid="3">
+                                            <p:txEl>
+                                              <p:pRg st="0" end="0"/>
+                                            </p:txEl>
+                                          </p:spTgt>
+                                        </p:tgtEl>
+                                        <p:attrNameLst>
+                                          <p:attrName>ppt_x</p:attrName>
+                                        </p:attrNameLst>
+                                      </p:cBhvr>
+                                      <p:tavLst>
+                                        <p:tav tm="0">
+                                          <p:val>
+                                            <p:strVal val="#ppt_x+.4"/>
+                                          </p:val>
+                                        </p:tav>
+                                        <p:tav tm="100000">
+                                          <p:val>
+                                            <p:strVal val="#ppt_x"/>
+                                          </p:val>
+                                        </p:tav>
+                                      </p:tavLst>
+                                    </p:anim>
+                                    <p:anim calcmode="lin" valueType="num">
+                                      <p:cBhvr>
+                                        <p:cTn id="12" dur="500" decel="50000" fill="hold">
+                                          <p:stCondLst>
+                                            <p:cond delay="0"/>
+                                          </p:stCondLst>
+                                        </p:cTn>
+                                        <p:tgtEl>
+                                          <p:spTgt spid="3">
+                                            <p:txEl>
+                                              <p:pRg st="0" end="0"/>
+                                            </p:txEl>
+                                          </p:spTgt>
+                                        </p:tgtEl>
+                                        <p:attrNameLst>
+                                          <p:attrName>ppt_y</p:attrName>
+                                        </p:attrNameLst>
+                                      </p:cBhvr>
+                                      <p:tavLst>
+                                        <p:tav tm="0">
+                                          <p:val>
+                                            <p:strVal val="#ppt_y-.2"/>
+                                          </p:val>
+                                        </p:tav>
+                                        <p:tav tm="100000">
+                                          <p:val>
+                                            <p:strVal val="#ppt_y+.1"/>
+                                          </p:val>
+                                        </p:tav>
+                                      </p:tavLst>
+                                    </p:anim>
+                                    <p:anim calcmode="lin" valueType="num">
+                                      <p:cBhvr>
+                                        <p:cTn id="13" dur="500" accel="50000" fill="hold">
+                                          <p:stCondLst>
+                                            <p:cond delay="500"/>
+                                          </p:stCondLst>
+                                        </p:cTn>
+                                        <p:tgtEl>
+                                          <p:spTgt spid="3">
+                                            <p:txEl>
+                                              <p:pRg st="0" end="0"/>
+                                            </p:txEl>
+                                          </p:spTgt>
+                                        </p:tgtEl>
+                                        <p:attrNameLst>
+                                          <p:attrName>ppt_y</p:attrName>
+                                        </p:attrNameLst>
+                                      </p:cBhvr>
+                                      <p:tavLst>
+                                        <p:tav tm="0">
+                                          <p:val>
+                                            <p:strVal val="#ppt_y+.1"/>
+                                          </p:val>
+                                        </p:tav>
+                                        <p:tav tm="100000">
+                                          <p:val>
+                                            <p:strVal val="#ppt_y"/>
+                                          </p:val>
+                                        </p:tav>
+                                      </p:tavLst>
+                                    </p:anim>
+                                    <p:animEffect transition="in" filter="fade">
+                                      <p:cBhvr>
+                                        <p:cTn id="14" dur="1000" decel="50000">
+                                          <p:stCondLst>
+                                            <p:cond delay="0"/>
+                                          </p:stCondLst>
+                                        </p:cTn>
+                                        <p:tgtEl>
+                                          <p:spTgt spid="3">
+                                            <p:txEl>
+                                              <p:pRg st="0" end="0"/>
+                                            </p:txEl>
+                                          </p:spTgt>
+                                        </p:tgtEl>
+                                      </p:cBhvr>
+                                    </p:animEffect>
+                                  </p:childTnLst>
+                                </p:cTn>
+                              </p:par>
+                            </p:childTnLst>
+                          </p:cTn>
+                        </p:par>
+                      </p:childTnLst>
+                    </p:cTn>
+                  </p:par>
+                  <p:par>
+                    <p:cTn id="15" fill="hold">
+                      <p:stCondLst>
+                        <p:cond delay="indefinite"/>
+                      </p:stCondLst>
+                      <p:childTnLst>
+                        <p:par>
+                          <p:cTn id="16" fill="hold">
+                            <p:stCondLst>
+                              <p:cond delay="0"/>
+                            </p:stCondLst>
+                            <p:childTnLst>
+                              <p:par>
+                                <p:cTn id="17" presetID="25" presetClass="entr" presetSubtype="0" fill="hold" grpId="0" nodeType="clickEffect">
+                                  <p:stCondLst>
+                                    <p:cond delay="0"/>
+                                  </p:stCondLst>
+                                  <p:childTnLst>
+                                    <p:set>
+                                      <p:cBhvr>
+                                        <p:cTn id="18" dur="1" fill="hold">
+                                          <p:stCondLst>
+                                            <p:cond delay="0"/>
+                                          </p:stCondLst>
+                                        </p:cTn>
+                                        <p:tgtEl>
+                                          <p:spTgt spid="3">
+                                            <p:txEl>
+                                              <p:pRg st="1" end="1"/>
+                                            </p:txEl>
+                                          </p:spTgt>
+                                        </p:tgtEl>
+                                        <p:attrNameLst>
+                                          <p:attrName>style.visibility</p:attrName>
+                                        </p:attrNameLst>
+                                      </p:cBhvr>
+                                      <p:to>
+                                        <p:strVal val="visible"/>
+                                      </p:to>
+                                    </p:set>
+                                    <p:anim calcmode="lin" valueType="num">
+                                      <p:cBhvr>
+                                        <p:cTn id="19" dur="500" decel="50000" fill="hold">
+                                          <p:stCondLst>
+                                            <p:cond delay="0"/>
+                                          </p:stCondLst>
+                                        </p:cTn>
+                                        <p:tgtEl>
+                                          <p:spTgt spid="3">
+                                            <p:txEl>
+                                              <p:pRg st="1" end="1"/>
+                                            </p:txEl>
+                                          </p:spTgt>
+                                        </p:tgtEl>
+                                        <p:attrNameLst>
+                                          <p:attrName>style.rotation</p:attrName>
+                                        </p:attrNameLst>
+                                      </p:cBhvr>
+                                      <p:tavLst>
+                                        <p:tav tm="0">
+                                          <p:val>
+                                            <p:fltVal val="-90"/>
+                                          </p:val>
+                                        </p:tav>
+                                        <p:tav tm="100000">
+                                          <p:val>
+                                            <p:fltVal val="0"/>
+                                          </p:val>
+                                        </p:tav>
+                                      </p:tavLst>
+                                    </p:anim>
+                                    <p:anim calcmode="lin" valueType="num">
+                                      <p:cBhvr>
+                                        <p:cTn id="20" dur="500" decel="50000" fill="hold">
+                                          <p:stCondLst>
+                                            <p:cond delay="0"/>
+                                          </p:stCondLst>
+                                        </p:cTn>
+                                        <p:tgtEl>
+                                          <p:spTgt spid="3">
+                                            <p:txEl>
+                                              <p:pRg st="1" end="1"/>
+                                            </p:txEl>
+                                          </p:spTgt>
+                                        </p:tgtEl>
+                                        <p:attrNameLst>
+                                          <p:attrName>ppt_w</p:attrName>
+                                        </p:attrNameLst>
+                                      </p:cBhvr>
+                                      <p:tavLst>
+                                        <p:tav tm="0">
+                                          <p:val>
+                                            <p:strVal val="#ppt_w"/>
+                                          </p:val>
+                                        </p:tav>
+                                        <p:tav tm="100000">
+                                          <p:val>
+                                            <p:strVal val="#ppt_w*.05"/>
+                                          </p:val>
+                                        </p:tav>
+                                      </p:tavLst>
+                                    </p:anim>
+                                    <p:anim calcmode="lin" valueType="num">
+                                      <p:cBhvr>
+                                        <p:cTn id="21" dur="500" accel="50000" fill="hold">
+                                          <p:stCondLst>
+                                            <p:cond delay="500"/>
+                                          </p:stCondLst>
+                                        </p:cTn>
+                                        <p:tgtEl>
+                                          <p:spTgt spid="3">
+                                            <p:txEl>
+                                              <p:pRg st="1" end="1"/>
+                                            </p:txEl>
+                                          </p:spTgt>
+                                        </p:tgtEl>
+                                        <p:attrNameLst>
+                                          <p:attrName>ppt_w</p:attrName>
+                                        </p:attrNameLst>
+                                      </p:cBhvr>
+                                      <p:tavLst>
+                                        <p:tav tm="0">
+                                          <p:val>
+                                            <p:strVal val="#ppt_w*.05"/>
+                                          </p:val>
+                                        </p:tav>
+                                        <p:tav tm="100000">
+                                          <p:val>
+                                            <p:strVal val="#ppt_w"/>
+                                          </p:val>
+                                        </p:tav>
+                                      </p:tavLst>
+                                    </p:anim>
+                                    <p:anim calcmode="lin" valueType="num">
+                                      <p:cBhvr>
+                                        <p:cTn id="22" dur="1000" fill="hold"/>
+                                        <p:tgtEl>
+                                          <p:spTgt spid="3">
+                                            <p:txEl>
+                                              <p:pRg st="1" end="1"/>
+                                            </p:txEl>
+                                          </p:spTgt>
+                                        </p:tgtEl>
+                                        <p:attrNameLst>
+                                          <p:attrName>ppt_h</p:attrName>
+                                        </p:attrNameLst>
+                                      </p:cBhvr>
+                                      <p:tavLst>
+                                        <p:tav tm="0">
+                                          <p:val>
+                                            <p:strVal val="#ppt_h"/>
+                                          </p:val>
+                                        </p:tav>
+                                        <p:tav tm="100000">
+                                          <p:val>
+                                            <p:strVal val="#ppt_h"/>
+                                          </p:val>
+                                        </p:tav>
+                                      </p:tavLst>
+                                    </p:anim>
+                                    <p:anim calcmode="lin" valueType="num">
+                                      <p:cBhvr>
+                                        <p:cTn id="23" dur="500" decel="50000" fill="hold">
+                                          <p:stCondLst>
+                                            <p:cond delay="0"/>
+                                          </p:stCondLst>
+                                        </p:cTn>
+                                        <p:tgtEl>
+                                          <p:spTgt spid="3">
+                                            <p:txEl>
+                                              <p:pRg st="1" end="1"/>
+                                            </p:txEl>
+                                          </p:spTgt>
+                                        </p:tgtEl>
+                                        <p:attrNameLst>
+                                          <p:attrName>ppt_x</p:attrName>
+                                        </p:attrNameLst>
+                                      </p:cBhvr>
+                                      <p:tavLst>
+                                        <p:tav tm="0">
+                                          <p:val>
+                                            <p:strVal val="#ppt_x+.4"/>
+                                          </p:val>
+                                        </p:tav>
+                                        <p:tav tm="100000">
+                                          <p:val>
+                                            <p:strVal val="#ppt_x"/>
+                                          </p:val>
+                                        </p:tav>
+                                      </p:tavLst>
+                                    </p:anim>
+                                    <p:anim calcmode="lin" valueType="num">
+                                      <p:cBhvr>
+                                        <p:cTn id="24" dur="500" decel="50000" fill="hold">
+                                          <p:stCondLst>
+                                            <p:cond delay="0"/>
+                                          </p:stCondLst>
+                                        </p:cTn>
+                                        <p:tgtEl>
+                                          <p:spTgt spid="3">
+                                            <p:txEl>
+                                              <p:pRg st="1" end="1"/>
+                                            </p:txEl>
+                                          </p:spTgt>
+                                        </p:tgtEl>
+                                        <p:attrNameLst>
+                                          <p:attrName>ppt_y</p:attrName>
+                                        </p:attrNameLst>
+                                      </p:cBhvr>
+                                      <p:tavLst>
+                                        <p:tav tm="0">
+                                          <p:val>
+                                            <p:strVal val="#ppt_y-.2"/>
+                                          </p:val>
+                                        </p:tav>
+                                        <p:tav tm="100000">
+                                          <p:val>
+                                            <p:strVal val="#ppt_y+.1"/>
+                                          </p:val>
+                                        </p:tav>
+                                      </p:tavLst>
+                                    </p:anim>
+                                    <p:anim calcmode="lin" valueType="num">
+                                      <p:cBhvr>
+                                        <p:cTn id="25" dur="500" accel="50000" fill="hold">
+                                          <p:stCondLst>
+                                            <p:cond delay="500"/>
+                                          </p:stCondLst>
+                                        </p:cTn>
+                                        <p:tgtEl>
+                                          <p:spTgt spid="3">
+                                            <p:txEl>
+                                              <p:pRg st="1" end="1"/>
+                                            </p:txEl>
+                                          </p:spTgt>
+                                        </p:tgtEl>
+                                        <p:attrNameLst>
+                                          <p:attrName>ppt_y</p:attrName>
+                                        </p:attrNameLst>
+                                      </p:cBhvr>
+                                      <p:tavLst>
+                                        <p:tav tm="0">
+                                          <p:val>
+                                            <p:strVal val="#ppt_y+.1"/>
+                                          </p:val>
+                                        </p:tav>
+                                        <p:tav tm="100000">
+                                          <p:val>
+                                            <p:strVal val="#ppt_y"/>
+                                          </p:val>
+                                        </p:tav>
+                                      </p:tavLst>
+                                    </p:anim>
+                                    <p:animEffect transition="in" filter="fade">
+                                      <p:cBhvr>
+                                        <p:cTn id="26" dur="1000" decel="50000">
+                                          <p:stCondLst>
+                                            <p:cond delay="0"/>
+                                          </p:stCondLst>
+                                        </p:cTn>
+                                        <p:tgtEl>
+                                          <p:spTgt spid="3">
+                                            <p:txEl>
+                                              <p:pRg st="1" end="1"/>
+                                            </p:txEl>
+                                          </p:spTgt>
+                                        </p:tgtEl>
+                                      </p:cBhvr>
+                                    </p:animEffect>
+                                  </p:childTnLst>
+                                </p:cTn>
+                              </p:par>
+                            </p:childTnLst>
+                          </p:cTn>
+                        </p:par>
+                      </p:childTnLst>
+                    </p:cTn>
+                  </p:par>
+                  <p:par>
+                    <p:cTn id="27" fill="hold">
+                      <p:stCondLst>
+                        <p:cond delay="indefinite"/>
+                      </p:stCondLst>
+                      <p:childTnLst>
+                        <p:par>
+                          <p:cTn id="28" fill="hold">
+                            <p:stCondLst>
+                              <p:cond delay="0"/>
+                            </p:stCondLst>
+                            <p:childTnLst>
+                              <p:par>
+                                <p:cTn id="29" presetID="25" presetClass="entr" presetSubtype="0" fill="hold" grpId="0" nodeType="clickEffect">
+                                  <p:stCondLst>
+                                    <p:cond delay="0"/>
+                                  </p:stCondLst>
+                                  <p:childTnLst>
+                                    <p:set>
+                                      <p:cBhvr>
+                                        <p:cTn id="30" dur="1" fill="hold">
+                                          <p:stCondLst>
+                                            <p:cond delay="0"/>
+                                          </p:stCondLst>
+                                        </p:cTn>
+                                        <p:tgtEl>
+                                          <p:spTgt spid="3">
+                                            <p:txEl>
+                                              <p:pRg st="2" end="2"/>
+                                            </p:txEl>
+                                          </p:spTgt>
+                                        </p:tgtEl>
+                                        <p:attrNameLst>
+                                          <p:attrName>style.visibility</p:attrName>
+                                        </p:attrNameLst>
+                                      </p:cBhvr>
+                                      <p:to>
+                                        <p:strVal val="visible"/>
+                                      </p:to>
+                                    </p:set>
+                                    <p:anim calcmode="lin" valueType="num">
+                                      <p:cBhvr>
+                                        <p:cTn id="31" dur="500" decel="50000" fill="hold">
+                                          <p:stCondLst>
+                                            <p:cond delay="0"/>
+                                          </p:stCondLst>
+                                        </p:cTn>
+                                        <p:tgtEl>
+                                          <p:spTgt spid="3">
+                                            <p:txEl>
+                                              <p:pRg st="2" end="2"/>
+                                            </p:txEl>
+                                          </p:spTgt>
+                                        </p:tgtEl>
+                                        <p:attrNameLst>
+                                          <p:attrName>style.rotation</p:attrName>
+                                        </p:attrNameLst>
+                                      </p:cBhvr>
+                                      <p:tavLst>
+                                        <p:tav tm="0">
+                                          <p:val>
+                                            <p:fltVal val="-90"/>
+                                          </p:val>
+                                        </p:tav>
+                                        <p:tav tm="100000">
+                                          <p:val>
+                                            <p:fltVal val="0"/>
+                                          </p:val>
+                                        </p:tav>
+                                      </p:tavLst>
+                                    </p:anim>
+                                    <p:anim calcmode="lin" valueType="num">
+                                      <p:cBhvr>
+                                        <p:cTn id="32" dur="500" decel="50000" fill="hold">
+                                          <p:stCondLst>
+                                            <p:cond delay="0"/>
+                                          </p:stCondLst>
+                                        </p:cTn>
+                                        <p:tgtEl>
+                                          <p:spTgt spid="3">
+                                            <p:txEl>
+                                              <p:pRg st="2" end="2"/>
+                                            </p:txEl>
+                                          </p:spTgt>
+                                        </p:tgtEl>
+                                        <p:attrNameLst>
+                                          <p:attrName>ppt_w</p:attrName>
+                                        </p:attrNameLst>
+                                      </p:cBhvr>
+                                      <p:tavLst>
+                                        <p:tav tm="0">
+                                          <p:val>
+                                            <p:strVal val="#ppt_w"/>
+                                          </p:val>
+                                        </p:tav>
+                                        <p:tav tm="100000">
+                                          <p:val>
+                                            <p:strVal val="#ppt_w*.05"/>
+                                          </p:val>
+                                        </p:tav>
+                                      </p:tavLst>
+                                    </p:anim>
+                                    <p:anim calcmode="lin" valueType="num">
+                                      <p:cBhvr>
+                                        <p:cTn id="33" dur="500" accel="50000" fill="hold">
+                                          <p:stCondLst>
+                                            <p:cond delay="500"/>
+                                          </p:stCondLst>
+                                        </p:cTn>
+                                        <p:tgtEl>
+                                          <p:spTgt spid="3">
+                                            <p:txEl>
+                                              <p:pRg st="2" end="2"/>
+                                            </p:txEl>
+                                          </p:spTgt>
+                                        </p:tgtEl>
+                                        <p:attrNameLst>
+                                          <p:attrName>ppt_w</p:attrName>
+                                        </p:attrNameLst>
+                                      </p:cBhvr>
+                                      <p:tavLst>
+                                        <p:tav tm="0">
+                                          <p:val>
+                                            <p:strVal val="#ppt_w*.05"/>
+                                          </p:val>
+                                        </p:tav>
+                                        <p:tav tm="100000">
+                                          <p:val>
+                                            <p:strVal val="#ppt_w"/>
+                                          </p:val>
+                                        </p:tav>
+                                      </p:tavLst>
+                                    </p:anim>
+                                    <p:anim calcmode="lin" valueType="num">
+                                      <p:cBhvr>
+                                        <p:cTn id="34" dur="1000" fill="hold"/>
+                                        <p:tgtEl>
+                                          <p:spTgt spid="3">
+                                            <p:txEl>
+                                              <p:pRg st="2" end="2"/>
+                                            </p:txEl>
+                                          </p:spTgt>
+                                        </p:tgtEl>
+                                        <p:attrNameLst>
+                                          <p:attrName>ppt_h</p:attrName>
+                                        </p:attrNameLst>
+                                      </p:cBhvr>
+                                      <p:tavLst>
+                                        <p:tav tm="0">
+                                          <p:val>
+                                            <p:strVal val="#ppt_h"/>
+                                          </p:val>
+                                        </p:tav>
+                                        <p:tav tm="100000">
+                                          <p:val>
+                                            <p:strVal val="#ppt_h"/>
+                                          </p:val>
+                                        </p:tav>
+                                      </p:tavLst>
+                                    </p:anim>
+                                    <p:anim calcmode="lin" valueType="num">
+                                      <p:cBhvr>
+                                        <p:cTn id="35" dur="500" decel="50000" fill="hold">
+                                          <p:stCondLst>
+                                            <p:cond delay="0"/>
+                                          </p:stCondLst>
+                                        </p:cTn>
+                                        <p:tgtEl>
+                                          <p:spTgt spid="3">
+                                            <p:txEl>
+                                              <p:pRg st="2" end="2"/>
+                                            </p:txEl>
+                                          </p:spTgt>
+                                        </p:tgtEl>
+                                        <p:attrNameLst>
+                                          <p:attrName>ppt_x</p:attrName>
+                                        </p:attrNameLst>
+                                      </p:cBhvr>
+                                      <p:tavLst>
+                                        <p:tav tm="0">
+                                          <p:val>
+                                            <p:strVal val="#ppt_x+.4"/>
+                                          </p:val>
+                                        </p:tav>
+                                        <p:tav tm="100000">
+                                          <p:val>
+                                            <p:strVal val="#ppt_x"/>
+                                          </p:val>
+                                        </p:tav>
+                                      </p:tavLst>
+                                    </p:anim>
+                                    <p:anim calcmode="lin" valueType="num">
+                                      <p:cBhvr>
+                                        <p:cTn id="36" dur="500" decel="50000" fill="hold">
+                                          <p:stCondLst>
+                                            <p:cond delay="0"/>
+                                          </p:stCondLst>
+                                        </p:cTn>
+                                        <p:tgtEl>
+                                          <p:spTgt spid="3">
+                                            <p:txEl>
+                                              <p:pRg st="2" end="2"/>
+                                            </p:txEl>
+                                          </p:spTgt>
+                                        </p:tgtEl>
+                                        <p:attrNameLst>
+                                          <p:attrName>ppt_y</p:attrName>
+                                        </p:attrNameLst>
+                                      </p:cBhvr>
+                                      <p:tavLst>
+                                        <p:tav tm="0">
+                                          <p:val>
+                                            <p:strVal val="#ppt_y-.2"/>
+                                          </p:val>
+                                        </p:tav>
+                                        <p:tav tm="100000">
+                                          <p:val>
+                                            <p:strVal val="#ppt_y+.1"/>
+                                          </p:val>
+                                        </p:tav>
+                                      </p:tavLst>
+                                    </p:anim>
+                                    <p:anim calcmode="lin" valueType="num">
+                                      <p:cBhvr>
+                                        <p:cTn id="37" dur="500" accel="50000" fill="hold">
+                                          <p:stCondLst>
+                                            <p:cond delay="500"/>
+                                          </p:stCondLst>
+                                        </p:cTn>
+                                        <p:tgtEl>
+                                          <p:spTgt spid="3">
+                                            <p:txEl>
+                                              <p:pRg st="2" end="2"/>
+                                            </p:txEl>
+                                          </p:spTgt>
+                                        </p:tgtEl>
+                                        <p:attrNameLst>
+                                          <p:attrName>ppt_y</p:attrName>
+                                        </p:attrNameLst>
+                                      </p:cBhvr>
+                                      <p:tavLst>
+                                        <p:tav tm="0">
+                                          <p:val>
+                                            <p:strVal val="#ppt_y+.1"/>
+                                          </p:val>
+                                        </p:tav>
+                                        <p:tav tm="100000">
+                                          <p:val>
+                                            <p:strVal val="#ppt_y"/>
+                                          </p:val>
+                                        </p:tav>
+                                      </p:tavLst>
+                                    </p:anim>
+                                    <p:animEffect transition="in" filter="fade">
+                                      <p:cBhvr>
+                                        <p:cTn id="38" dur="1000" decel="50000">
+                                          <p:stCondLst>
+                                            <p:cond delay="0"/>
+                                          </p:stCondLst>
+                                        </p:cTn>
+                                        <p:tgtEl>
+                                          <p:spTgt spid="3">
+                                            <p:txEl>
+                                              <p:pRg st="2" end="2"/>
+                                            </p:txEl>
+                                          </p:spTgt>
+                                        </p:tgtEl>
+                                      </p:cBhvr>
+                                    </p:animEffect>
+                                  </p:childTnLst>
+                                </p:cTn>
+                              </p:par>
+                            </p:childTnLst>
+                          </p:cTn>
+                        </p:par>
+                      </p:childTnLst>
+                    </p:cTn>
+                  </p:par>
+                  <p:par>
+                    <p:cTn id="39" fill="hold">
+                      <p:stCondLst>
+                        <p:cond delay="indefinite"/>
+                      </p:stCondLst>
+                      <p:childTnLst>
+                        <p:par>
+                          <p:cTn id="40" fill="hold">
+                            <p:stCondLst>
+                              <p:cond delay="0"/>
+                            </p:stCondLst>
+                            <p:childTnLst>
+                              <p:par>
+                                <p:cTn id="41" presetID="25" presetClass="entr" presetSubtype="0" fill="hold" grpId="0" nodeType="clickEffect">
+                                  <p:stCondLst>
+                                    <p:cond delay="0"/>
+                                  </p:stCondLst>
+                                  <p:childTnLst>
+                                    <p:set>
+                                      <p:cBhvr>
+                                        <p:cTn id="42" dur="1" fill="hold">
+                                          <p:stCondLst>
+                                            <p:cond delay="0"/>
+                                          </p:stCondLst>
+                                        </p:cTn>
+                                        <p:tgtEl>
+                                          <p:spTgt spid="3">
+                                            <p:txEl>
+                                              <p:pRg st="3" end="3"/>
+                                            </p:txEl>
+                                          </p:spTgt>
+                                        </p:tgtEl>
+                                        <p:attrNameLst>
+                                          <p:attrName>style.visibility</p:attrName>
+                                        </p:attrNameLst>
+                                      </p:cBhvr>
+                                      <p:to>
+                                        <p:strVal val="visible"/>
+                                      </p:to>
+                                    </p:set>
+                                    <p:anim calcmode="lin" valueType="num">
+                                      <p:cBhvr>
+                                        <p:cTn id="43" dur="500" decel="50000" fill="hold">
+                                          <p:stCondLst>
+                                            <p:cond delay="0"/>
+                                          </p:stCondLst>
+                                        </p:cTn>
+                                        <p:tgtEl>
+                                          <p:spTgt spid="3">
+                                            <p:txEl>
+                                              <p:pRg st="3" end="3"/>
+                                            </p:txEl>
+                                          </p:spTgt>
+                                        </p:tgtEl>
+                                        <p:attrNameLst>
+                                          <p:attrName>style.rotation</p:attrName>
+                                        </p:attrNameLst>
+                                      </p:cBhvr>
+                                      <p:tavLst>
+                                        <p:tav tm="0">
+                                          <p:val>
+                                            <p:fltVal val="-90"/>
+                                          </p:val>
+                                        </p:tav>
+                                        <p:tav tm="100000">
+                                          <p:val>
+                                            <p:fltVal val="0"/>
+                                          </p:val>
+                                        </p:tav>
+                                      </p:tavLst>
+                                    </p:anim>
+                                    <p:anim calcmode="lin" valueType="num">
+                                      <p:cBhvr>
+                                        <p:cTn id="44" dur="500" decel="50000" fill="hold">
+                                          <p:stCondLst>
+                                            <p:cond delay="0"/>
+                                          </p:stCondLst>
+                                        </p:cTn>
+                                        <p:tgtEl>
+                                          <p:spTgt spid="3">
+                                            <p:txEl>
+                                              <p:pRg st="3" end="3"/>
+                                            </p:txEl>
+                                          </p:spTgt>
+                                        </p:tgtEl>
+                                        <p:attrNameLst>
+                                          <p:attrName>ppt_w</p:attrName>
+                                        </p:attrNameLst>
+                                      </p:cBhvr>
+                                      <p:tavLst>
+                                        <p:tav tm="0">
+                                          <p:val>
+                                            <p:strVal val="#ppt_w"/>
+                                          </p:val>
+                                        </p:tav>
+                                        <p:tav tm="100000">
+                                          <p:val>
+                                            <p:strVal val="#ppt_w*.05"/>
+                                          </p:val>
+                                        </p:tav>
+                                      </p:tavLst>
+                                    </p:anim>
+                                    <p:anim calcmode="lin" valueType="num">
+                                      <p:cBhvr>
+                                        <p:cTn id="45" dur="500" accel="50000" fill="hold">
+                                          <p:stCondLst>
+                                            <p:cond delay="500"/>
+                                          </p:stCondLst>
+                                        </p:cTn>
+                                        <p:tgtEl>
+                                          <p:spTgt spid="3">
+                                            <p:txEl>
+                                              <p:pRg st="3" end="3"/>
+                                            </p:txEl>
+                                          </p:spTgt>
+                                        </p:tgtEl>
+                                        <p:attrNameLst>
+                                          <p:attrName>ppt_w</p:attrName>
+                                        </p:attrNameLst>
+                                      </p:cBhvr>
+                                      <p:tavLst>
+                                        <p:tav tm="0">
+                                          <p:val>
+                                            <p:strVal val="#ppt_w*.05"/>
+                                          </p:val>
+                                        </p:tav>
+                                        <p:tav tm="100000">
+                                          <p:val>
+                                            <p:strVal val="#ppt_w"/>
+                                          </p:val>
+                                        </p:tav>
+                                      </p:tavLst>
+                                    </p:anim>
+                                    <p:anim calcmode="lin" valueType="num">
+                                      <p:cBhvr>
+                                        <p:cTn id="46" dur="1000" fill="hold"/>
+                                        <p:tgtEl>
+                                          <p:spTgt spid="3">
+                                            <p:txEl>
+                                              <p:pRg st="3" end="3"/>
+                                            </p:txEl>
+                                          </p:spTgt>
+                                        </p:tgtEl>
+                                        <p:attrNameLst>
+                                          <p:attrName>ppt_h</p:attrName>
+                                        </p:attrNameLst>
+                                      </p:cBhvr>
+                                      <p:tavLst>
+                                        <p:tav tm="0">
+                                          <p:val>
+                                            <p:strVal val="#ppt_h"/>
+                                          </p:val>
+                                        </p:tav>
+                                        <p:tav tm="100000">
+                                          <p:val>
+                                            <p:strVal val="#ppt_h"/>
+                                          </p:val>
+                                        </p:tav>
+                                      </p:tavLst>
+                                    </p:anim>
+                                    <p:anim calcmode="lin" valueType="num">
+                                      <p:cBhvr>
+                                        <p:cTn id="47" dur="500" decel="50000" fill="hold">
+                                          <p:stCondLst>
+                                            <p:cond delay="0"/>
+                                          </p:stCondLst>
+                                        </p:cTn>
+                                        <p:tgtEl>
+                                          <p:spTgt spid="3">
+                                            <p:txEl>
+                                              <p:pRg st="3" end="3"/>
+                                            </p:txEl>
+                                          </p:spTgt>
+                                        </p:tgtEl>
+                                        <p:attrNameLst>
+                                          <p:attrName>ppt_x</p:attrName>
+                                        </p:attrNameLst>
+                                      </p:cBhvr>
+                                      <p:tavLst>
+                                        <p:tav tm="0">
+                                          <p:val>
+                                            <p:strVal val="#ppt_x+.4"/>
+                                          </p:val>
+                                        </p:tav>
+                                        <p:tav tm="100000">
+                                          <p:val>
+                                            <p:strVal val="#ppt_x"/>
+                                          </p:val>
+                                        </p:tav>
+                                      </p:tavLst>
+                                    </p:anim>
+                                    <p:anim calcmode="lin" valueType="num">
+                                      <p:cBhvr>
+                                        <p:cTn id="48" dur="500" decel="50000" fill="hold">
+                                          <p:stCondLst>
+                                            <p:cond delay="0"/>
+                                          </p:stCondLst>
+                                        </p:cTn>
+                                        <p:tgtEl>
+                                          <p:spTgt spid="3">
+                                            <p:txEl>
+                                              <p:pRg st="3" end="3"/>
+                                            </p:txEl>
+                                          </p:spTgt>
+                                        </p:tgtEl>
+                                        <p:attrNameLst>
+                                          <p:attrName>ppt_y</p:attrName>
+                                        </p:attrNameLst>
+                                      </p:cBhvr>
+                                      <p:tavLst>
+                                        <p:tav tm="0">
+                                          <p:val>
+                                            <p:strVal val="#ppt_y-.2"/>
+                                          </p:val>
+                                        </p:tav>
+                                        <p:tav tm="100000">
+                                          <p:val>
+                                            <p:strVal val="#ppt_y+.1"/>
+                                          </p:val>
+                                        </p:tav>
+                                      </p:tavLst>
+                                    </p:anim>
+                                    <p:anim calcmode="lin" valueType="num">
+                                      <p:cBhvr>
+                                        <p:cTn id="49" dur="500" accel="50000" fill="hold">
+                                          <p:stCondLst>
+                                            <p:cond delay="500"/>
+                                          </p:stCondLst>
+                                        </p:cTn>
+                                        <p:tgtEl>
+                                          <p:spTgt spid="3">
+                                            <p:txEl>
+                                              <p:pRg st="3" end="3"/>
+                                            </p:txEl>
+                                          </p:spTgt>
+                                        </p:tgtEl>
+                                        <p:attrNameLst>
+                                          <p:attrName>ppt_y</p:attrName>
+                                        </p:attrNameLst>
+                                      </p:cBhvr>
+                                      <p:tavLst>
+                                        <p:tav tm="0">
+                                          <p:val>
+                                            <p:strVal val="#ppt_y+.1"/>
+                                          </p:val>
+                                        </p:tav>
+                                        <p:tav tm="100000">
+                                          <p:val>
+                                            <p:strVal val="#ppt_y"/>
+                                          </p:val>
+                                        </p:tav>
+                                      </p:tavLst>
+                                    </p:anim>
+                                    <p:animEffect transition="in" filter="fade">
+                                      <p:cBhvr>
+                                        <p:cTn id="50" dur="1000" decel="50000">
+                                          <p:stCondLst>
+                                            <p:cond delay="0"/>
+                                          </p:stCondLst>
+                                        </p:cTn>
+                                        <p:tgtEl>
+                                          <p:spTgt spid="3">
+                                            <p:txEl>
+                                              <p:pRg st="3" end="3"/>
+                                            </p:txEl>
+                                          </p:spTgt>
+                                        </p:tgtEl>
+                                      </p:cBhvr>
+                                    </p:animEffect>
+                                  </p:childTnLst>
+                                </p:cTn>
+                              </p:par>
+                            </p:childTnLst>
+                          </p:cTn>
+                        </p:par>
+                      </p:childTnLst>
+                    </p:cTn>
+                  </p:par>
+                  <p:par>
+                    <p:cTn id="51" fill="hold">
+                      <p:stCondLst>
+                        <p:cond delay="indefinite"/>
+                      </p:stCondLst>
+                      <p:childTnLst>
+                        <p:par>
+                          <p:cTn id="52" fill="hold">
+                            <p:stCondLst>
+                              <p:cond delay="0"/>
+                            </p:stCondLst>
+                            <p:childTnLst>
+                              <p:par>
+                                <p:cTn id="53" presetID="25" presetClass="entr" presetSubtype="0" fill="hold" grpId="0" nodeType="clickEffect">
+                                  <p:stCondLst>
+                                    <p:cond delay="0"/>
+                                  </p:stCondLst>
+                                  <p:childTnLst>
+                                    <p:set>
+                                      <p:cBhvr>
+                                        <p:cTn id="54" dur="1" fill="hold">
+                                          <p:stCondLst>
+                                            <p:cond delay="0"/>
+                                          </p:stCondLst>
+                                        </p:cTn>
+                                        <p:tgtEl>
+                                          <p:spTgt spid="3">
+                                            <p:txEl>
+                                              <p:pRg st="4" end="4"/>
+                                            </p:txEl>
+                                          </p:spTgt>
+                                        </p:tgtEl>
+                                        <p:attrNameLst>
+                                          <p:attrName>style.visibility</p:attrName>
+                                        </p:attrNameLst>
+                                      </p:cBhvr>
+                                      <p:to>
+                                        <p:strVal val="visible"/>
+                                      </p:to>
+                                    </p:set>
+                                    <p:anim calcmode="lin" valueType="num">
+                                      <p:cBhvr>
+                                        <p:cTn id="55" dur="500" decel="50000" fill="hold">
+                                          <p:stCondLst>
+                                            <p:cond delay="0"/>
+                                          </p:stCondLst>
+                                        </p:cTn>
+                                        <p:tgtEl>
+                                          <p:spTgt spid="3">
+                                            <p:txEl>
+                                              <p:pRg st="4" end="4"/>
+                                            </p:txEl>
+                                          </p:spTgt>
+                                        </p:tgtEl>
+                                        <p:attrNameLst>
+                                          <p:attrName>style.rotation</p:attrName>
+                                        </p:attrNameLst>
+                                      </p:cBhvr>
+                                      <p:tavLst>
+                                        <p:tav tm="0">
+                                          <p:val>
+                                            <p:fltVal val="-90"/>
+                                          </p:val>
+                                        </p:tav>
+                                        <p:tav tm="100000">
+                                          <p:val>
+                                            <p:fltVal val="0"/>
+                                          </p:val>
+                                        </p:tav>
+                                      </p:tavLst>
+                                    </p:anim>
+                                    <p:anim calcmode="lin" valueType="num">
+                                      <p:cBhvr>
+                                        <p:cTn id="56" dur="500" decel="50000" fill="hold">
+                                          <p:stCondLst>
+                                            <p:cond delay="0"/>
+                                          </p:stCondLst>
+                                        </p:cTn>
+                                        <p:tgtEl>
+                                          <p:spTgt spid="3">
+                                            <p:txEl>
+                                              <p:pRg st="4" end="4"/>
+                                            </p:txEl>
+                                          </p:spTgt>
+                                        </p:tgtEl>
+                                        <p:attrNameLst>
+                                          <p:attrName>ppt_w</p:attrName>
+                                        </p:attrNameLst>
+                                      </p:cBhvr>
+                                      <p:tavLst>
+                                        <p:tav tm="0">
+                                          <p:val>
+                                            <p:strVal val="#ppt_w"/>
+                                          </p:val>
+                                        </p:tav>
+                                        <p:tav tm="100000">
+                                          <p:val>
+                                            <p:strVal val="#ppt_w*.05"/>
+                                          </p:val>
+                                        </p:tav>
+                                      </p:tavLst>
+                                    </p:anim>
+                                    <p:anim calcmode="lin" valueType="num">
+                                      <p:cBhvr>
+                                        <p:cTn id="57" dur="500" accel="50000" fill="hold">
+                                          <p:stCondLst>
+                                            <p:cond delay="500"/>
+                                          </p:stCondLst>
+                                        </p:cTn>
+                                        <p:tgtEl>
+                                          <p:spTgt spid="3">
+                                            <p:txEl>
+                                              <p:pRg st="4" end="4"/>
+                                            </p:txEl>
+                                          </p:spTgt>
+                                        </p:tgtEl>
+                                        <p:attrNameLst>
+                                          <p:attrName>ppt_w</p:attrName>
+                                        </p:attrNameLst>
+                                      </p:cBhvr>
+                                      <p:tavLst>
+                                        <p:tav tm="0">
+                                          <p:val>
+                                            <p:strVal val="#ppt_w*.05"/>
+                                          </p:val>
+                                        </p:tav>
+                                        <p:tav tm="100000">
+                                          <p:val>
+                                            <p:strVal val="#ppt_w"/>
+                                          </p:val>
+                                        </p:tav>
+                                      </p:tavLst>
+                                    </p:anim>
+                                    <p:anim calcmode="lin" valueType="num">
+                                      <p:cBhvr>
+                                        <p:cTn id="58" dur="1000" fill="hold"/>
+                                        <p:tgtEl>
+                                          <p:spTgt spid="3">
+                                            <p:txEl>
+                                              <p:pRg st="4" end="4"/>
+                                            </p:txEl>
+                                          </p:spTgt>
+                                        </p:tgtEl>
+                                        <p:attrNameLst>
+                                          <p:attrName>ppt_h</p:attrName>
+                                        </p:attrNameLst>
+                                      </p:cBhvr>
+                                      <p:tavLst>
+                                        <p:tav tm="0">
+                                          <p:val>
+                                            <p:strVal val="#ppt_h"/>
+                                          </p:val>
+                                        </p:tav>
+                                        <p:tav tm="100000">
+                                          <p:val>
+                                            <p:strVal val="#ppt_h"/>
+                                          </p:val>
+                                        </p:tav>
+                                      </p:tavLst>
+                                    </p:anim>
+                                    <p:anim calcmode="lin" valueType="num">
+                                      <p:cBhvr>
+                                        <p:cTn id="59" dur="500" decel="50000" fill="hold">
+                                          <p:stCondLst>
+                                            <p:cond delay="0"/>
+                                          </p:stCondLst>
+                                        </p:cTn>
+                                        <p:tgtEl>
+                                          <p:spTgt spid="3">
+                                            <p:txEl>
+                                              <p:pRg st="4" end="4"/>
+                                            </p:txEl>
+                                          </p:spTgt>
+                                        </p:tgtEl>
+                                        <p:attrNameLst>
+                                          <p:attrName>ppt_x</p:attrName>
+                                        </p:attrNameLst>
+                                      </p:cBhvr>
+                                      <p:tavLst>
+                                        <p:tav tm="0">
+                                          <p:val>
+                                            <p:strVal val="#ppt_x+.4"/>
+                                          </p:val>
+                                        </p:tav>
+                                        <p:tav tm="100000">
+                                          <p:val>
+                                            <p:strVal val="#ppt_x"/>
+                                          </p:val>
+                                        </p:tav>
+                                      </p:tavLst>
+                                    </p:anim>
+                                    <p:anim calcmode="lin" valueType="num">
+                                      <p:cBhvr>
+                                        <p:cTn id="60" dur="500" decel="50000" fill="hold">
+                                          <p:stCondLst>
+                                            <p:cond delay="0"/>
+                                          </p:stCondLst>
+                                        </p:cTn>
+                                        <p:tgtEl>
+                                          <p:spTgt spid="3">
+                                            <p:txEl>
+                                              <p:pRg st="4" end="4"/>
+                                            </p:txEl>
+                                          </p:spTgt>
+                                        </p:tgtEl>
+                                        <p:attrNameLst>
+                                          <p:attrName>ppt_y</p:attrName>
+                                        </p:attrNameLst>
+                                      </p:cBhvr>
+                                      <p:tavLst>
+                                        <p:tav tm="0">
+                                          <p:val>
+                                            <p:strVal val="#ppt_y-.2"/>
+                                          </p:val>
+                                        </p:tav>
+                                        <p:tav tm="100000">
+                                          <p:val>
+                                            <p:strVal val="#ppt_y+.1"/>
+                                          </p:val>
+                                        </p:tav>
+                                      </p:tavLst>
+                                    </p:anim>
+                                    <p:anim calcmode="lin" valueType="num">
+                                      <p:cBhvr>
+                                        <p:cTn id="61" dur="500" accel="50000" fill="hold">
+                                          <p:stCondLst>
+                                            <p:cond delay="500"/>
+                                          </p:stCondLst>
+                                        </p:cTn>
+                                        <p:tgtEl>
+                                          <p:spTgt spid="3">
+                                            <p:txEl>
+                                              <p:pRg st="4" end="4"/>
+                                            </p:txEl>
+                                          </p:spTgt>
+                                        </p:tgtEl>
+                                        <p:attrNameLst>
+                                          <p:attrName>ppt_y</p:attrName>
+                                        </p:attrNameLst>
+                                      </p:cBhvr>
+                                      <p:tavLst>
+                                        <p:tav tm="0">
+                                          <p:val>
+                                            <p:strVal val="#ppt_y+.1"/>
+                                          </p:val>
+                                        </p:tav>
+                                        <p:tav tm="100000">
+                                          <p:val>
+                                            <p:strVal val="#ppt_y"/>
+                                          </p:val>
+                                        </p:tav>
+                                      </p:tavLst>
+                                    </p:anim>
+                                    <p:animEffect transition="in" filter="fade">
+                                      <p:cBhvr>
+                                        <p:cTn id="62" dur="1000" decel="50000">
+                                          <p:stCondLst>
+                                            <p:cond delay="0"/>
+                                          </p:stCondLst>
+                                        </p:cTn>
+                                        <p:tgtEl>
+                                          <p:spTgt spid="3">
+                                            <p:txEl>
+                                              <p:pRg st="4" end="4"/>
+                                            </p:txEl>
+                                          </p:spTgt>
+                                        </p:tgtEl>
+                                      </p:cBhvr>
+                                    </p:animEffect>
+                                  </p:childTnLst>
+                                </p:cTn>
+                              </p:par>
+                            </p:childTnLst>
+                          </p:cTn>
+                        </p:par>
+                      </p:childTnLst>
+                    </p:cTn>
+                  </p:par>
+                </p:childTnLst>
+              </p:cTn>
+              <p:prevCondLst>
+                <p:cond evt="onPrev" delay="0">
+                  <p:tgtEl>
+                    <p:sldTgt/>
+                  </p:tgtEl>
+                </p:cond>
+              </p:prevCondLst>
+              <p:nextCondLst>
+                <p:cond evt="onNext" delay="0">
+                  <p:tgtEl>
+                    <p:sldTgt/>
+                  </p:tgtEl>
+                </p:cond>
+              </p:nextCondLst>
+            </p:seq>
+          </p:childTnLst>
+        </p:cTn>
+      </p:par>
+    </p:tnLst>
+    <p:bldLst>
+      <p:bldP spid="3" grpId="0" build="p"/>
+    </p:bldLst>
+  </p:timing>
 </p:sld>
 </file>
 
@@ -11207,8 +14777,8 @@
         </p:nvSpPr>
         <p:spPr>
           <a:xfrm>
-            <a:off x="1055553" y="1419622"/>
-            <a:ext cx="2037737" cy="646331"/>
+            <a:off x="1115616" y="1061323"/>
+            <a:ext cx="1620957" cy="523220"/>
           </a:xfrm>
           <a:prstGeom prst="rect">
             <a:avLst/>
@@ -11222,13 +14792,13 @@
           <a:lstStyle/>
           <a:p>
             <a:r>
-              <a:rPr lang="zh-CN" altLang="en-US" sz="3600" b="1" dirty="0" smtClean="0">
+              <a:rPr lang="zh-CN" altLang="en-US" sz="2800" b="1" dirty="0" smtClean="0">
                 <a:latin typeface="+mj-ea"/>
                 <a:ea typeface="+mj-ea"/>
               </a:rPr>
               <a:t>需求分析</a:t>
             </a:r>
-            <a:endParaRPr lang="zh-CN" altLang="en-US" sz="3600" b="1" dirty="0">
+            <a:endParaRPr lang="zh-CN" altLang="en-US" sz="2800" b="1" dirty="0">
               <a:latin typeface="+mj-ea"/>
               <a:ea typeface="+mj-ea"/>
             </a:endParaRPr>
@@ -11243,8 +14813,8 @@
         </p:nvSpPr>
         <p:spPr>
           <a:xfrm>
-            <a:off x="1055553" y="2067694"/>
-            <a:ext cx="2501006" cy="646331"/>
+            <a:off x="1059890" y="2152544"/>
+            <a:ext cx="1980029" cy="523220"/>
           </a:xfrm>
           <a:prstGeom prst="rect">
             <a:avLst/>
@@ -11258,13 +14828,13 @@
           <a:lstStyle/>
           <a:p>
             <a:r>
-              <a:rPr lang="zh-CN" altLang="en-US" sz="3600" b="1" dirty="0" smtClean="0">
+              <a:rPr lang="zh-CN" altLang="en-US" sz="2800" b="1" dirty="0" smtClean="0">
                 <a:latin typeface="+mj-ea"/>
                 <a:ea typeface="+mj-ea"/>
               </a:rPr>
               <a:t>系统可行性</a:t>
             </a:r>
-            <a:endParaRPr lang="zh-CN" altLang="en-US" sz="3600" b="1" dirty="0">
+            <a:endParaRPr lang="zh-CN" altLang="en-US" sz="2800" b="1" dirty="0">
               <a:latin typeface="+mj-ea"/>
               <a:ea typeface="+mj-ea"/>
             </a:endParaRPr>
@@ -11279,8 +14849,8 @@
         </p:nvSpPr>
         <p:spPr>
           <a:xfrm>
-            <a:off x="1055553" y="2787774"/>
-            <a:ext cx="3427541" cy="646331"/>
+            <a:off x="1043488" y="3528422"/>
+            <a:ext cx="2698175" cy="523220"/>
           </a:xfrm>
           <a:prstGeom prst="rect">
             <a:avLst/>
@@ -11294,13 +14864,13 @@
           <a:lstStyle/>
           <a:p>
             <a:r>
-              <a:rPr lang="zh-CN" altLang="en-US" sz="3600" b="1" dirty="0" smtClean="0">
+              <a:rPr lang="zh-CN" altLang="en-US" sz="2800" b="1" dirty="0" smtClean="0">
                 <a:latin typeface="+mj-ea"/>
                 <a:ea typeface="+mj-ea"/>
               </a:rPr>
               <a:t>系统结构化分析</a:t>
             </a:r>
-            <a:endParaRPr lang="zh-CN" altLang="en-US" sz="3600" b="1" dirty="0">
+            <a:endParaRPr lang="zh-CN" altLang="en-US" sz="2800" b="1" dirty="0">
               <a:latin typeface="+mj-ea"/>
               <a:ea typeface="+mj-ea"/>
             </a:endParaRPr>
@@ -11315,8 +14885,8 @@
         </p:nvSpPr>
         <p:spPr>
           <a:xfrm>
-            <a:off x="1043608" y="3579862"/>
-            <a:ext cx="2964273" cy="646331"/>
+            <a:off x="1059890" y="4153998"/>
+            <a:ext cx="2339102" cy="523220"/>
           </a:xfrm>
           <a:prstGeom prst="rect">
             <a:avLst/>
@@ -11330,15 +14900,382 @@
           <a:lstStyle/>
           <a:p>
             <a:r>
-              <a:rPr lang="zh-CN" altLang="en-US" sz="3600" b="1" dirty="0" smtClean="0">
+              <a:rPr lang="zh-CN" altLang="en-US" sz="2800" b="1" dirty="0" smtClean="0">
                 <a:latin typeface="+mj-ea"/>
                 <a:ea typeface="+mj-ea"/>
               </a:rPr>
               <a:t>目标系统要求</a:t>
             </a:r>
-            <a:endParaRPr lang="zh-CN" altLang="en-US" sz="3600" b="1" dirty="0">
+            <a:endParaRPr lang="zh-CN" altLang="en-US" sz="2800" b="1" dirty="0">
               <a:latin typeface="+mj-ea"/>
               <a:ea typeface="+mj-ea"/>
+            </a:endParaRPr>
+          </a:p>
+        </p:txBody>
+      </p:sp>
+      <p:sp>
+        <p:nvSpPr>
+          <p:cNvPr id="3" name="文本框 2"/>
+          <p:cNvSpPr txBox="1"/>
+          <p:nvPr/>
+        </p:nvSpPr>
+        <p:spPr>
+          <a:xfrm>
+            <a:off x="1622660" y="1584500"/>
+            <a:ext cx="2373275" cy="646331"/>
+          </a:xfrm>
+          <a:prstGeom prst="rect">
+            <a:avLst/>
+          </a:prstGeom>
+          <a:noFill/>
+        </p:spPr>
+        <p:txBody>
+          <a:bodyPr wrap="square" rtlCol="0">
+            <a:spAutoFit/>
+          </a:bodyPr>
+          <a:lstStyle/>
+          <a:p>
+            <a:pPr marL="285750" indent="-285750">
+              <a:buFont typeface="Arial" charset="0"/>
+              <a:buChar char="•"/>
+            </a:pPr>
+            <a:r>
+              <a:rPr lang="zh-CN" altLang="zh-CN" b="1" dirty="0"/>
+              <a:t>功能</a:t>
+            </a:r>
+            <a:r>
+              <a:rPr lang="zh-CN" altLang="zh-CN" b="1" dirty="0" smtClean="0"/>
+              <a:t>需求</a:t>
+            </a:r>
+            <a:endParaRPr lang="en-US" altLang="zh-CN" b="1" dirty="0" smtClean="0"/>
+          </a:p>
+          <a:p>
+            <a:pPr marL="285750" indent="-285750">
+              <a:buFont typeface="Arial" charset="0"/>
+              <a:buChar char="•"/>
+            </a:pPr>
+            <a:r>
+              <a:rPr lang="zh-CN" altLang="zh-CN" b="1" dirty="0"/>
+              <a:t>安全性需求</a:t>
+            </a:r>
+            <a:r>
+              <a:rPr lang="zh-CN" altLang="zh-CN" dirty="0"/>
+              <a:t> </a:t>
+            </a:r>
+            <a:r>
+              <a:rPr lang="zh-CN" altLang="zh-CN" dirty="0" smtClean="0"/>
+              <a:t> </a:t>
+            </a:r>
+            <a:endParaRPr kumimoji="1" lang="zh-CN" altLang="en-US" dirty="0"/>
+          </a:p>
+        </p:txBody>
+      </p:sp>
+      <p:sp>
+        <p:nvSpPr>
+          <p:cNvPr id="8" name="文本框 7"/>
+          <p:cNvSpPr txBox="1"/>
+          <p:nvPr/>
+        </p:nvSpPr>
+        <p:spPr>
+          <a:xfrm>
+            <a:off x="1622660" y="2575793"/>
+            <a:ext cx="7972126" cy="923330"/>
+          </a:xfrm>
+          <a:prstGeom prst="rect">
+            <a:avLst/>
+          </a:prstGeom>
+          <a:noFill/>
+        </p:spPr>
+        <p:txBody>
+          <a:bodyPr wrap="square" rtlCol="0">
+            <a:spAutoFit/>
+          </a:bodyPr>
+          <a:lstStyle/>
+          <a:p>
+            <a:pPr marL="285750" lvl="0" indent="-285750">
+              <a:buFont typeface="Arial" charset="0"/>
+              <a:buChar char="•"/>
+            </a:pPr>
+            <a:r>
+              <a:rPr lang="zh-CN" altLang="zh-CN" dirty="0"/>
+              <a:t>操作</a:t>
+            </a:r>
+            <a:r>
+              <a:rPr lang="zh-CN" altLang="zh-CN" dirty="0" smtClean="0"/>
+              <a:t>可行性</a:t>
+            </a:r>
+            <a:endParaRPr lang="en-US" altLang="zh-CN" dirty="0" smtClean="0"/>
+          </a:p>
+          <a:p>
+            <a:pPr marL="285750" lvl="0" indent="-285750">
+              <a:buFont typeface="Arial" charset="0"/>
+              <a:buChar char="•"/>
+            </a:pPr>
+            <a:r>
+              <a:rPr lang="zh-CN" altLang="zh-CN" dirty="0" smtClean="0"/>
+              <a:t>经济可行性</a:t>
+            </a:r>
+            <a:endParaRPr lang="zh-CN" altLang="zh-CN" dirty="0"/>
+          </a:p>
+          <a:p>
+            <a:pPr marL="285750" lvl="0" indent="-285750">
+              <a:buFont typeface="Arial" charset="0"/>
+              <a:buChar char="•"/>
+            </a:pPr>
+            <a:r>
+              <a:rPr lang="zh-CN" altLang="zh-CN" dirty="0"/>
+              <a:t>技术</a:t>
+            </a:r>
+            <a:r>
+              <a:rPr lang="zh-CN" altLang="zh-CN" dirty="0" smtClean="0"/>
+              <a:t>可行性</a:t>
+            </a:r>
+            <a:endParaRPr kumimoji="1" lang="zh-CN" altLang="en-US" dirty="0"/>
+          </a:p>
+        </p:txBody>
+      </p:sp>
+      <p:sp>
+        <p:nvSpPr>
+          <p:cNvPr id="9" name="矩形 8"/>
+          <p:cNvSpPr/>
+          <p:nvPr/>
+        </p:nvSpPr>
+        <p:spPr>
+          <a:xfrm>
+            <a:off x="983947" y="4647719"/>
+            <a:ext cx="8694712" cy="374461"/>
+          </a:xfrm>
+          <a:prstGeom prst="rect">
+            <a:avLst/>
+          </a:prstGeom>
+        </p:spPr>
+        <p:txBody>
+          <a:bodyPr wrap="square">
+            <a:spAutoFit/>
+          </a:bodyPr>
+          <a:lstStyle/>
+          <a:p>
+            <a:pPr indent="304800" algn="just">
+              <a:lnSpc>
+                <a:spcPts val="2200"/>
+              </a:lnSpc>
+              <a:spcAft>
+                <a:spcPts val="0"/>
+              </a:spcAft>
+            </a:pPr>
+            <a:r>
+              <a:rPr lang="en-US" altLang="zh-CN" sz="1600" kern="100" dirty="0">
+                <a:latin typeface="宋体" charset="-122"/>
+              </a:rPr>
+              <a:t>(1)</a:t>
+            </a:r>
+            <a:r>
+              <a:rPr lang="zh-CN" altLang="zh-CN" sz="1600" kern="100" dirty="0">
+                <a:latin typeface="Times New Roman" charset="0"/>
+              </a:rPr>
+              <a:t>时间经济性</a:t>
+            </a:r>
+            <a:r>
+              <a:rPr lang="zh-CN" altLang="zh-CN" sz="1600" kern="100" dirty="0" smtClean="0">
+                <a:latin typeface="Times New Roman" charset="0"/>
+              </a:rPr>
+              <a:t>。 </a:t>
+            </a:r>
+            <a:r>
+              <a:rPr lang="en-US" altLang="zh-CN" sz="1600" kern="100" dirty="0" smtClean="0">
+                <a:latin typeface="宋体" charset="-122"/>
+              </a:rPr>
+              <a:t>(</a:t>
+            </a:r>
+            <a:r>
+              <a:rPr lang="en-US" altLang="zh-CN" sz="1600" kern="100" dirty="0">
+                <a:latin typeface="宋体" charset="-122"/>
+              </a:rPr>
+              <a:t>2)</a:t>
+            </a:r>
+            <a:r>
+              <a:rPr lang="zh-CN" altLang="zh-CN" sz="1600" kern="100" dirty="0">
+                <a:latin typeface="Times New Roman" charset="0"/>
+              </a:rPr>
+              <a:t>可靠性</a:t>
+            </a:r>
+            <a:r>
+              <a:rPr lang="zh-CN" altLang="zh-CN" sz="1600" kern="100" dirty="0" smtClean="0">
+                <a:latin typeface="Times New Roman" charset="0"/>
+              </a:rPr>
+              <a:t>。</a:t>
+            </a:r>
+            <a:r>
+              <a:rPr lang="en-US" altLang="zh-CN" sz="1600" kern="100" dirty="0" smtClean="0">
+                <a:latin typeface="宋体" charset="-122"/>
+              </a:rPr>
+              <a:t>(</a:t>
+            </a:r>
+            <a:r>
+              <a:rPr lang="en-US" altLang="zh-CN" sz="1600" kern="100" dirty="0">
+                <a:latin typeface="宋体" charset="-122"/>
+              </a:rPr>
+              <a:t>3)</a:t>
+            </a:r>
+            <a:r>
+              <a:rPr lang="zh-CN" altLang="zh-CN" sz="1600" kern="100" dirty="0">
+                <a:latin typeface="Times New Roman" charset="0"/>
+              </a:rPr>
+              <a:t>可理解性</a:t>
+            </a:r>
+            <a:r>
+              <a:rPr lang="zh-CN" altLang="zh-CN" sz="1600" kern="100" dirty="0" smtClean="0">
+                <a:latin typeface="Times New Roman" charset="0"/>
+              </a:rPr>
+              <a:t>。</a:t>
+            </a:r>
+            <a:r>
+              <a:rPr lang="en-US" altLang="zh-CN" sz="1600" kern="100" dirty="0" smtClean="0">
+                <a:latin typeface="宋体" charset="-122"/>
+              </a:rPr>
+              <a:t>(</a:t>
+            </a:r>
+            <a:r>
+              <a:rPr lang="en-US" altLang="zh-CN" sz="1600" kern="100" dirty="0">
+                <a:latin typeface="宋体" charset="-122"/>
+              </a:rPr>
+              <a:t>4)</a:t>
+            </a:r>
+            <a:r>
+              <a:rPr lang="zh-CN" altLang="zh-CN" sz="1600" kern="100" dirty="0">
+                <a:latin typeface="Times New Roman" charset="0"/>
+              </a:rPr>
+              <a:t>可维护性和适应性</a:t>
+            </a:r>
+            <a:r>
+              <a:rPr lang="zh-CN" altLang="zh-CN" sz="1600" kern="100" dirty="0" smtClean="0">
+                <a:latin typeface="Times New Roman" charset="0"/>
+              </a:rPr>
+              <a:t>。 </a:t>
+            </a:r>
+            <a:r>
+              <a:rPr lang="en-US" altLang="zh-CN" sz="1600" kern="100" dirty="0" smtClean="0">
+                <a:latin typeface="宋体" charset="-122"/>
+                <a:cs typeface="Times New Roman" charset="0"/>
+              </a:rPr>
+              <a:t>(</a:t>
+            </a:r>
+            <a:r>
+              <a:rPr lang="en-US" altLang="zh-CN" sz="1600" kern="100" dirty="0">
+                <a:latin typeface="宋体" charset="-122"/>
+                <a:cs typeface="Times New Roman" charset="0"/>
+              </a:rPr>
+              <a:t>5)</a:t>
+            </a:r>
+            <a:r>
+              <a:rPr lang="zh-CN" altLang="zh-CN" sz="1600" kern="100" dirty="0">
+                <a:cs typeface="Times New Roman" charset="0"/>
+              </a:rPr>
+              <a:t>可用性</a:t>
+            </a:r>
+            <a:r>
+              <a:rPr lang="zh-CN" altLang="zh-CN" sz="1600" kern="100" dirty="0" smtClean="0">
+                <a:cs typeface="Times New Roman" charset="0"/>
+              </a:rPr>
+              <a:t>。</a:t>
+            </a:r>
+            <a:endParaRPr lang="zh-CN" altLang="en-US" sz="1600" dirty="0"/>
+          </a:p>
+        </p:txBody>
+      </p:sp>
+      <p:sp>
+        <p:nvSpPr>
+          <p:cNvPr id="10" name="矩形 9"/>
+          <p:cNvSpPr/>
+          <p:nvPr/>
+        </p:nvSpPr>
+        <p:spPr>
+          <a:xfrm>
+            <a:off x="3851920" y="877674"/>
+            <a:ext cx="4572000" cy="3195747"/>
+          </a:xfrm>
+          <a:prstGeom prst="rect">
+            <a:avLst/>
+          </a:prstGeom>
+        </p:spPr>
+        <p:txBody>
+          <a:bodyPr>
+            <a:spAutoFit/>
+          </a:bodyPr>
+          <a:lstStyle/>
+          <a:p>
+            <a:pPr indent="304800" algn="just">
+              <a:lnSpc>
+                <a:spcPts val="2200"/>
+              </a:lnSpc>
+              <a:spcAft>
+                <a:spcPts val="0"/>
+              </a:spcAft>
+            </a:pPr>
+            <a:r>
+              <a:rPr lang="en-US" altLang="zh-CN" kern="100" dirty="0">
+                <a:latin typeface="宋体" charset="-122"/>
+              </a:rPr>
+              <a:t>(1)</a:t>
+            </a:r>
+            <a:r>
+              <a:rPr lang="zh-CN" altLang="zh-CN" kern="100" dirty="0">
+                <a:latin typeface="Times New Roman" charset="0"/>
+              </a:rPr>
+              <a:t>必须能够表达和理解问题的数据域和功能域。</a:t>
+            </a:r>
+            <a:endParaRPr lang="zh-CN" altLang="zh-CN" sz="1400" kern="100" dirty="0">
+              <a:latin typeface="Times New Roman" charset="0"/>
+            </a:endParaRPr>
+          </a:p>
+          <a:p>
+            <a:pPr indent="304800" algn="just">
+              <a:lnSpc>
+                <a:spcPts val="2200"/>
+              </a:lnSpc>
+              <a:spcAft>
+                <a:spcPts val="0"/>
+              </a:spcAft>
+            </a:pPr>
+            <a:r>
+              <a:rPr lang="en-US" altLang="zh-CN" kern="100" dirty="0">
+                <a:latin typeface="宋体" charset="-122"/>
+              </a:rPr>
+              <a:t>(2)</a:t>
+            </a:r>
+            <a:r>
+              <a:rPr lang="zh-CN" altLang="zh-CN" kern="100" dirty="0">
+                <a:latin typeface="Times New Roman" charset="0"/>
+              </a:rPr>
+              <a:t>必须按自上向下、逐层分解的方式对问题进行分解和细化。在需求分析阶段，软件的数据域和功能域都能进一步的分解，可以是横向分解也可以是纵向分解。</a:t>
+            </a:r>
+            <a:endParaRPr lang="zh-CN" altLang="zh-CN" sz="1400" kern="100" dirty="0">
+              <a:latin typeface="Times New Roman" charset="0"/>
+            </a:endParaRPr>
+          </a:p>
+          <a:p>
+            <a:pPr indent="304800" algn="just">
+              <a:lnSpc>
+                <a:spcPts val="2200"/>
+              </a:lnSpc>
+              <a:spcAft>
+                <a:spcPts val="0"/>
+              </a:spcAft>
+            </a:pPr>
+            <a:r>
+              <a:rPr lang="en-US" altLang="zh-CN" kern="100" dirty="0">
+                <a:latin typeface="宋体" charset="-122"/>
+              </a:rPr>
+              <a:t>(3)</a:t>
+            </a:r>
+            <a:r>
+              <a:rPr lang="zh-CN" altLang="zh-CN" kern="100" dirty="0">
+                <a:latin typeface="Times New Roman" charset="0"/>
+              </a:rPr>
+              <a:t>要给出系统的逻辑视图和物理视图。软件需求的逻辑视图给出软件要达到功能和处理的数据之间的关系，而不是实现细节；而物理视图给出处理功能和数据结构的实际表示形式。</a:t>
+            </a:r>
+            <a:endParaRPr lang="zh-CN" altLang="zh-CN" sz="1400" kern="100" dirty="0">
+              <a:latin typeface="Times New Roman" charset="0"/>
             </a:endParaRPr>
           </a:p>
         </p:txBody>
@@ -11348,6 +15285,1577 @@
   <p:clrMapOvr>
     <a:masterClrMapping/>
   </p:clrMapOvr>
+  <p:timing>
+    <p:tnLst>
+      <p:par>
+        <p:cTn id="1" dur="indefinite" restart="never" nodeType="tmRoot">
+          <p:childTnLst>
+            <p:seq concurrent="1" nextAc="seek">
+              <p:cTn id="2" dur="indefinite" nodeType="mainSeq">
+                <p:childTnLst>
+                  <p:par>
+                    <p:cTn id="3" fill="hold">
+                      <p:stCondLst>
+                        <p:cond delay="indefinite"/>
+                      </p:stCondLst>
+                      <p:childTnLst>
+                        <p:par>
+                          <p:cTn id="4" fill="hold">
+                            <p:stCondLst>
+                              <p:cond delay="0"/>
+                            </p:stCondLst>
+                            <p:childTnLst>
+                              <p:par>
+                                <p:cTn id="5" presetID="2" presetClass="entr" presetSubtype="4" fill="hold" grpId="0" nodeType="clickEffect">
+                                  <p:stCondLst>
+                                    <p:cond delay="0"/>
+                                  </p:stCondLst>
+                                  <p:childTnLst>
+                                    <p:set>
+                                      <p:cBhvr>
+                                        <p:cTn id="6" dur="1" fill="hold">
+                                          <p:stCondLst>
+                                            <p:cond delay="0"/>
+                                          </p:stCondLst>
+                                        </p:cTn>
+                                        <p:tgtEl>
+                                          <p:spTgt spid="4"/>
+                                        </p:tgtEl>
+                                        <p:attrNameLst>
+                                          <p:attrName>style.visibility</p:attrName>
+                                        </p:attrNameLst>
+                                      </p:cBhvr>
+                                      <p:to>
+                                        <p:strVal val="visible"/>
+                                      </p:to>
+                                    </p:set>
+                                    <p:anim calcmode="lin" valueType="num">
+                                      <p:cBhvr additive="base">
+                                        <p:cTn id="7" dur="500" fill="hold"/>
+                                        <p:tgtEl>
+                                          <p:spTgt spid="4"/>
+                                        </p:tgtEl>
+                                        <p:attrNameLst>
+                                          <p:attrName>ppt_x</p:attrName>
+                                        </p:attrNameLst>
+                                      </p:cBhvr>
+                                      <p:tavLst>
+                                        <p:tav tm="0">
+                                          <p:val>
+                                            <p:strVal val="#ppt_x"/>
+                                          </p:val>
+                                        </p:tav>
+                                        <p:tav tm="100000">
+                                          <p:val>
+                                            <p:strVal val="#ppt_x"/>
+                                          </p:val>
+                                        </p:tav>
+                                      </p:tavLst>
+                                    </p:anim>
+                                    <p:anim calcmode="lin" valueType="num">
+                                      <p:cBhvr additive="base">
+                                        <p:cTn id="8" dur="500" fill="hold"/>
+                                        <p:tgtEl>
+                                          <p:spTgt spid="4"/>
+                                        </p:tgtEl>
+                                        <p:attrNameLst>
+                                          <p:attrName>ppt_y</p:attrName>
+                                        </p:attrNameLst>
+                                      </p:cBhvr>
+                                      <p:tavLst>
+                                        <p:tav tm="0">
+                                          <p:val>
+                                            <p:strVal val="1+#ppt_h/2"/>
+                                          </p:val>
+                                        </p:tav>
+                                        <p:tav tm="100000">
+                                          <p:val>
+                                            <p:strVal val="#ppt_y"/>
+                                          </p:val>
+                                        </p:tav>
+                                      </p:tavLst>
+                                    </p:anim>
+                                  </p:childTnLst>
+                                </p:cTn>
+                              </p:par>
+                            </p:childTnLst>
+                          </p:cTn>
+                        </p:par>
+                      </p:childTnLst>
+                    </p:cTn>
+                  </p:par>
+                  <p:par>
+                    <p:cTn id="9" fill="hold">
+                      <p:stCondLst>
+                        <p:cond delay="indefinite"/>
+                      </p:stCondLst>
+                      <p:childTnLst>
+                        <p:par>
+                          <p:cTn id="10" fill="hold">
+                            <p:stCondLst>
+                              <p:cond delay="0"/>
+                            </p:stCondLst>
+                            <p:childTnLst>
+                              <p:par>
+                                <p:cTn id="11" presetID="2" presetClass="entr" presetSubtype="4" fill="hold" grpId="0" nodeType="clickEffect">
+                                  <p:stCondLst>
+                                    <p:cond delay="0"/>
+                                  </p:stCondLst>
+                                  <p:childTnLst>
+                                    <p:set>
+                                      <p:cBhvr>
+                                        <p:cTn id="12" dur="1" fill="hold">
+                                          <p:stCondLst>
+                                            <p:cond delay="0"/>
+                                          </p:stCondLst>
+                                        </p:cTn>
+                                        <p:tgtEl>
+                                          <p:spTgt spid="5"/>
+                                        </p:tgtEl>
+                                        <p:attrNameLst>
+                                          <p:attrName>style.visibility</p:attrName>
+                                        </p:attrNameLst>
+                                      </p:cBhvr>
+                                      <p:to>
+                                        <p:strVal val="visible"/>
+                                      </p:to>
+                                    </p:set>
+                                    <p:anim calcmode="lin" valueType="num">
+                                      <p:cBhvr additive="base">
+                                        <p:cTn id="13" dur="500" fill="hold"/>
+                                        <p:tgtEl>
+                                          <p:spTgt spid="5"/>
+                                        </p:tgtEl>
+                                        <p:attrNameLst>
+                                          <p:attrName>ppt_x</p:attrName>
+                                        </p:attrNameLst>
+                                      </p:cBhvr>
+                                      <p:tavLst>
+                                        <p:tav tm="0">
+                                          <p:val>
+                                            <p:strVal val="#ppt_x"/>
+                                          </p:val>
+                                        </p:tav>
+                                        <p:tav tm="100000">
+                                          <p:val>
+                                            <p:strVal val="#ppt_x"/>
+                                          </p:val>
+                                        </p:tav>
+                                      </p:tavLst>
+                                    </p:anim>
+                                    <p:anim calcmode="lin" valueType="num">
+                                      <p:cBhvr additive="base">
+                                        <p:cTn id="14" dur="500" fill="hold"/>
+                                        <p:tgtEl>
+                                          <p:spTgt spid="5"/>
+                                        </p:tgtEl>
+                                        <p:attrNameLst>
+                                          <p:attrName>ppt_y</p:attrName>
+                                        </p:attrNameLst>
+                                      </p:cBhvr>
+                                      <p:tavLst>
+                                        <p:tav tm="0">
+                                          <p:val>
+                                            <p:strVal val="1+#ppt_h/2"/>
+                                          </p:val>
+                                        </p:tav>
+                                        <p:tav tm="100000">
+                                          <p:val>
+                                            <p:strVal val="#ppt_y"/>
+                                          </p:val>
+                                        </p:tav>
+                                      </p:tavLst>
+                                    </p:anim>
+                                  </p:childTnLst>
+                                </p:cTn>
+                              </p:par>
+                            </p:childTnLst>
+                          </p:cTn>
+                        </p:par>
+                      </p:childTnLst>
+                    </p:cTn>
+                  </p:par>
+                  <p:par>
+                    <p:cTn id="15" fill="hold">
+                      <p:stCondLst>
+                        <p:cond delay="indefinite"/>
+                      </p:stCondLst>
+                      <p:childTnLst>
+                        <p:par>
+                          <p:cTn id="16" fill="hold">
+                            <p:stCondLst>
+                              <p:cond delay="0"/>
+                            </p:stCondLst>
+                            <p:childTnLst>
+                              <p:par>
+                                <p:cTn id="17" presetID="2" presetClass="entr" presetSubtype="4" fill="hold" grpId="0" nodeType="clickEffect">
+                                  <p:stCondLst>
+                                    <p:cond delay="0"/>
+                                  </p:stCondLst>
+                                  <p:childTnLst>
+                                    <p:set>
+                                      <p:cBhvr>
+                                        <p:cTn id="18" dur="1" fill="hold">
+                                          <p:stCondLst>
+                                            <p:cond delay="0"/>
+                                          </p:stCondLst>
+                                        </p:cTn>
+                                        <p:tgtEl>
+                                          <p:spTgt spid="6"/>
+                                        </p:tgtEl>
+                                        <p:attrNameLst>
+                                          <p:attrName>style.visibility</p:attrName>
+                                        </p:attrNameLst>
+                                      </p:cBhvr>
+                                      <p:to>
+                                        <p:strVal val="visible"/>
+                                      </p:to>
+                                    </p:set>
+                                    <p:anim calcmode="lin" valueType="num">
+                                      <p:cBhvr additive="base">
+                                        <p:cTn id="19" dur="500" fill="hold"/>
+                                        <p:tgtEl>
+                                          <p:spTgt spid="6"/>
+                                        </p:tgtEl>
+                                        <p:attrNameLst>
+                                          <p:attrName>ppt_x</p:attrName>
+                                        </p:attrNameLst>
+                                      </p:cBhvr>
+                                      <p:tavLst>
+                                        <p:tav tm="0">
+                                          <p:val>
+                                            <p:strVal val="#ppt_x"/>
+                                          </p:val>
+                                        </p:tav>
+                                        <p:tav tm="100000">
+                                          <p:val>
+                                            <p:strVal val="#ppt_x"/>
+                                          </p:val>
+                                        </p:tav>
+                                      </p:tavLst>
+                                    </p:anim>
+                                    <p:anim calcmode="lin" valueType="num">
+                                      <p:cBhvr additive="base">
+                                        <p:cTn id="20" dur="500" fill="hold"/>
+                                        <p:tgtEl>
+                                          <p:spTgt spid="6"/>
+                                        </p:tgtEl>
+                                        <p:attrNameLst>
+                                          <p:attrName>ppt_y</p:attrName>
+                                        </p:attrNameLst>
+                                      </p:cBhvr>
+                                      <p:tavLst>
+                                        <p:tav tm="0">
+                                          <p:val>
+                                            <p:strVal val="1+#ppt_h/2"/>
+                                          </p:val>
+                                        </p:tav>
+                                        <p:tav tm="100000">
+                                          <p:val>
+                                            <p:strVal val="#ppt_y"/>
+                                          </p:val>
+                                        </p:tav>
+                                      </p:tavLst>
+                                    </p:anim>
+                                  </p:childTnLst>
+                                </p:cTn>
+                              </p:par>
+                            </p:childTnLst>
+                          </p:cTn>
+                        </p:par>
+                      </p:childTnLst>
+                    </p:cTn>
+                  </p:par>
+                  <p:par>
+                    <p:cTn id="21" fill="hold">
+                      <p:stCondLst>
+                        <p:cond delay="indefinite"/>
+                      </p:stCondLst>
+                      <p:childTnLst>
+                        <p:par>
+                          <p:cTn id="22" fill="hold">
+                            <p:stCondLst>
+                              <p:cond delay="0"/>
+                            </p:stCondLst>
+                            <p:childTnLst>
+                              <p:par>
+                                <p:cTn id="23" presetID="2" presetClass="entr" presetSubtype="4" fill="hold" grpId="0" nodeType="clickEffect">
+                                  <p:stCondLst>
+                                    <p:cond delay="0"/>
+                                  </p:stCondLst>
+                                  <p:childTnLst>
+                                    <p:set>
+                                      <p:cBhvr>
+                                        <p:cTn id="24" dur="1" fill="hold">
+                                          <p:stCondLst>
+                                            <p:cond delay="0"/>
+                                          </p:stCondLst>
+                                        </p:cTn>
+                                        <p:tgtEl>
+                                          <p:spTgt spid="7"/>
+                                        </p:tgtEl>
+                                        <p:attrNameLst>
+                                          <p:attrName>style.visibility</p:attrName>
+                                        </p:attrNameLst>
+                                      </p:cBhvr>
+                                      <p:to>
+                                        <p:strVal val="visible"/>
+                                      </p:to>
+                                    </p:set>
+                                    <p:anim calcmode="lin" valueType="num">
+                                      <p:cBhvr additive="base">
+                                        <p:cTn id="25" dur="500" fill="hold"/>
+                                        <p:tgtEl>
+                                          <p:spTgt spid="7"/>
+                                        </p:tgtEl>
+                                        <p:attrNameLst>
+                                          <p:attrName>ppt_x</p:attrName>
+                                        </p:attrNameLst>
+                                      </p:cBhvr>
+                                      <p:tavLst>
+                                        <p:tav tm="0">
+                                          <p:val>
+                                            <p:strVal val="#ppt_x"/>
+                                          </p:val>
+                                        </p:tav>
+                                        <p:tav tm="100000">
+                                          <p:val>
+                                            <p:strVal val="#ppt_x"/>
+                                          </p:val>
+                                        </p:tav>
+                                      </p:tavLst>
+                                    </p:anim>
+                                    <p:anim calcmode="lin" valueType="num">
+                                      <p:cBhvr additive="base">
+                                        <p:cTn id="26" dur="500" fill="hold"/>
+                                        <p:tgtEl>
+                                          <p:spTgt spid="7"/>
+                                        </p:tgtEl>
+                                        <p:attrNameLst>
+                                          <p:attrName>ppt_y</p:attrName>
+                                        </p:attrNameLst>
+                                      </p:cBhvr>
+                                      <p:tavLst>
+                                        <p:tav tm="0">
+                                          <p:val>
+                                            <p:strVal val="1+#ppt_h/2"/>
+                                          </p:val>
+                                        </p:tav>
+                                        <p:tav tm="100000">
+                                          <p:val>
+                                            <p:strVal val="#ppt_y"/>
+                                          </p:val>
+                                        </p:tav>
+                                      </p:tavLst>
+                                    </p:anim>
+                                  </p:childTnLst>
+                                </p:cTn>
+                              </p:par>
+                            </p:childTnLst>
+                          </p:cTn>
+                        </p:par>
+                      </p:childTnLst>
+                    </p:cTn>
+                  </p:par>
+                  <p:par>
+                    <p:cTn id="27" fill="hold">
+                      <p:stCondLst>
+                        <p:cond delay="indefinite"/>
+                      </p:stCondLst>
+                      <p:childTnLst>
+                        <p:par>
+                          <p:cTn id="28" fill="hold">
+                            <p:stCondLst>
+                              <p:cond delay="0"/>
+                            </p:stCondLst>
+                            <p:childTnLst>
+                              <p:par>
+                                <p:cTn id="29" presetID="2" presetClass="entr" presetSubtype="2" fill="hold" grpId="0" nodeType="clickEffect">
+                                  <p:stCondLst>
+                                    <p:cond delay="0"/>
+                                  </p:stCondLst>
+                                  <p:childTnLst>
+                                    <p:set>
+                                      <p:cBhvr>
+                                        <p:cTn id="30" dur="1" fill="hold">
+                                          <p:stCondLst>
+                                            <p:cond delay="0"/>
+                                          </p:stCondLst>
+                                        </p:cTn>
+                                        <p:tgtEl>
+                                          <p:spTgt spid="3">
+                                            <p:txEl>
+                                              <p:pRg st="0" end="0"/>
+                                            </p:txEl>
+                                          </p:spTgt>
+                                        </p:tgtEl>
+                                        <p:attrNameLst>
+                                          <p:attrName>style.visibility</p:attrName>
+                                        </p:attrNameLst>
+                                      </p:cBhvr>
+                                      <p:to>
+                                        <p:strVal val="visible"/>
+                                      </p:to>
+                                    </p:set>
+                                    <p:anim calcmode="lin" valueType="num">
+                                      <p:cBhvr additive="base">
+                                        <p:cTn id="31" dur="500" fill="hold"/>
+                                        <p:tgtEl>
+                                          <p:spTgt spid="3">
+                                            <p:txEl>
+                                              <p:pRg st="0" end="0"/>
+                                            </p:txEl>
+                                          </p:spTgt>
+                                        </p:tgtEl>
+                                        <p:attrNameLst>
+                                          <p:attrName>ppt_x</p:attrName>
+                                        </p:attrNameLst>
+                                      </p:cBhvr>
+                                      <p:tavLst>
+                                        <p:tav tm="0">
+                                          <p:val>
+                                            <p:strVal val="1+#ppt_w/2"/>
+                                          </p:val>
+                                        </p:tav>
+                                        <p:tav tm="100000">
+                                          <p:val>
+                                            <p:strVal val="#ppt_x"/>
+                                          </p:val>
+                                        </p:tav>
+                                      </p:tavLst>
+                                    </p:anim>
+                                    <p:anim calcmode="lin" valueType="num">
+                                      <p:cBhvr additive="base">
+                                        <p:cTn id="32" dur="500" fill="hold"/>
+                                        <p:tgtEl>
+                                          <p:spTgt spid="3">
+                                            <p:txEl>
+                                              <p:pRg st="0" end="0"/>
+                                            </p:txEl>
+                                          </p:spTgt>
+                                        </p:tgtEl>
+                                        <p:attrNameLst>
+                                          <p:attrName>ppt_y</p:attrName>
+                                        </p:attrNameLst>
+                                      </p:cBhvr>
+                                      <p:tavLst>
+                                        <p:tav tm="0">
+                                          <p:val>
+                                            <p:strVal val="#ppt_y"/>
+                                          </p:val>
+                                        </p:tav>
+                                        <p:tav tm="100000">
+                                          <p:val>
+                                            <p:strVal val="#ppt_y"/>
+                                          </p:val>
+                                        </p:tav>
+                                      </p:tavLst>
+                                    </p:anim>
+                                  </p:childTnLst>
+                                </p:cTn>
+                              </p:par>
+                            </p:childTnLst>
+                          </p:cTn>
+                        </p:par>
+                      </p:childTnLst>
+                    </p:cTn>
+                  </p:par>
+                  <p:par>
+                    <p:cTn id="33" fill="hold">
+                      <p:stCondLst>
+                        <p:cond delay="indefinite"/>
+                      </p:stCondLst>
+                      <p:childTnLst>
+                        <p:par>
+                          <p:cTn id="34" fill="hold">
+                            <p:stCondLst>
+                              <p:cond delay="0"/>
+                            </p:stCondLst>
+                            <p:childTnLst>
+                              <p:par>
+                                <p:cTn id="35" presetID="2" presetClass="entr" presetSubtype="2" fill="hold" grpId="0" nodeType="clickEffect">
+                                  <p:stCondLst>
+                                    <p:cond delay="0"/>
+                                  </p:stCondLst>
+                                  <p:childTnLst>
+                                    <p:set>
+                                      <p:cBhvr>
+                                        <p:cTn id="36" dur="1" fill="hold">
+                                          <p:stCondLst>
+                                            <p:cond delay="0"/>
+                                          </p:stCondLst>
+                                        </p:cTn>
+                                        <p:tgtEl>
+                                          <p:spTgt spid="3">
+                                            <p:txEl>
+                                              <p:pRg st="1" end="1"/>
+                                            </p:txEl>
+                                          </p:spTgt>
+                                        </p:tgtEl>
+                                        <p:attrNameLst>
+                                          <p:attrName>style.visibility</p:attrName>
+                                        </p:attrNameLst>
+                                      </p:cBhvr>
+                                      <p:to>
+                                        <p:strVal val="visible"/>
+                                      </p:to>
+                                    </p:set>
+                                    <p:anim calcmode="lin" valueType="num">
+                                      <p:cBhvr additive="base">
+                                        <p:cTn id="37" dur="500" fill="hold"/>
+                                        <p:tgtEl>
+                                          <p:spTgt spid="3">
+                                            <p:txEl>
+                                              <p:pRg st="1" end="1"/>
+                                            </p:txEl>
+                                          </p:spTgt>
+                                        </p:tgtEl>
+                                        <p:attrNameLst>
+                                          <p:attrName>ppt_x</p:attrName>
+                                        </p:attrNameLst>
+                                      </p:cBhvr>
+                                      <p:tavLst>
+                                        <p:tav tm="0">
+                                          <p:val>
+                                            <p:strVal val="1+#ppt_w/2"/>
+                                          </p:val>
+                                        </p:tav>
+                                        <p:tav tm="100000">
+                                          <p:val>
+                                            <p:strVal val="#ppt_x"/>
+                                          </p:val>
+                                        </p:tav>
+                                      </p:tavLst>
+                                    </p:anim>
+                                    <p:anim calcmode="lin" valueType="num">
+                                      <p:cBhvr additive="base">
+                                        <p:cTn id="38" dur="500" fill="hold"/>
+                                        <p:tgtEl>
+                                          <p:spTgt spid="3">
+                                            <p:txEl>
+                                              <p:pRg st="1" end="1"/>
+                                            </p:txEl>
+                                          </p:spTgt>
+                                        </p:tgtEl>
+                                        <p:attrNameLst>
+                                          <p:attrName>ppt_y</p:attrName>
+                                        </p:attrNameLst>
+                                      </p:cBhvr>
+                                      <p:tavLst>
+                                        <p:tav tm="0">
+                                          <p:val>
+                                            <p:strVal val="#ppt_y"/>
+                                          </p:val>
+                                        </p:tav>
+                                        <p:tav tm="100000">
+                                          <p:val>
+                                            <p:strVal val="#ppt_y"/>
+                                          </p:val>
+                                        </p:tav>
+                                      </p:tavLst>
+                                    </p:anim>
+                                  </p:childTnLst>
+                                </p:cTn>
+                              </p:par>
+                            </p:childTnLst>
+                          </p:cTn>
+                        </p:par>
+                      </p:childTnLst>
+                    </p:cTn>
+                  </p:par>
+                  <p:par>
+                    <p:cTn id="39" fill="hold">
+                      <p:stCondLst>
+                        <p:cond delay="indefinite"/>
+                      </p:stCondLst>
+                      <p:childTnLst>
+                        <p:par>
+                          <p:cTn id="40" fill="hold">
+                            <p:stCondLst>
+                              <p:cond delay="0"/>
+                            </p:stCondLst>
+                            <p:childTnLst>
+                              <p:par>
+                                <p:cTn id="41" presetID="2" presetClass="entr" presetSubtype="2" fill="hold" grpId="0" nodeType="clickEffect">
+                                  <p:stCondLst>
+                                    <p:cond delay="0"/>
+                                  </p:stCondLst>
+                                  <p:childTnLst>
+                                    <p:set>
+                                      <p:cBhvr>
+                                        <p:cTn id="42" dur="1" fill="hold">
+                                          <p:stCondLst>
+                                            <p:cond delay="0"/>
+                                          </p:stCondLst>
+                                        </p:cTn>
+                                        <p:tgtEl>
+                                          <p:spTgt spid="8">
+                                            <p:txEl>
+                                              <p:pRg st="0" end="0"/>
+                                            </p:txEl>
+                                          </p:spTgt>
+                                        </p:tgtEl>
+                                        <p:attrNameLst>
+                                          <p:attrName>style.visibility</p:attrName>
+                                        </p:attrNameLst>
+                                      </p:cBhvr>
+                                      <p:to>
+                                        <p:strVal val="visible"/>
+                                      </p:to>
+                                    </p:set>
+                                    <p:anim calcmode="lin" valueType="num">
+                                      <p:cBhvr additive="base">
+                                        <p:cTn id="43" dur="500" fill="hold"/>
+                                        <p:tgtEl>
+                                          <p:spTgt spid="8">
+                                            <p:txEl>
+                                              <p:pRg st="0" end="0"/>
+                                            </p:txEl>
+                                          </p:spTgt>
+                                        </p:tgtEl>
+                                        <p:attrNameLst>
+                                          <p:attrName>ppt_x</p:attrName>
+                                        </p:attrNameLst>
+                                      </p:cBhvr>
+                                      <p:tavLst>
+                                        <p:tav tm="0">
+                                          <p:val>
+                                            <p:strVal val="1+#ppt_w/2"/>
+                                          </p:val>
+                                        </p:tav>
+                                        <p:tav tm="100000">
+                                          <p:val>
+                                            <p:strVal val="#ppt_x"/>
+                                          </p:val>
+                                        </p:tav>
+                                      </p:tavLst>
+                                    </p:anim>
+                                    <p:anim calcmode="lin" valueType="num">
+                                      <p:cBhvr additive="base">
+                                        <p:cTn id="44" dur="500" fill="hold"/>
+                                        <p:tgtEl>
+                                          <p:spTgt spid="8">
+                                            <p:txEl>
+                                              <p:pRg st="0" end="0"/>
+                                            </p:txEl>
+                                          </p:spTgt>
+                                        </p:tgtEl>
+                                        <p:attrNameLst>
+                                          <p:attrName>ppt_y</p:attrName>
+                                        </p:attrNameLst>
+                                      </p:cBhvr>
+                                      <p:tavLst>
+                                        <p:tav tm="0">
+                                          <p:val>
+                                            <p:strVal val="#ppt_y"/>
+                                          </p:val>
+                                        </p:tav>
+                                        <p:tav tm="100000">
+                                          <p:val>
+                                            <p:strVal val="#ppt_y"/>
+                                          </p:val>
+                                        </p:tav>
+                                      </p:tavLst>
+                                    </p:anim>
+                                  </p:childTnLst>
+                                </p:cTn>
+                              </p:par>
+                            </p:childTnLst>
+                          </p:cTn>
+                        </p:par>
+                      </p:childTnLst>
+                    </p:cTn>
+                  </p:par>
+                  <p:par>
+                    <p:cTn id="45" fill="hold">
+                      <p:stCondLst>
+                        <p:cond delay="indefinite"/>
+                      </p:stCondLst>
+                      <p:childTnLst>
+                        <p:par>
+                          <p:cTn id="46" fill="hold">
+                            <p:stCondLst>
+                              <p:cond delay="0"/>
+                            </p:stCondLst>
+                            <p:childTnLst>
+                              <p:par>
+                                <p:cTn id="47" presetID="2" presetClass="entr" presetSubtype="2" fill="hold" grpId="0" nodeType="clickEffect">
+                                  <p:stCondLst>
+                                    <p:cond delay="0"/>
+                                  </p:stCondLst>
+                                  <p:childTnLst>
+                                    <p:set>
+                                      <p:cBhvr>
+                                        <p:cTn id="48" dur="1" fill="hold">
+                                          <p:stCondLst>
+                                            <p:cond delay="0"/>
+                                          </p:stCondLst>
+                                        </p:cTn>
+                                        <p:tgtEl>
+                                          <p:spTgt spid="8">
+                                            <p:txEl>
+                                              <p:pRg st="1" end="1"/>
+                                            </p:txEl>
+                                          </p:spTgt>
+                                        </p:tgtEl>
+                                        <p:attrNameLst>
+                                          <p:attrName>style.visibility</p:attrName>
+                                        </p:attrNameLst>
+                                      </p:cBhvr>
+                                      <p:to>
+                                        <p:strVal val="visible"/>
+                                      </p:to>
+                                    </p:set>
+                                    <p:anim calcmode="lin" valueType="num">
+                                      <p:cBhvr additive="base">
+                                        <p:cTn id="49" dur="500" fill="hold"/>
+                                        <p:tgtEl>
+                                          <p:spTgt spid="8">
+                                            <p:txEl>
+                                              <p:pRg st="1" end="1"/>
+                                            </p:txEl>
+                                          </p:spTgt>
+                                        </p:tgtEl>
+                                        <p:attrNameLst>
+                                          <p:attrName>ppt_x</p:attrName>
+                                        </p:attrNameLst>
+                                      </p:cBhvr>
+                                      <p:tavLst>
+                                        <p:tav tm="0">
+                                          <p:val>
+                                            <p:strVal val="1+#ppt_w/2"/>
+                                          </p:val>
+                                        </p:tav>
+                                        <p:tav tm="100000">
+                                          <p:val>
+                                            <p:strVal val="#ppt_x"/>
+                                          </p:val>
+                                        </p:tav>
+                                      </p:tavLst>
+                                    </p:anim>
+                                    <p:anim calcmode="lin" valueType="num">
+                                      <p:cBhvr additive="base">
+                                        <p:cTn id="50" dur="500" fill="hold"/>
+                                        <p:tgtEl>
+                                          <p:spTgt spid="8">
+                                            <p:txEl>
+                                              <p:pRg st="1" end="1"/>
+                                            </p:txEl>
+                                          </p:spTgt>
+                                        </p:tgtEl>
+                                        <p:attrNameLst>
+                                          <p:attrName>ppt_y</p:attrName>
+                                        </p:attrNameLst>
+                                      </p:cBhvr>
+                                      <p:tavLst>
+                                        <p:tav tm="0">
+                                          <p:val>
+                                            <p:strVal val="#ppt_y"/>
+                                          </p:val>
+                                        </p:tav>
+                                        <p:tav tm="100000">
+                                          <p:val>
+                                            <p:strVal val="#ppt_y"/>
+                                          </p:val>
+                                        </p:tav>
+                                      </p:tavLst>
+                                    </p:anim>
+                                  </p:childTnLst>
+                                </p:cTn>
+                              </p:par>
+                            </p:childTnLst>
+                          </p:cTn>
+                        </p:par>
+                      </p:childTnLst>
+                    </p:cTn>
+                  </p:par>
+                  <p:par>
+                    <p:cTn id="51" fill="hold">
+                      <p:stCondLst>
+                        <p:cond delay="indefinite"/>
+                      </p:stCondLst>
+                      <p:childTnLst>
+                        <p:par>
+                          <p:cTn id="52" fill="hold">
+                            <p:stCondLst>
+                              <p:cond delay="0"/>
+                            </p:stCondLst>
+                            <p:childTnLst>
+                              <p:par>
+                                <p:cTn id="53" presetID="2" presetClass="entr" presetSubtype="2" fill="hold" grpId="0" nodeType="clickEffect">
+                                  <p:stCondLst>
+                                    <p:cond delay="0"/>
+                                  </p:stCondLst>
+                                  <p:childTnLst>
+                                    <p:set>
+                                      <p:cBhvr>
+                                        <p:cTn id="54" dur="1" fill="hold">
+                                          <p:stCondLst>
+                                            <p:cond delay="0"/>
+                                          </p:stCondLst>
+                                        </p:cTn>
+                                        <p:tgtEl>
+                                          <p:spTgt spid="8">
+                                            <p:txEl>
+                                              <p:pRg st="2" end="2"/>
+                                            </p:txEl>
+                                          </p:spTgt>
+                                        </p:tgtEl>
+                                        <p:attrNameLst>
+                                          <p:attrName>style.visibility</p:attrName>
+                                        </p:attrNameLst>
+                                      </p:cBhvr>
+                                      <p:to>
+                                        <p:strVal val="visible"/>
+                                      </p:to>
+                                    </p:set>
+                                    <p:anim calcmode="lin" valueType="num">
+                                      <p:cBhvr additive="base">
+                                        <p:cTn id="55" dur="500" fill="hold"/>
+                                        <p:tgtEl>
+                                          <p:spTgt spid="8">
+                                            <p:txEl>
+                                              <p:pRg st="2" end="2"/>
+                                            </p:txEl>
+                                          </p:spTgt>
+                                        </p:tgtEl>
+                                        <p:attrNameLst>
+                                          <p:attrName>ppt_x</p:attrName>
+                                        </p:attrNameLst>
+                                      </p:cBhvr>
+                                      <p:tavLst>
+                                        <p:tav tm="0">
+                                          <p:val>
+                                            <p:strVal val="1+#ppt_w/2"/>
+                                          </p:val>
+                                        </p:tav>
+                                        <p:tav tm="100000">
+                                          <p:val>
+                                            <p:strVal val="#ppt_x"/>
+                                          </p:val>
+                                        </p:tav>
+                                      </p:tavLst>
+                                    </p:anim>
+                                    <p:anim calcmode="lin" valueType="num">
+                                      <p:cBhvr additive="base">
+                                        <p:cTn id="56" dur="500" fill="hold"/>
+                                        <p:tgtEl>
+                                          <p:spTgt spid="8">
+                                            <p:txEl>
+                                              <p:pRg st="2" end="2"/>
+                                            </p:txEl>
+                                          </p:spTgt>
+                                        </p:tgtEl>
+                                        <p:attrNameLst>
+                                          <p:attrName>ppt_y</p:attrName>
+                                        </p:attrNameLst>
+                                      </p:cBhvr>
+                                      <p:tavLst>
+                                        <p:tav tm="0">
+                                          <p:val>
+                                            <p:strVal val="#ppt_y"/>
+                                          </p:val>
+                                        </p:tav>
+                                        <p:tav tm="100000">
+                                          <p:val>
+                                            <p:strVal val="#ppt_y"/>
+                                          </p:val>
+                                        </p:tav>
+                                      </p:tavLst>
+                                    </p:anim>
+                                  </p:childTnLst>
+                                </p:cTn>
+                              </p:par>
+                            </p:childTnLst>
+                          </p:cTn>
+                        </p:par>
+                      </p:childTnLst>
+                    </p:cTn>
+                  </p:par>
+                  <p:par>
+                    <p:cTn id="57" fill="hold">
+                      <p:stCondLst>
+                        <p:cond delay="indefinite"/>
+                      </p:stCondLst>
+                      <p:childTnLst>
+                        <p:par>
+                          <p:cTn id="58" fill="hold">
+                            <p:stCondLst>
+                              <p:cond delay="0"/>
+                            </p:stCondLst>
+                            <p:childTnLst>
+                              <p:par>
+                                <p:cTn id="59" presetID="2" presetClass="entr" presetSubtype="6" fill="hold" grpId="0" nodeType="clickEffect">
+                                  <p:stCondLst>
+                                    <p:cond delay="0"/>
+                                  </p:stCondLst>
+                                  <p:childTnLst>
+                                    <p:set>
+                                      <p:cBhvr>
+                                        <p:cTn id="60" dur="1" fill="hold">
+                                          <p:stCondLst>
+                                            <p:cond delay="0"/>
+                                          </p:stCondLst>
+                                        </p:cTn>
+                                        <p:tgtEl>
+                                          <p:spTgt spid="10">
+                                            <p:txEl>
+                                              <p:pRg st="0" end="0"/>
+                                            </p:txEl>
+                                          </p:spTgt>
+                                        </p:tgtEl>
+                                        <p:attrNameLst>
+                                          <p:attrName>style.visibility</p:attrName>
+                                        </p:attrNameLst>
+                                      </p:cBhvr>
+                                      <p:to>
+                                        <p:strVal val="visible"/>
+                                      </p:to>
+                                    </p:set>
+                                    <p:anim calcmode="lin" valueType="num">
+                                      <p:cBhvr additive="base">
+                                        <p:cTn id="61" dur="500" fill="hold"/>
+                                        <p:tgtEl>
+                                          <p:spTgt spid="10">
+                                            <p:txEl>
+                                              <p:pRg st="0" end="0"/>
+                                            </p:txEl>
+                                          </p:spTgt>
+                                        </p:tgtEl>
+                                        <p:attrNameLst>
+                                          <p:attrName>ppt_x</p:attrName>
+                                        </p:attrNameLst>
+                                      </p:cBhvr>
+                                      <p:tavLst>
+                                        <p:tav tm="0">
+                                          <p:val>
+                                            <p:strVal val="1+#ppt_w/2"/>
+                                          </p:val>
+                                        </p:tav>
+                                        <p:tav tm="100000">
+                                          <p:val>
+                                            <p:strVal val="#ppt_x"/>
+                                          </p:val>
+                                        </p:tav>
+                                      </p:tavLst>
+                                    </p:anim>
+                                    <p:anim calcmode="lin" valueType="num">
+                                      <p:cBhvr additive="base">
+                                        <p:cTn id="62" dur="500" fill="hold"/>
+                                        <p:tgtEl>
+                                          <p:spTgt spid="10">
+                                            <p:txEl>
+                                              <p:pRg st="0" end="0"/>
+                                            </p:txEl>
+                                          </p:spTgt>
+                                        </p:tgtEl>
+                                        <p:attrNameLst>
+                                          <p:attrName>ppt_y</p:attrName>
+                                        </p:attrNameLst>
+                                      </p:cBhvr>
+                                      <p:tavLst>
+                                        <p:tav tm="0">
+                                          <p:val>
+                                            <p:strVal val="1+#ppt_h/2"/>
+                                          </p:val>
+                                        </p:tav>
+                                        <p:tav tm="100000">
+                                          <p:val>
+                                            <p:strVal val="#ppt_y"/>
+                                          </p:val>
+                                        </p:tav>
+                                      </p:tavLst>
+                                    </p:anim>
+                                  </p:childTnLst>
+                                </p:cTn>
+                              </p:par>
+                            </p:childTnLst>
+                          </p:cTn>
+                        </p:par>
+                      </p:childTnLst>
+                    </p:cTn>
+                  </p:par>
+                  <p:par>
+                    <p:cTn id="63" fill="hold">
+                      <p:stCondLst>
+                        <p:cond delay="indefinite"/>
+                      </p:stCondLst>
+                      <p:childTnLst>
+                        <p:par>
+                          <p:cTn id="64" fill="hold">
+                            <p:stCondLst>
+                              <p:cond delay="0"/>
+                            </p:stCondLst>
+                            <p:childTnLst>
+                              <p:par>
+                                <p:cTn id="65" presetID="2" presetClass="entr" presetSubtype="6" fill="hold" grpId="0" nodeType="clickEffect">
+                                  <p:stCondLst>
+                                    <p:cond delay="0"/>
+                                  </p:stCondLst>
+                                  <p:childTnLst>
+                                    <p:set>
+                                      <p:cBhvr>
+                                        <p:cTn id="66" dur="1" fill="hold">
+                                          <p:stCondLst>
+                                            <p:cond delay="0"/>
+                                          </p:stCondLst>
+                                        </p:cTn>
+                                        <p:tgtEl>
+                                          <p:spTgt spid="10">
+                                            <p:txEl>
+                                              <p:pRg st="1" end="1"/>
+                                            </p:txEl>
+                                          </p:spTgt>
+                                        </p:tgtEl>
+                                        <p:attrNameLst>
+                                          <p:attrName>style.visibility</p:attrName>
+                                        </p:attrNameLst>
+                                      </p:cBhvr>
+                                      <p:to>
+                                        <p:strVal val="visible"/>
+                                      </p:to>
+                                    </p:set>
+                                    <p:anim calcmode="lin" valueType="num">
+                                      <p:cBhvr additive="base">
+                                        <p:cTn id="67" dur="500" fill="hold"/>
+                                        <p:tgtEl>
+                                          <p:spTgt spid="10">
+                                            <p:txEl>
+                                              <p:pRg st="1" end="1"/>
+                                            </p:txEl>
+                                          </p:spTgt>
+                                        </p:tgtEl>
+                                        <p:attrNameLst>
+                                          <p:attrName>ppt_x</p:attrName>
+                                        </p:attrNameLst>
+                                      </p:cBhvr>
+                                      <p:tavLst>
+                                        <p:tav tm="0">
+                                          <p:val>
+                                            <p:strVal val="1+#ppt_w/2"/>
+                                          </p:val>
+                                        </p:tav>
+                                        <p:tav tm="100000">
+                                          <p:val>
+                                            <p:strVal val="#ppt_x"/>
+                                          </p:val>
+                                        </p:tav>
+                                      </p:tavLst>
+                                    </p:anim>
+                                    <p:anim calcmode="lin" valueType="num">
+                                      <p:cBhvr additive="base">
+                                        <p:cTn id="68" dur="500" fill="hold"/>
+                                        <p:tgtEl>
+                                          <p:spTgt spid="10">
+                                            <p:txEl>
+                                              <p:pRg st="1" end="1"/>
+                                            </p:txEl>
+                                          </p:spTgt>
+                                        </p:tgtEl>
+                                        <p:attrNameLst>
+                                          <p:attrName>ppt_y</p:attrName>
+                                        </p:attrNameLst>
+                                      </p:cBhvr>
+                                      <p:tavLst>
+                                        <p:tav tm="0">
+                                          <p:val>
+                                            <p:strVal val="1+#ppt_h/2"/>
+                                          </p:val>
+                                        </p:tav>
+                                        <p:tav tm="100000">
+                                          <p:val>
+                                            <p:strVal val="#ppt_y"/>
+                                          </p:val>
+                                        </p:tav>
+                                      </p:tavLst>
+                                    </p:anim>
+                                  </p:childTnLst>
+                                </p:cTn>
+                              </p:par>
+                            </p:childTnLst>
+                          </p:cTn>
+                        </p:par>
+                      </p:childTnLst>
+                    </p:cTn>
+                  </p:par>
+                  <p:par>
+                    <p:cTn id="69" fill="hold">
+                      <p:stCondLst>
+                        <p:cond delay="indefinite"/>
+                      </p:stCondLst>
+                      <p:childTnLst>
+                        <p:par>
+                          <p:cTn id="70" fill="hold">
+                            <p:stCondLst>
+                              <p:cond delay="0"/>
+                            </p:stCondLst>
+                            <p:childTnLst>
+                              <p:par>
+                                <p:cTn id="71" presetID="2" presetClass="entr" presetSubtype="6" fill="hold" grpId="0" nodeType="clickEffect">
+                                  <p:stCondLst>
+                                    <p:cond delay="0"/>
+                                  </p:stCondLst>
+                                  <p:childTnLst>
+                                    <p:set>
+                                      <p:cBhvr>
+                                        <p:cTn id="72" dur="1" fill="hold">
+                                          <p:stCondLst>
+                                            <p:cond delay="0"/>
+                                          </p:stCondLst>
+                                        </p:cTn>
+                                        <p:tgtEl>
+                                          <p:spTgt spid="10">
+                                            <p:txEl>
+                                              <p:pRg st="2" end="2"/>
+                                            </p:txEl>
+                                          </p:spTgt>
+                                        </p:tgtEl>
+                                        <p:attrNameLst>
+                                          <p:attrName>style.visibility</p:attrName>
+                                        </p:attrNameLst>
+                                      </p:cBhvr>
+                                      <p:to>
+                                        <p:strVal val="visible"/>
+                                      </p:to>
+                                    </p:set>
+                                    <p:anim calcmode="lin" valueType="num">
+                                      <p:cBhvr additive="base">
+                                        <p:cTn id="73" dur="500" fill="hold"/>
+                                        <p:tgtEl>
+                                          <p:spTgt spid="10">
+                                            <p:txEl>
+                                              <p:pRg st="2" end="2"/>
+                                            </p:txEl>
+                                          </p:spTgt>
+                                        </p:tgtEl>
+                                        <p:attrNameLst>
+                                          <p:attrName>ppt_x</p:attrName>
+                                        </p:attrNameLst>
+                                      </p:cBhvr>
+                                      <p:tavLst>
+                                        <p:tav tm="0">
+                                          <p:val>
+                                            <p:strVal val="1+#ppt_w/2"/>
+                                          </p:val>
+                                        </p:tav>
+                                        <p:tav tm="100000">
+                                          <p:val>
+                                            <p:strVal val="#ppt_x"/>
+                                          </p:val>
+                                        </p:tav>
+                                      </p:tavLst>
+                                    </p:anim>
+                                    <p:anim calcmode="lin" valueType="num">
+                                      <p:cBhvr additive="base">
+                                        <p:cTn id="74" dur="500" fill="hold"/>
+                                        <p:tgtEl>
+                                          <p:spTgt spid="10">
+                                            <p:txEl>
+                                              <p:pRg st="2" end="2"/>
+                                            </p:txEl>
+                                          </p:spTgt>
+                                        </p:tgtEl>
+                                        <p:attrNameLst>
+                                          <p:attrName>ppt_y</p:attrName>
+                                        </p:attrNameLst>
+                                      </p:cBhvr>
+                                      <p:tavLst>
+                                        <p:tav tm="0">
+                                          <p:val>
+                                            <p:strVal val="1+#ppt_h/2"/>
+                                          </p:val>
+                                        </p:tav>
+                                        <p:tav tm="100000">
+                                          <p:val>
+                                            <p:strVal val="#ppt_y"/>
+                                          </p:val>
+                                        </p:tav>
+                                      </p:tavLst>
+                                    </p:anim>
+                                  </p:childTnLst>
+                                </p:cTn>
+                              </p:par>
+                            </p:childTnLst>
+                          </p:cTn>
+                        </p:par>
+                      </p:childTnLst>
+                    </p:cTn>
+                  </p:par>
+                  <p:par>
+                    <p:cTn id="75" fill="hold">
+                      <p:stCondLst>
+                        <p:cond delay="indefinite"/>
+                      </p:stCondLst>
+                      <p:childTnLst>
+                        <p:par>
+                          <p:cTn id="76" fill="hold">
+                            <p:stCondLst>
+                              <p:cond delay="0"/>
+                            </p:stCondLst>
+                            <p:childTnLst>
+                              <p:par>
+                                <p:cTn id="77" presetID="43" presetClass="entr" presetSubtype="0" fill="hold" grpId="0" nodeType="clickEffect">
+                                  <p:stCondLst>
+                                    <p:cond delay="0"/>
+                                  </p:stCondLst>
+                                  <p:childTnLst>
+                                    <p:set>
+                                      <p:cBhvr>
+                                        <p:cTn id="78" dur="1" fill="hold">
+                                          <p:stCondLst>
+                                            <p:cond delay="0"/>
+                                          </p:stCondLst>
+                                        </p:cTn>
+                                        <p:tgtEl>
+                                          <p:spTgt spid="9"/>
+                                        </p:tgtEl>
+                                        <p:attrNameLst>
+                                          <p:attrName>style.visibility</p:attrName>
+                                        </p:attrNameLst>
+                                      </p:cBhvr>
+                                      <p:to>
+                                        <p:strVal val="visible"/>
+                                      </p:to>
+                                    </p:set>
+                                    <p:animEffect transition="in" filter="fade">
+                                      <p:cBhvr>
+                                        <p:cTn id="79" dur="100"/>
+                                        <p:tgtEl>
+                                          <p:spTgt spid="9"/>
+                                        </p:tgtEl>
+                                      </p:cBhvr>
+                                    </p:animEffect>
+                                    <p:anim calcmode="lin" valueType="num">
+                                      <p:cBhvr>
+                                        <p:cTn id="80" dur="400" fill="hold"/>
+                                        <p:tgtEl>
+                                          <p:spTgt spid="9"/>
+                                        </p:tgtEl>
+                                        <p:attrNameLst>
+                                          <p:attrName>ppt_x</p:attrName>
+                                        </p:attrNameLst>
+                                      </p:cBhvr>
+                                      <p:tavLst>
+                                        <p:tav tm="0">
+                                          <p:val>
+                                            <p:strVal val="#ppt_x"/>
+                                          </p:val>
+                                        </p:tav>
+                                        <p:tav tm="100000">
+                                          <p:val>
+                                            <p:strVal val="#ppt_x"/>
+                                          </p:val>
+                                        </p:tav>
+                                      </p:tavLst>
+                                    </p:anim>
+                                    <p:anim calcmode="lin" valueType="num">
+                                      <p:cBhvr>
+                                        <p:cTn id="81" dur="400" fill="hold"/>
+                                        <p:tgtEl>
+                                          <p:spTgt spid="9"/>
+                                        </p:tgtEl>
+                                        <p:attrNameLst>
+                                          <p:attrName>ppt_y</p:attrName>
+                                        </p:attrNameLst>
+                                      </p:cBhvr>
+                                      <p:tavLst>
+                                        <p:tav tm="0">
+                                          <p:val>
+                                            <p:strVal val="#ppt_y+0.31"/>
+                                          </p:val>
+                                        </p:tav>
+                                        <p:tav tm="100000">
+                                          <p:val>
+                                            <p:strVal val="#ppt_y+0.31"/>
+                                          </p:val>
+                                        </p:tav>
+                                      </p:tavLst>
+                                    </p:anim>
+                                    <p:anim calcmode="lin" valueType="num">
+                                      <p:cBhvr>
+                                        <p:cTn id="82" dur="600" decel="50000" fill="hold">
+                                          <p:stCondLst>
+                                            <p:cond delay="400"/>
+                                          </p:stCondLst>
+                                        </p:cTn>
+                                        <p:tgtEl>
+                                          <p:spTgt spid="9"/>
+                                        </p:tgtEl>
+                                        <p:attrNameLst>
+                                          <p:attrName>ppt_x</p:attrName>
+                                        </p:attrNameLst>
+                                      </p:cBhvr>
+                                      <p:tavLst>
+                                        <p:tav tm="0">
+                                          <p:val>
+                                            <p:strVal val="#ppt_x"/>
+                                          </p:val>
+                                        </p:tav>
+                                        <p:tav tm="5000">
+                                          <p:val>
+                                            <p:strVal val="#ppt_x+0.0242"/>
+                                          </p:val>
+                                        </p:tav>
+                                        <p:tav tm="10000">
+                                          <p:val>
+                                            <p:strVal val="#ppt_x+0.0479"/>
+                                          </p:val>
+                                        </p:tav>
+                                        <p:tav tm="15000">
+                                          <p:val>
+                                            <p:strVal val="#ppt_x+0.0704"/>
+                                          </p:val>
+                                        </p:tav>
+                                        <p:tav tm="20000">
+                                          <p:val>
+                                            <p:strVal val="#ppt_x+0.0911"/>
+                                          </p:val>
+                                        </p:tav>
+                                        <p:tav tm="25000">
+                                          <p:val>
+                                            <p:strVal val="#ppt_x+0.1096"/>
+                                          </p:val>
+                                        </p:tav>
+                                        <p:tav tm="30000">
+                                          <p:val>
+                                            <p:strVal val="#ppt_x+0.1254"/>
+                                          </p:val>
+                                        </p:tav>
+                                        <p:tav tm="35000">
+                                          <p:val>
+                                            <p:strVal val="#ppt_x+0.1381"/>
+                                          </p:val>
+                                        </p:tav>
+                                        <p:tav tm="40000">
+                                          <p:val>
+                                            <p:strVal val="#ppt_x+0.1474"/>
+                                          </p:val>
+                                        </p:tav>
+                                        <p:tav tm="45000">
+                                          <p:val>
+                                            <p:strVal val="#ppt_x+0.1531"/>
+                                          </p:val>
+                                        </p:tav>
+                                        <p:tav tm="50000">
+                                          <p:val>
+                                            <p:strVal val="#ppt_x+0.1550"/>
+                                          </p:val>
+                                        </p:tav>
+                                        <p:tav tm="55000">
+                                          <p:val>
+                                            <p:strVal val="#ppt_x+0.1531"/>
+                                          </p:val>
+                                        </p:tav>
+                                        <p:tav tm="60000">
+                                          <p:val>
+                                            <p:strVal val="#ppt_x+0.1474"/>
+                                          </p:val>
+                                        </p:tav>
+                                        <p:tav tm="65000">
+                                          <p:val>
+                                            <p:strVal val="#ppt_x+0.1381"/>
+                                          </p:val>
+                                        </p:tav>
+                                        <p:tav tm="70000">
+                                          <p:val>
+                                            <p:strVal val="#ppt_x+0.1254"/>
+                                          </p:val>
+                                        </p:tav>
+                                        <p:tav tm="75000">
+                                          <p:val>
+                                            <p:strVal val="#ppt_x+0.1096"/>
+                                          </p:val>
+                                        </p:tav>
+                                        <p:tav tm="80000">
+                                          <p:val>
+                                            <p:strVal val="#ppt_x+0.0911"/>
+                                          </p:val>
+                                        </p:tav>
+                                        <p:tav tm="85000">
+                                          <p:val>
+                                            <p:strVal val="#ppt_x+0.0704"/>
+                                          </p:val>
+                                        </p:tav>
+                                        <p:tav tm="90000">
+                                          <p:val>
+                                            <p:strVal val="#ppt_x+0.0479"/>
+                                          </p:val>
+                                        </p:tav>
+                                        <p:tav tm="95000">
+                                          <p:val>
+                                            <p:strVal val="#ppt_x+0.0242"/>
+                                          </p:val>
+                                        </p:tav>
+                                        <p:tav tm="100000">
+                                          <p:val>
+                                            <p:strVal val="#ppt_x"/>
+                                          </p:val>
+                                        </p:tav>
+                                      </p:tavLst>
+                                    </p:anim>
+                                    <p:anim calcmode="lin" valueType="num">
+                                      <p:cBhvr>
+                                        <p:cTn id="83" dur="600" decel="50000" fill="hold">
+                                          <p:stCondLst>
+                                            <p:cond delay="400"/>
+                                          </p:stCondLst>
+                                        </p:cTn>
+                                        <p:tgtEl>
+                                          <p:spTgt spid="9"/>
+                                        </p:tgtEl>
+                                        <p:attrNameLst>
+                                          <p:attrName>ppt_y</p:attrName>
+                                        </p:attrNameLst>
+                                      </p:cBhvr>
+                                      <p:tavLst>
+                                        <p:tav tm="0">
+                                          <p:val>
+                                            <p:strVal val="#ppt_y+0.31"/>
+                                          </p:val>
+                                        </p:tav>
+                                        <p:tav tm="5000">
+                                          <p:val>
+                                            <p:strVal val="#ppt_y+0.308"/>
+                                          </p:val>
+                                        </p:tav>
+                                        <p:tav tm="10000">
+                                          <p:val>
+                                            <p:strVal val="#ppt_y+0.3024"/>
+                                          </p:val>
+                                        </p:tav>
+                                        <p:tav tm="15000">
+                                          <p:val>
+                                            <p:strVal val="#ppt_y+0.2931"/>
+                                          </p:val>
+                                        </p:tav>
+                                        <p:tav tm="20000">
+                                          <p:val>
+                                            <p:strVal val="#ppt_y+0.2804"/>
+                                          </p:val>
+                                        </p:tav>
+                                        <p:tav tm="25000">
+                                          <p:val>
+                                            <p:strVal val="#ppt_y+0.2646"/>
+                                          </p:val>
+                                        </p:tav>
+                                        <p:tav tm="30000">
+                                          <p:val>
+                                            <p:strVal val="#ppt_y+0.2461"/>
+                                          </p:val>
+                                        </p:tav>
+                                        <p:tav tm="35000">
+                                          <p:val>
+                                            <p:strVal val="#ppt_y+0.2253"/>
+                                          </p:val>
+                                        </p:tav>
+                                        <p:tav tm="40000">
+                                          <p:val>
+                                            <p:strVal val="#ppt_y+0.2029"/>
+                                          </p:val>
+                                        </p:tav>
+                                        <p:tav tm="45000">
+                                          <p:val>
+                                            <p:strVal val="#ppt_y+0.1792"/>
+                                          </p:val>
+                                        </p:tav>
+                                        <p:tav tm="50000">
+                                          <p:val>
+                                            <p:strVal val="#ppt_y+0.155"/>
+                                          </p:val>
+                                        </p:tav>
+                                        <p:tav tm="55000">
+                                          <p:val>
+                                            <p:strVal val="#ppt_y+0.1307"/>
+                                          </p:val>
+                                        </p:tav>
+                                        <p:tav tm="60000">
+                                          <p:val>
+                                            <p:strVal val="#ppt_y+0.1071"/>
+                                          </p:val>
+                                        </p:tav>
+                                        <p:tav tm="65000">
+                                          <p:val>
+                                            <p:strVal val="#ppt_y+0.0846"/>
+                                          </p:val>
+                                        </p:tav>
+                                        <p:tav tm="70000">
+                                          <p:val>
+                                            <p:strVal val="#ppt_y+0.0639"/>
+                                          </p:val>
+                                        </p:tav>
+                                        <p:tav tm="75000">
+                                          <p:val>
+                                            <p:strVal val="#ppt_y+0.0454"/>
+                                          </p:val>
+                                        </p:tav>
+                                        <p:tav tm="80000">
+                                          <p:val>
+                                            <p:strVal val="#ppt_y+0.0296"/>
+                                          </p:val>
+                                        </p:tav>
+                                        <p:tav tm="85000">
+                                          <p:val>
+                                            <p:strVal val="#ppt_y+0.0169"/>
+                                          </p:val>
+                                        </p:tav>
+                                        <p:tav tm="90000">
+                                          <p:val>
+                                            <p:strVal val="#ppt_y+0.0076"/>
+                                          </p:val>
+                                        </p:tav>
+                                        <p:tav tm="95000">
+                                          <p:val>
+                                            <p:strVal val="#ppt_y+0.0019"/>
+                                          </p:val>
+                                        </p:tav>
+                                        <p:tav tm="100000">
+                                          <p:val>
+                                            <p:strVal val="#ppt_y"/>
+                                          </p:val>
+                                        </p:tav>
+                                      </p:tavLst>
+                                    </p:anim>
+                                  </p:childTnLst>
+                                </p:cTn>
+                              </p:par>
+                            </p:childTnLst>
+                          </p:cTn>
+                        </p:par>
+                      </p:childTnLst>
+                    </p:cTn>
+                  </p:par>
+                </p:childTnLst>
+              </p:cTn>
+              <p:prevCondLst>
+                <p:cond evt="onPrev" delay="0">
+                  <p:tgtEl>
+                    <p:sldTgt/>
+                  </p:tgtEl>
+                </p:cond>
+              </p:prevCondLst>
+              <p:nextCondLst>
+                <p:cond evt="onNext" delay="0">
+                  <p:tgtEl>
+                    <p:sldTgt/>
+                  </p:tgtEl>
+                </p:cond>
+              </p:nextCondLst>
+            </p:seq>
+          </p:childTnLst>
+        </p:cTn>
+      </p:par>
+    </p:tnLst>
+    <p:bldLst>
+      <p:bldP spid="4" grpId="0"/>
+      <p:bldP spid="5" grpId="0"/>
+      <p:bldP spid="6" grpId="0"/>
+      <p:bldP spid="7" grpId="0"/>
+      <p:bldP spid="3" grpId="0" build="p"/>
+      <p:bldP spid="8" grpId="0" build="p"/>
+      <p:bldP spid="9" grpId="0"/>
+      <p:bldP spid="10" grpId="0" build="p"/>
+    </p:bldLst>
+  </p:timing>
 </p:sld>
 </file>
 
@@ -13664,6 +19172,13 @@
   <p:clrMapOvr>
     <a:masterClrMapping/>
   </p:clrMapOvr>
+  <p:timing>
+    <p:tnLst>
+      <p:par>
+        <p:cTn id="1" dur="indefinite" restart="never" nodeType="tmRoot"/>
+      </p:par>
+    </p:tnLst>
+  </p:timing>
 </p:sld>
 </file>
 
@@ -13762,6 +19277,13 @@
   <p:clrMapOvr>
     <a:masterClrMapping/>
   </p:clrMapOvr>
+  <p:timing>
+    <p:tnLst>
+      <p:par>
+        <p:cTn id="1" dur="indefinite" restart="never" nodeType="tmRoot"/>
+      </p:par>
+    </p:tnLst>
+  </p:timing>
 </p:sld>
 </file>
 
@@ -13900,6 +19422,13 @@
   <p:clrMapOvr>
     <a:masterClrMapping/>
   </p:clrMapOvr>
+  <p:timing>
+    <p:tnLst>
+      <p:par>
+        <p:cTn id="1" dur="indefinite" restart="never" nodeType="tmRoot"/>
+      </p:par>
+    </p:tnLst>
+  </p:timing>
 </p:sld>
 </file>
 
